--- a/ActiveNet Trainer/PowerPoint Creations/POS-Policy.pptx
+++ b/ActiveNet Trainer/PowerPoint Creations/POS-Policy.pptx
@@ -3006,6 +3006,13 @@
         </dgm:presLayoutVars>
       </dgm:prSet>
       <dgm:spPr/>
+      <dgm:t>
+        <a:bodyPr/>
+        <a:lstStyle/>
+        <a:p>
+          <a:endParaRPr lang="en-US"/>
+        </a:p>
+      </dgm:t>
     </dgm:pt>
     <dgm:pt modelId="{BF0DC3A1-3415-40E5-BF82-E5D4F50B2B2B}" type="pres">
       <dgm:prSet presAssocID="{2777F76A-866C-4F35-9E40-3BCE03B691BD}" presName="parentLin" presStyleCnt="0"/>
@@ -3014,6 +3021,13 @@
     <dgm:pt modelId="{B2994393-C3D8-4843-AF83-366B88570832}" type="pres">
       <dgm:prSet presAssocID="{2777F76A-866C-4F35-9E40-3BCE03B691BD}" presName="parentLeftMargin" presStyleLbl="node1" presStyleIdx="0" presStyleCnt="3"/>
       <dgm:spPr/>
+      <dgm:t>
+        <a:bodyPr/>
+        <a:lstStyle/>
+        <a:p>
+          <a:endParaRPr lang="en-US"/>
+        </a:p>
+      </dgm:t>
     </dgm:pt>
     <dgm:pt modelId="{03957605-516E-49D8-BB77-63AB8A30758C}" type="pres">
       <dgm:prSet presAssocID="{2777F76A-866C-4F35-9E40-3BCE03B691BD}" presName="parentText" presStyleLbl="node1" presStyleIdx="0" presStyleCnt="3">
@@ -3023,6 +3037,13 @@
         </dgm:presLayoutVars>
       </dgm:prSet>
       <dgm:spPr/>
+      <dgm:t>
+        <a:bodyPr/>
+        <a:lstStyle/>
+        <a:p>
+          <a:endParaRPr lang="en-US"/>
+        </a:p>
+      </dgm:t>
     </dgm:pt>
     <dgm:pt modelId="{FB1BBFBC-4C8C-4856-A671-1951CAA77D1A}" type="pres">
       <dgm:prSet presAssocID="{2777F76A-866C-4F35-9E40-3BCE03B691BD}" presName="negativeSpace" presStyleCnt="0"/>
@@ -3054,6 +3075,13 @@
     <dgm:pt modelId="{54479455-F533-4093-8592-5DCCE05C5ABF}" type="pres">
       <dgm:prSet presAssocID="{CD6DA511-09DA-48A1-94CB-FEC32CD7B237}" presName="parentLeftMargin" presStyleLbl="node1" presStyleIdx="0" presStyleCnt="3"/>
       <dgm:spPr/>
+      <dgm:t>
+        <a:bodyPr/>
+        <a:lstStyle/>
+        <a:p>
+          <a:endParaRPr lang="en-US"/>
+        </a:p>
+      </dgm:t>
     </dgm:pt>
     <dgm:pt modelId="{6938D4F8-2AB5-4B96-B0B4-E65635922F15}" type="pres">
       <dgm:prSet presAssocID="{CD6DA511-09DA-48A1-94CB-FEC32CD7B237}" presName="parentText" presStyleLbl="node1" presStyleIdx="1" presStyleCnt="3">
@@ -3101,6 +3129,13 @@
     <dgm:pt modelId="{FCFCAA7F-4B19-4413-A187-39354A32F358}" type="pres">
       <dgm:prSet presAssocID="{3A5EFB2F-D472-4DA7-BCC6-367F658AB39E}" presName="parentLeftMargin" presStyleLbl="node1" presStyleIdx="1" presStyleCnt="3"/>
       <dgm:spPr/>
+      <dgm:t>
+        <a:bodyPr/>
+        <a:lstStyle/>
+        <a:p>
+          <a:endParaRPr lang="en-US"/>
+        </a:p>
+      </dgm:t>
     </dgm:pt>
     <dgm:pt modelId="{F226D021-1AAB-4D3B-91FC-A06225580D7E}" type="pres">
       <dgm:prSet presAssocID="{3A5EFB2F-D472-4DA7-BCC6-367F658AB39E}" presName="parentText" presStyleLbl="node1" presStyleIdx="2" presStyleCnt="3">
@@ -3110,6 +3145,13 @@
         </dgm:presLayoutVars>
       </dgm:prSet>
       <dgm:spPr/>
+      <dgm:t>
+        <a:bodyPr/>
+        <a:lstStyle/>
+        <a:p>
+          <a:endParaRPr lang="en-US"/>
+        </a:p>
+      </dgm:t>
     </dgm:pt>
     <dgm:pt modelId="{49409EB1-FC3C-4471-8D37-E7EE724418C6}" type="pres">
       <dgm:prSet presAssocID="{3A5EFB2F-D472-4DA7-BCC6-367F658AB39E}" presName="negativeSpace" presStyleCnt="0"/>
@@ -3138,8 +3180,8 @@
     <dgm:cxn modelId="{A840D76F-341D-48F6-9E05-04DC1786CD41}" srcId="{DBF73EDD-333C-4C62-B881-02122CE5FE61}" destId="{3A5EFB2F-D472-4DA7-BCC6-367F658AB39E}" srcOrd="2" destOrd="0" parTransId="{8AE99A1A-B6C3-4C5C-93D2-2BFBDB5605F4}" sibTransId="{867857CF-5965-43F2-874E-0F683FA5249F}"/>
     <dgm:cxn modelId="{494B2093-2D38-44E7-9D80-E5A8323D2599}" type="presOf" srcId="{CD6DA511-09DA-48A1-94CB-FEC32CD7B237}" destId="{6938D4F8-2AB5-4B96-B0B4-E65635922F15}" srcOrd="1" destOrd="0" presId="urn:microsoft.com/office/officeart/2005/8/layout/list1"/>
     <dgm:cxn modelId="{7608263C-8BB8-46BC-92E2-D38A5240FB06}" type="presOf" srcId="{F57140A7-52D2-4628-B8AF-8A0B536CC93D}" destId="{760423D8-6341-449E-AC15-2EABEFC490D3}" srcOrd="0" destOrd="0" presId="urn:microsoft.com/office/officeart/2005/8/layout/list1"/>
+    <dgm:cxn modelId="{87AF25D7-ECB3-40A3-823C-0F230B7CAAC6}" srcId="{3A5EFB2F-D472-4DA7-BCC6-367F658AB39E}" destId="{F933A5DC-811B-49D6-96DE-D418AE0E4DF5}" srcOrd="0" destOrd="0" parTransId="{CCE2AEB9-D5E3-4197-A148-24E7E11FC1AB}" sibTransId="{BBA16927-684E-4EEE-91EC-0C84A35433B6}"/>
     <dgm:cxn modelId="{F941A43A-03D4-41C6-B995-F6E25F4D95DD}" srcId="{DBF73EDD-333C-4C62-B881-02122CE5FE61}" destId="{2777F76A-866C-4F35-9E40-3BCE03B691BD}" srcOrd="0" destOrd="0" parTransId="{3436FDD8-4ED5-42FF-B11B-A624BFCE5DD7}" sibTransId="{4BE48F94-DD4B-4B89-94B7-E076D6AC018C}"/>
-    <dgm:cxn modelId="{87AF25D7-ECB3-40A3-823C-0F230B7CAAC6}" srcId="{3A5EFB2F-D472-4DA7-BCC6-367F658AB39E}" destId="{F933A5DC-811B-49D6-96DE-D418AE0E4DF5}" srcOrd="0" destOrd="0" parTransId="{CCE2AEB9-D5E3-4197-A148-24E7E11FC1AB}" sibTransId="{BBA16927-684E-4EEE-91EC-0C84A35433B6}"/>
     <dgm:cxn modelId="{D3FCF1EC-D813-45AB-9C12-A4558FCC7ED0}" type="presOf" srcId="{AF746EBD-7EE0-407C-9D43-327FD6DFAB40}" destId="{5C4164AB-474A-4BE4-9748-428EFE961B11}" srcOrd="0" destOrd="1" presId="urn:microsoft.com/office/officeart/2005/8/layout/list1"/>
     <dgm:cxn modelId="{1A2A5D76-A7C5-456C-8BCB-76C36B109AF0}" type="presOf" srcId="{F933A5DC-811B-49D6-96DE-D418AE0E4DF5}" destId="{5C4164AB-474A-4BE4-9748-428EFE961B11}" srcOrd="0" destOrd="0" presId="urn:microsoft.com/office/officeart/2005/8/layout/list1"/>
     <dgm:cxn modelId="{BA671598-9128-4CAE-9B0C-2C28DCE5C871}" srcId="{DBF73EDD-333C-4C62-B881-02122CE5FE61}" destId="{CD6DA511-09DA-48A1-94CB-FEC32CD7B237}" srcOrd="1" destOrd="0" parTransId="{EDB9ECE8-D0DB-4A40-BF70-FC9FEA1D7623}" sibTransId="{BA37D960-9A06-4F32-9941-DFE45F217042}"/>
@@ -3484,6 +3526,13 @@
         </dgm:presLayoutVars>
       </dgm:prSet>
       <dgm:spPr/>
+      <dgm:t>
+        <a:bodyPr/>
+        <a:lstStyle/>
+        <a:p>
+          <a:endParaRPr lang="en-US"/>
+        </a:p>
+      </dgm:t>
     </dgm:pt>
     <dgm:pt modelId="{BF0DC3A1-3415-40E5-BF82-E5D4F50B2B2B}" type="pres">
       <dgm:prSet presAssocID="{2777F76A-866C-4F35-9E40-3BCE03B691BD}" presName="parentLin" presStyleCnt="0"/>
@@ -3492,6 +3541,13 @@
     <dgm:pt modelId="{B2994393-C3D8-4843-AF83-366B88570832}" type="pres">
       <dgm:prSet presAssocID="{2777F76A-866C-4F35-9E40-3BCE03B691BD}" presName="parentLeftMargin" presStyleLbl="node1" presStyleIdx="0" presStyleCnt="3"/>
       <dgm:spPr/>
+      <dgm:t>
+        <a:bodyPr/>
+        <a:lstStyle/>
+        <a:p>
+          <a:endParaRPr lang="en-US"/>
+        </a:p>
+      </dgm:t>
     </dgm:pt>
     <dgm:pt modelId="{03957605-516E-49D8-BB77-63AB8A30758C}" type="pres">
       <dgm:prSet presAssocID="{2777F76A-866C-4F35-9E40-3BCE03B691BD}" presName="parentText" presStyleLbl="node1" presStyleIdx="0" presStyleCnt="3">
@@ -3501,6 +3557,13 @@
         </dgm:presLayoutVars>
       </dgm:prSet>
       <dgm:spPr/>
+      <dgm:t>
+        <a:bodyPr/>
+        <a:lstStyle/>
+        <a:p>
+          <a:endParaRPr lang="en-US"/>
+        </a:p>
+      </dgm:t>
     </dgm:pt>
     <dgm:pt modelId="{FB1BBFBC-4C8C-4856-A671-1951CAA77D1A}" type="pres">
       <dgm:prSet presAssocID="{2777F76A-866C-4F35-9E40-3BCE03B691BD}" presName="negativeSpace" presStyleCnt="0"/>
@@ -3532,6 +3595,13 @@
     <dgm:pt modelId="{54479455-F533-4093-8592-5DCCE05C5ABF}" type="pres">
       <dgm:prSet presAssocID="{CD6DA511-09DA-48A1-94CB-FEC32CD7B237}" presName="parentLeftMargin" presStyleLbl="node1" presStyleIdx="0" presStyleCnt="3"/>
       <dgm:spPr/>
+      <dgm:t>
+        <a:bodyPr/>
+        <a:lstStyle/>
+        <a:p>
+          <a:endParaRPr lang="en-US"/>
+        </a:p>
+      </dgm:t>
     </dgm:pt>
     <dgm:pt modelId="{6938D4F8-2AB5-4B96-B0B4-E65635922F15}" type="pres">
       <dgm:prSet presAssocID="{CD6DA511-09DA-48A1-94CB-FEC32CD7B237}" presName="parentText" presStyleLbl="node1" presStyleIdx="1" presStyleCnt="3">
@@ -3579,6 +3649,13 @@
     <dgm:pt modelId="{FCFCAA7F-4B19-4413-A187-39354A32F358}" type="pres">
       <dgm:prSet presAssocID="{3A5EFB2F-D472-4DA7-BCC6-367F658AB39E}" presName="parentLeftMargin" presStyleLbl="node1" presStyleIdx="1" presStyleCnt="3"/>
       <dgm:spPr/>
+      <dgm:t>
+        <a:bodyPr/>
+        <a:lstStyle/>
+        <a:p>
+          <a:endParaRPr lang="en-US"/>
+        </a:p>
+      </dgm:t>
     </dgm:pt>
     <dgm:pt modelId="{F226D021-1AAB-4D3B-91FC-A06225580D7E}" type="pres">
       <dgm:prSet presAssocID="{3A5EFB2F-D472-4DA7-BCC6-367F658AB39E}" presName="parentText" presStyleLbl="node1" presStyleIdx="2" presStyleCnt="3">
@@ -3619,8 +3696,8 @@
   <dgm:cxnLst>
     <dgm:cxn modelId="{D02EAC3E-2C3F-4E51-8777-41A550FBF0DD}" type="presOf" srcId="{41750358-CBCC-404F-8DB4-9AB002BED3D8}" destId="{5C4164AB-474A-4BE4-9748-428EFE961B11}" srcOrd="0" destOrd="0" presId="urn:microsoft.com/office/officeart/2005/8/layout/list1"/>
     <dgm:cxn modelId="{99C4CCFC-16C9-482B-911C-C258141EC13A}" type="presOf" srcId="{DBF73EDD-333C-4C62-B881-02122CE5FE61}" destId="{76B3452C-236A-4377-A093-685752666BF0}" srcOrd="0" destOrd="0" presId="urn:microsoft.com/office/officeart/2005/8/layout/list1"/>
+    <dgm:cxn modelId="{6681DCC0-7251-414E-969E-269CCCB9E5D8}" srcId="{3A5EFB2F-D472-4DA7-BCC6-367F658AB39E}" destId="{F67E30E1-D48E-4DB7-AD1B-CE9758CCAC69}" srcOrd="1" destOrd="0" parTransId="{B8A0F18C-F88F-4F86-89FC-01E0F3810CBD}" sibTransId="{B191B670-7C3E-474D-ADC8-F6B4D6F80F8A}"/>
     <dgm:cxn modelId="{C17D8015-AF4B-487F-89CC-04847CED3279}" type="presOf" srcId="{F57140A7-52D2-4628-B8AF-8A0B536CC93D}" destId="{760423D8-6341-449E-AC15-2EABEFC490D3}" srcOrd="0" destOrd="0" presId="urn:microsoft.com/office/officeart/2005/8/layout/list1"/>
-    <dgm:cxn modelId="{6681DCC0-7251-414E-969E-269CCCB9E5D8}" srcId="{3A5EFB2F-D472-4DA7-BCC6-367F658AB39E}" destId="{F67E30E1-D48E-4DB7-AD1B-CE9758CCAC69}" srcOrd="1" destOrd="0" parTransId="{B8A0F18C-F88F-4F86-89FC-01E0F3810CBD}" sibTransId="{B191B670-7C3E-474D-ADC8-F6B4D6F80F8A}"/>
     <dgm:cxn modelId="{A840D76F-341D-48F6-9E05-04DC1786CD41}" srcId="{DBF73EDD-333C-4C62-B881-02122CE5FE61}" destId="{3A5EFB2F-D472-4DA7-BCC6-367F658AB39E}" srcOrd="2" destOrd="0" parTransId="{8AE99A1A-B6C3-4C5C-93D2-2BFBDB5605F4}" sibTransId="{867857CF-5965-43F2-874E-0F683FA5249F}"/>
     <dgm:cxn modelId="{F941A43A-03D4-41C6-B995-F6E25F4D95DD}" srcId="{DBF73EDD-333C-4C62-B881-02122CE5FE61}" destId="{2777F76A-866C-4F35-9E40-3BCE03B691BD}" srcOrd="0" destOrd="0" parTransId="{3436FDD8-4ED5-42FF-B11B-A624BFCE5DD7}" sibTransId="{4BE48F94-DD4B-4B89-94B7-E076D6AC018C}"/>
     <dgm:cxn modelId="{4497E5CC-0421-442B-B6B2-C7D0D1AFC4F9}" type="presOf" srcId="{F67E30E1-D48E-4DB7-AD1B-CE9758CCAC69}" destId="{5C4164AB-474A-4BE4-9748-428EFE961B11}" srcOrd="0" destOrd="1" presId="urn:microsoft.com/office/officeart/2005/8/layout/list1"/>
@@ -3949,6 +4026,13 @@
         </dgm:presLayoutVars>
       </dgm:prSet>
       <dgm:spPr/>
+      <dgm:t>
+        <a:bodyPr/>
+        <a:lstStyle/>
+        <a:p>
+          <a:endParaRPr lang="en-US"/>
+        </a:p>
+      </dgm:t>
     </dgm:pt>
     <dgm:pt modelId="{BCA1AF52-FF07-45C4-85E8-613A70A48E55}" type="pres">
       <dgm:prSet presAssocID="{60AC6A14-804B-4C73-A3F8-15D682701FA9}" presName="parentLin" presStyleCnt="0"/>
@@ -3957,6 +4041,13 @@
     <dgm:pt modelId="{9379AB90-BD1F-4A03-86B5-4785D3AB64A7}" type="pres">
       <dgm:prSet presAssocID="{60AC6A14-804B-4C73-A3F8-15D682701FA9}" presName="parentLeftMargin" presStyleLbl="node1" presStyleIdx="0" presStyleCnt="3"/>
       <dgm:spPr/>
+      <dgm:t>
+        <a:bodyPr/>
+        <a:lstStyle/>
+        <a:p>
+          <a:endParaRPr lang="en-US"/>
+        </a:p>
+      </dgm:t>
     </dgm:pt>
     <dgm:pt modelId="{E14DA548-9018-4DC6-8A10-41646B05C52D}" type="pres">
       <dgm:prSet presAssocID="{60AC6A14-804B-4C73-A3F8-15D682701FA9}" presName="parentText" presStyleLbl="node1" presStyleIdx="0" presStyleCnt="3">
@@ -4004,6 +4095,13 @@
     <dgm:pt modelId="{D9EAD290-981B-490D-976A-B8FB9E390B68}" type="pres">
       <dgm:prSet presAssocID="{81C2013A-F197-40F1-8EE4-3C21F2E1CA71}" presName="parentLeftMargin" presStyleLbl="node1" presStyleIdx="0" presStyleCnt="3"/>
       <dgm:spPr/>
+      <dgm:t>
+        <a:bodyPr/>
+        <a:lstStyle/>
+        <a:p>
+          <a:endParaRPr lang="en-US"/>
+        </a:p>
+      </dgm:t>
     </dgm:pt>
     <dgm:pt modelId="{DD943D49-4AE3-447E-B3A5-00B8B281A284}" type="pres">
       <dgm:prSet presAssocID="{81C2013A-F197-40F1-8EE4-3C21F2E1CA71}" presName="parentText" presStyleLbl="node1" presStyleIdx="1" presStyleCnt="3">
@@ -4013,6 +4111,13 @@
         </dgm:presLayoutVars>
       </dgm:prSet>
       <dgm:spPr/>
+      <dgm:t>
+        <a:bodyPr/>
+        <a:lstStyle/>
+        <a:p>
+          <a:endParaRPr lang="en-US"/>
+        </a:p>
+      </dgm:t>
     </dgm:pt>
     <dgm:pt modelId="{CC7833E9-6F1B-45AF-8B97-094BC485D91B}" type="pres">
       <dgm:prSet presAssocID="{81C2013A-F197-40F1-8EE4-3C21F2E1CA71}" presName="negativeSpace" presStyleCnt="0"/>
@@ -4044,6 +4149,13 @@
     <dgm:pt modelId="{C55AC184-4B63-4ACF-BAEE-BAFED4D9CE01}" type="pres">
       <dgm:prSet presAssocID="{2955A9BB-B772-4BED-A761-88D6294E71E5}" presName="parentLeftMargin" presStyleLbl="node1" presStyleIdx="1" presStyleCnt="3"/>
       <dgm:spPr/>
+      <dgm:t>
+        <a:bodyPr/>
+        <a:lstStyle/>
+        <a:p>
+          <a:endParaRPr lang="en-US"/>
+        </a:p>
+      </dgm:t>
     </dgm:pt>
     <dgm:pt modelId="{946F776E-CA37-4577-818D-C4AF700DFAD5}" type="pres">
       <dgm:prSet presAssocID="{2955A9BB-B772-4BED-A761-88D6294E71E5}" presName="parentText" presStyleLbl="node1" presStyleIdx="2" presStyleCnt="3">
@@ -4053,6 +4165,13 @@
         </dgm:presLayoutVars>
       </dgm:prSet>
       <dgm:spPr/>
+      <dgm:t>
+        <a:bodyPr/>
+        <a:lstStyle/>
+        <a:p>
+          <a:endParaRPr lang="en-US"/>
+        </a:p>
+      </dgm:t>
     </dgm:pt>
     <dgm:pt modelId="{D282B98D-1A08-4E69-89A3-E629A7931AFD}" type="pres">
       <dgm:prSet presAssocID="{2955A9BB-B772-4BED-A761-88D6294E71E5}" presName="negativeSpace" presStyleCnt="0"/>
@@ -4075,23 +4194,23 @@
     </dgm:pt>
   </dgm:ptLst>
   <dgm:cxnLst>
+    <dgm:cxn modelId="{77F39BCD-B22E-4A7F-8F97-39C07908BD7D}" srcId="{DBF73EDD-333C-4C62-B881-02122CE5FE61}" destId="{60AC6A14-804B-4C73-A3F8-15D682701FA9}" srcOrd="0" destOrd="0" parTransId="{59741504-FFDC-43FC-9267-3BCCF5F27BAD}" sibTransId="{349354F8-D5CB-44EA-932E-91EE67F37ADE}"/>
+    <dgm:cxn modelId="{FD05F7B7-E05E-435C-AC66-A55FE07BCEF9}" type="presOf" srcId="{60AC6A14-804B-4C73-A3F8-15D682701FA9}" destId="{9379AB90-BD1F-4A03-86B5-4785D3AB64A7}" srcOrd="0" destOrd="0" presId="urn:microsoft.com/office/officeart/2005/8/layout/list1"/>
+    <dgm:cxn modelId="{D545207C-928C-4706-A68A-90933FC04F85}" srcId="{60AC6A14-804B-4C73-A3F8-15D682701FA9}" destId="{073B40D1-B301-4BF4-B401-05B2D048F9A5}" srcOrd="0" destOrd="0" parTransId="{66B0F216-1491-4058-8C36-037C7FEBE072}" sibTransId="{3106EB2E-01E8-4EC1-948A-12BC40E4FF9E}"/>
+    <dgm:cxn modelId="{614E0004-52C5-4AD1-982C-76280EBFCB9D}" srcId="{DBF73EDD-333C-4C62-B881-02122CE5FE61}" destId="{81C2013A-F197-40F1-8EE4-3C21F2E1CA71}" srcOrd="1" destOrd="0" parTransId="{124D0B2B-21E9-41FC-BF34-B0AA7B437495}" sibTransId="{91DB9FBB-FC90-49F2-9EB2-FFA83846B88C}"/>
+    <dgm:cxn modelId="{129604FD-CBE7-4DB3-9DE9-9E4E11BA4FC1}" type="presOf" srcId="{2955A9BB-B772-4BED-A761-88D6294E71E5}" destId="{946F776E-CA37-4577-818D-C4AF700DFAD5}" srcOrd="1" destOrd="0" presId="urn:microsoft.com/office/officeart/2005/8/layout/list1"/>
+    <dgm:cxn modelId="{E4F3DE94-CAD1-47D5-8153-765364DB8A12}" type="presOf" srcId="{60AC6A14-804B-4C73-A3F8-15D682701FA9}" destId="{E14DA548-9018-4DC6-8A10-41646B05C52D}" srcOrd="1" destOrd="0" presId="urn:microsoft.com/office/officeart/2005/8/layout/list1"/>
+    <dgm:cxn modelId="{81D7AA39-7EC8-4FA4-99EC-D757B22D4E3B}" srcId="{81C2013A-F197-40F1-8EE4-3C21F2E1CA71}" destId="{CFFF9D9D-E8F3-480B-BAE3-9050BDB627A5}" srcOrd="0" destOrd="0" parTransId="{6B871A84-A1E1-422A-A290-3287E83BD7D5}" sibTransId="{0DD315D4-0B69-44E9-894F-42886C3F7C41}"/>
+    <dgm:cxn modelId="{27726CDC-2302-450F-B4A8-CC5E878D0833}" srcId="{2955A9BB-B772-4BED-A761-88D6294E71E5}" destId="{A57ADE3E-0C8C-4D36-A8FB-BB92178FCA0C}" srcOrd="1" destOrd="0" parTransId="{0888E583-FAE3-4DF0-907A-CB123EF3AFA6}" sibTransId="{9CBCFCCE-1D43-4AC3-B34F-F3F28F62DBED}"/>
+    <dgm:cxn modelId="{8F5D46A5-1C75-4C33-BED6-222ADC7D5D53}" type="presOf" srcId="{81C2013A-F197-40F1-8EE4-3C21F2E1CA71}" destId="{D9EAD290-981B-490D-976A-B8FB9E390B68}" srcOrd="0" destOrd="0" presId="urn:microsoft.com/office/officeart/2005/8/layout/list1"/>
+    <dgm:cxn modelId="{A6457D2B-F992-4D3F-9FAA-480FD19AF47D}" type="presOf" srcId="{073B40D1-B301-4BF4-B401-05B2D048F9A5}" destId="{B4C3ACB7-66C8-4B3D-B45F-BCF074EF9EC4}" srcOrd="0" destOrd="0" presId="urn:microsoft.com/office/officeart/2005/8/layout/list1"/>
     <dgm:cxn modelId="{FF6E7261-C058-492A-A9CD-FDE3D0A38C1A}" srcId="{DBF73EDD-333C-4C62-B881-02122CE5FE61}" destId="{2955A9BB-B772-4BED-A761-88D6294E71E5}" srcOrd="2" destOrd="0" parTransId="{D6541110-54B7-4A1F-8237-38D2C996D666}" sibTransId="{3F99F8E0-12B8-403B-B743-6DD30BF19C85}"/>
-    <dgm:cxn modelId="{8F5D46A5-1C75-4C33-BED6-222ADC7D5D53}" type="presOf" srcId="{81C2013A-F197-40F1-8EE4-3C21F2E1CA71}" destId="{D9EAD290-981B-490D-976A-B8FB9E390B68}" srcOrd="0" destOrd="0" presId="urn:microsoft.com/office/officeart/2005/8/layout/list1"/>
+    <dgm:cxn modelId="{EA4DFC26-AAF7-47C7-8ED5-B1C0A3F84DC2}" type="presOf" srcId="{81C2013A-F197-40F1-8EE4-3C21F2E1CA71}" destId="{DD943D49-4AE3-447E-B3A5-00B8B281A284}" srcOrd="1" destOrd="0" presId="urn:microsoft.com/office/officeart/2005/8/layout/list1"/>
     <dgm:cxn modelId="{354C8C87-FEFA-4601-A928-F3E6BBA82D4B}" srcId="{2955A9BB-B772-4BED-A761-88D6294E71E5}" destId="{5B63288E-9A09-405F-8EFD-69E64A5D5ABB}" srcOrd="0" destOrd="0" parTransId="{1AB185C9-B527-4BB7-B60A-37F46C94F8E6}" sibTransId="{EC717958-7BA8-4547-89FF-676F55D5B745}"/>
-    <dgm:cxn modelId="{D545207C-928C-4706-A68A-90933FC04F85}" srcId="{60AC6A14-804B-4C73-A3F8-15D682701FA9}" destId="{073B40D1-B301-4BF4-B401-05B2D048F9A5}" srcOrd="0" destOrd="0" parTransId="{66B0F216-1491-4058-8C36-037C7FEBE072}" sibTransId="{3106EB2E-01E8-4EC1-948A-12BC40E4FF9E}"/>
-    <dgm:cxn modelId="{77F39BCD-B22E-4A7F-8F97-39C07908BD7D}" srcId="{DBF73EDD-333C-4C62-B881-02122CE5FE61}" destId="{60AC6A14-804B-4C73-A3F8-15D682701FA9}" srcOrd="0" destOrd="0" parTransId="{59741504-FFDC-43FC-9267-3BCCF5F27BAD}" sibTransId="{349354F8-D5CB-44EA-932E-91EE67F37ADE}"/>
-    <dgm:cxn modelId="{614E0004-52C5-4AD1-982C-76280EBFCB9D}" srcId="{DBF73EDD-333C-4C62-B881-02122CE5FE61}" destId="{81C2013A-F197-40F1-8EE4-3C21F2E1CA71}" srcOrd="1" destOrd="0" parTransId="{124D0B2B-21E9-41FC-BF34-B0AA7B437495}" sibTransId="{91DB9FBB-FC90-49F2-9EB2-FFA83846B88C}"/>
+    <dgm:cxn modelId="{5275C668-77DF-4917-98D7-FD2B65C172D7}" type="presOf" srcId="{2955A9BB-B772-4BED-A761-88D6294E71E5}" destId="{C55AC184-4B63-4ACF-BAEE-BAFED4D9CE01}" srcOrd="0" destOrd="0" presId="urn:microsoft.com/office/officeart/2005/8/layout/list1"/>
+    <dgm:cxn modelId="{41E44325-4E28-4A02-8B52-8592C6942564}" type="presOf" srcId="{DBF73EDD-333C-4C62-B881-02122CE5FE61}" destId="{76B3452C-236A-4377-A093-685752666BF0}" srcOrd="0" destOrd="0" presId="urn:microsoft.com/office/officeart/2005/8/layout/list1"/>
+    <dgm:cxn modelId="{F57140FF-C6E1-4749-BBD2-4F7B784B665F}" type="presOf" srcId="{5B63288E-9A09-405F-8EFD-69E64A5D5ABB}" destId="{DCC890C1-F94A-46B7-86BB-70B2BC9F9AC7}" srcOrd="0" destOrd="0" presId="urn:microsoft.com/office/officeart/2005/8/layout/list1"/>
     <dgm:cxn modelId="{7AAB4884-93D6-4751-8E20-1649699E3322}" type="presOf" srcId="{CFFF9D9D-E8F3-480B-BAE3-9050BDB627A5}" destId="{2C17AC90-E20E-49A5-AF6F-A64672E5E471}" srcOrd="0" destOrd="0" presId="urn:microsoft.com/office/officeart/2005/8/layout/list1"/>
-    <dgm:cxn modelId="{5275C668-77DF-4917-98D7-FD2B65C172D7}" type="presOf" srcId="{2955A9BB-B772-4BED-A761-88D6294E71E5}" destId="{C55AC184-4B63-4ACF-BAEE-BAFED4D9CE01}" srcOrd="0" destOrd="0" presId="urn:microsoft.com/office/officeart/2005/8/layout/list1"/>
-    <dgm:cxn modelId="{F57140FF-C6E1-4749-BBD2-4F7B784B665F}" type="presOf" srcId="{5B63288E-9A09-405F-8EFD-69E64A5D5ABB}" destId="{DCC890C1-F94A-46B7-86BB-70B2BC9F9AC7}" srcOrd="0" destOrd="0" presId="urn:microsoft.com/office/officeart/2005/8/layout/list1"/>
-    <dgm:cxn modelId="{27726CDC-2302-450F-B4A8-CC5E878D0833}" srcId="{2955A9BB-B772-4BED-A761-88D6294E71E5}" destId="{A57ADE3E-0C8C-4D36-A8FB-BB92178FCA0C}" srcOrd="1" destOrd="0" parTransId="{0888E583-FAE3-4DF0-907A-CB123EF3AFA6}" sibTransId="{9CBCFCCE-1D43-4AC3-B34F-F3F28F62DBED}"/>
-    <dgm:cxn modelId="{FD05F7B7-E05E-435C-AC66-A55FE07BCEF9}" type="presOf" srcId="{60AC6A14-804B-4C73-A3F8-15D682701FA9}" destId="{9379AB90-BD1F-4A03-86B5-4785D3AB64A7}" srcOrd="0" destOrd="0" presId="urn:microsoft.com/office/officeart/2005/8/layout/list1"/>
-    <dgm:cxn modelId="{EA4DFC26-AAF7-47C7-8ED5-B1C0A3F84DC2}" type="presOf" srcId="{81C2013A-F197-40F1-8EE4-3C21F2E1CA71}" destId="{DD943D49-4AE3-447E-B3A5-00B8B281A284}" srcOrd="1" destOrd="0" presId="urn:microsoft.com/office/officeart/2005/8/layout/list1"/>
-    <dgm:cxn modelId="{41E44325-4E28-4A02-8B52-8592C6942564}" type="presOf" srcId="{DBF73EDD-333C-4C62-B881-02122CE5FE61}" destId="{76B3452C-236A-4377-A093-685752666BF0}" srcOrd="0" destOrd="0" presId="urn:microsoft.com/office/officeart/2005/8/layout/list1"/>
-    <dgm:cxn modelId="{A6457D2B-F992-4D3F-9FAA-480FD19AF47D}" type="presOf" srcId="{073B40D1-B301-4BF4-B401-05B2D048F9A5}" destId="{B4C3ACB7-66C8-4B3D-B45F-BCF074EF9EC4}" srcOrd="0" destOrd="0" presId="urn:microsoft.com/office/officeart/2005/8/layout/list1"/>
-    <dgm:cxn modelId="{E4F3DE94-CAD1-47D5-8153-765364DB8A12}" type="presOf" srcId="{60AC6A14-804B-4C73-A3F8-15D682701FA9}" destId="{E14DA548-9018-4DC6-8A10-41646B05C52D}" srcOrd="1" destOrd="0" presId="urn:microsoft.com/office/officeart/2005/8/layout/list1"/>
-    <dgm:cxn modelId="{129604FD-CBE7-4DB3-9DE9-9E4E11BA4FC1}" type="presOf" srcId="{2955A9BB-B772-4BED-A761-88D6294E71E5}" destId="{946F776E-CA37-4577-818D-C4AF700DFAD5}" srcOrd="1" destOrd="0" presId="urn:microsoft.com/office/officeart/2005/8/layout/list1"/>
-    <dgm:cxn modelId="{81D7AA39-7EC8-4FA4-99EC-D757B22D4E3B}" srcId="{81C2013A-F197-40F1-8EE4-3C21F2E1CA71}" destId="{CFFF9D9D-E8F3-480B-BAE3-9050BDB627A5}" srcOrd="0" destOrd="0" parTransId="{6B871A84-A1E1-422A-A290-3287E83BD7D5}" sibTransId="{0DD315D4-0B69-44E9-894F-42886C3F7C41}"/>
     <dgm:cxn modelId="{CF7CF996-AA92-4157-B20E-6A701A889DBA}" type="presOf" srcId="{A57ADE3E-0C8C-4D36-A8FB-BB92178FCA0C}" destId="{DCC890C1-F94A-46B7-86BB-70B2BC9F9AC7}" srcOrd="0" destOrd="1" presId="urn:microsoft.com/office/officeart/2005/8/layout/list1"/>
     <dgm:cxn modelId="{AE5D4CB7-DF23-4CF0-985C-12F924C5E740}" type="presParOf" srcId="{76B3452C-236A-4377-A093-685752666BF0}" destId="{BCA1AF52-FF07-45C4-85E8-613A70A48E55}" srcOrd="0" destOrd="0" presId="urn:microsoft.com/office/officeart/2005/8/layout/list1"/>
     <dgm:cxn modelId="{12D10EFF-6254-4172-8457-0087CE0B65A6}" type="presParOf" srcId="{BCA1AF52-FF07-45C4-85E8-613A70A48E55}" destId="{9379AB90-BD1F-4A03-86B5-4785D3AB64A7}" srcOrd="0" destOrd="0" presId="urn:microsoft.com/office/officeart/2005/8/layout/list1"/>
@@ -10218,7 +10337,7 @@
           <a:p>
             <a:fld id="{8472C7DE-940F-F84D-87FC-CB6C77FFB87A}" type="datetimeFigureOut">
               <a:rPr lang="en-US" smtClean="0"/>
-              <a:t>10/12/2016</a:t>
+              <a:t>11/16/2016</a:t>
             </a:fld>
             <a:endParaRPr lang="en-US"/>
           </a:p>
@@ -10469,7 +10588,7 @@
           <a:p>
             <a:fld id="{8472C7DE-940F-F84D-87FC-CB6C77FFB87A}" type="datetimeFigureOut">
               <a:rPr lang="en-US" smtClean="0"/>
-              <a:t>10/12/2016</a:t>
+              <a:t>11/16/2016</a:t>
             </a:fld>
             <a:endParaRPr lang="en-US"/>
           </a:p>
@@ -10783,7 +10902,7 @@
           <a:p>
             <a:fld id="{8472C7DE-940F-F84D-87FC-CB6C77FFB87A}" type="datetimeFigureOut">
               <a:rPr lang="en-US" smtClean="0"/>
-              <a:t>10/12/2016</a:t>
+              <a:t>11/16/2016</a:t>
             </a:fld>
             <a:endParaRPr lang="en-US"/>
           </a:p>
@@ -11116,7 +11235,7 @@
           <a:p>
             <a:fld id="{8472C7DE-940F-F84D-87FC-CB6C77FFB87A}" type="datetimeFigureOut">
               <a:rPr lang="en-US" smtClean="0"/>
-              <a:t>10/12/2016</a:t>
+              <a:t>11/16/2016</a:t>
             </a:fld>
             <a:endParaRPr lang="en-US"/>
           </a:p>
@@ -11430,7 +11549,7 @@
           <a:p>
             <a:fld id="{8472C7DE-940F-F84D-87FC-CB6C77FFB87A}" type="datetimeFigureOut">
               <a:rPr lang="en-US" smtClean="0"/>
-              <a:t>10/12/2016</a:t>
+              <a:t>11/16/2016</a:t>
             </a:fld>
             <a:endParaRPr lang="en-US"/>
           </a:p>
@@ -11823,7 +11942,7 @@
           <a:p>
             <a:fld id="{8472C7DE-940F-F84D-87FC-CB6C77FFB87A}" type="datetimeFigureOut">
               <a:rPr lang="en-US" smtClean="0"/>
-              <a:t>10/12/2016</a:t>
+              <a:t>11/16/2016</a:t>
             </a:fld>
             <a:endParaRPr lang="en-US"/>
           </a:p>
@@ -11993,7 +12112,7 @@
           <a:p>
             <a:fld id="{8472C7DE-940F-F84D-87FC-CB6C77FFB87A}" type="datetimeFigureOut">
               <a:rPr lang="en-US" smtClean="0"/>
-              <a:t>10/12/2016</a:t>
+              <a:t>11/16/2016</a:t>
             </a:fld>
             <a:endParaRPr lang="en-US"/>
           </a:p>
@@ -12173,7 +12292,7 @@
           <a:p>
             <a:fld id="{8472C7DE-940F-F84D-87FC-CB6C77FFB87A}" type="datetimeFigureOut">
               <a:rPr lang="en-US" smtClean="0"/>
-              <a:t>10/12/2016</a:t>
+              <a:t>11/16/2016</a:t>
             </a:fld>
             <a:endParaRPr lang="en-US"/>
           </a:p>
@@ -12349,7 +12468,7 @@
           <a:p>
             <a:fld id="{8472C7DE-940F-F84D-87FC-CB6C77FFB87A}" type="datetimeFigureOut">
               <a:rPr lang="en-US" smtClean="0"/>
-              <a:t>10/12/2016</a:t>
+              <a:t>11/16/2016</a:t>
             </a:fld>
             <a:endParaRPr lang="en-US"/>
           </a:p>
@@ -12596,7 +12715,7 @@
           <a:p>
             <a:fld id="{8472C7DE-940F-F84D-87FC-CB6C77FFB87A}" type="datetimeFigureOut">
               <a:rPr lang="en-US" smtClean="0"/>
-              <a:t>10/12/2016</a:t>
+              <a:t>11/16/2016</a:t>
             </a:fld>
             <a:endParaRPr lang="en-US"/>
           </a:p>
@@ -12893,7 +13012,7 @@
           <a:p>
             <a:fld id="{8472C7DE-940F-F84D-87FC-CB6C77FFB87A}" type="datetimeFigureOut">
               <a:rPr lang="en-US" smtClean="0"/>
-              <a:t>10/12/2016</a:t>
+              <a:t>11/16/2016</a:t>
             </a:fld>
             <a:endParaRPr lang="en-US"/>
           </a:p>
@@ -13272,7 +13391,7 @@
           <a:p>
             <a:fld id="{8472C7DE-940F-F84D-87FC-CB6C77FFB87A}" type="datetimeFigureOut">
               <a:rPr lang="en-US" smtClean="0"/>
-              <a:t>10/12/2016</a:t>
+              <a:t>11/16/2016</a:t>
             </a:fld>
             <a:endParaRPr lang="en-US"/>
           </a:p>
@@ -13395,7 +13514,7 @@
           <a:p>
             <a:fld id="{8472C7DE-940F-F84D-87FC-CB6C77FFB87A}" type="datetimeFigureOut">
               <a:rPr lang="en-US" smtClean="0"/>
-              <a:t>10/12/2016</a:t>
+              <a:t>11/16/2016</a:t>
             </a:fld>
             <a:endParaRPr lang="en-US"/>
           </a:p>
@@ -13490,7 +13609,7 @@
           <a:p>
             <a:fld id="{8472C7DE-940F-F84D-87FC-CB6C77FFB87A}" type="datetimeFigureOut">
               <a:rPr lang="en-US" smtClean="0"/>
-              <a:t>10/12/2016</a:t>
+              <a:t>11/16/2016</a:t>
             </a:fld>
             <a:endParaRPr lang="en-US"/>
           </a:p>
@@ -13745,7 +13864,7 @@
           <a:p>
             <a:fld id="{8472C7DE-940F-F84D-87FC-CB6C77FFB87A}" type="datetimeFigureOut">
               <a:rPr lang="en-US" smtClean="0"/>
-              <a:t>10/12/2016</a:t>
+              <a:t>11/16/2016</a:t>
             </a:fld>
             <a:endParaRPr lang="en-US"/>
           </a:p>
@@ -14008,7 +14127,7 @@
           <a:p>
             <a:fld id="{8472C7DE-940F-F84D-87FC-CB6C77FFB87A}" type="datetimeFigureOut">
               <a:rPr lang="en-US" smtClean="0"/>
-              <a:t>10/12/2016</a:t>
+              <a:t>11/16/2016</a:t>
             </a:fld>
             <a:endParaRPr lang="en-US"/>
           </a:p>
@@ -14823,7 +14942,7 @@
           <a:p>
             <a:fld id="{8472C7DE-940F-F84D-87FC-CB6C77FFB87A}" type="datetimeFigureOut">
               <a:rPr lang="en-US" smtClean="0"/>
-              <a:t>10/12/2016</a:t>
+              <a:t>11/16/2016</a:t>
             </a:fld>
             <a:endParaRPr lang="en-US"/>
           </a:p>
@@ -17018,9 +17137,10 @@
             <a:p>
               <a:pPr algn="ctr"/>
               <a:r>
-                <a:rPr lang="en-US" dirty="0" smtClean="0"/>
-                <a:t>Open Play</a:t>
+                <a:rPr lang="en-US" smtClean="0"/>
+                <a:t>Special Event</a:t>
               </a:r>
+              <a:endParaRPr lang="en-US" dirty="0" smtClean="0"/>
             </a:p>
             <a:p>
               <a:pPr algn="ctr"/>

--- a/ActiveNet Trainer/PowerPoint Creations/POS-Policy.pptx
+++ b/ActiveNet Trainer/PowerPoint Creations/POS-Policy.pptx
@@ -2,7 +2,7 @@
 <file path=ppt/presentation.xml><?xml version="1.0" encoding="utf-8"?>
 <p:presentation xmlns:a="http://schemas.openxmlformats.org/drawingml/2006/main" xmlns:r="http://schemas.openxmlformats.org/officeDocument/2006/relationships" xmlns:p="http://schemas.openxmlformats.org/presentationml/2006/main" saveSubsetFonts="1" autoCompressPictures="0">
   <p:sldMasterIdLst>
-    <p:sldMasterId id="2147483689" r:id="rId1"/>
+    <p:sldMasterId id="2147483706" r:id="rId1"/>
   </p:sldMasterIdLst>
   <p:sldIdLst>
     <p:sldId id="256" r:id="rId2"/>
@@ -2858,7 +2858,11 @@
         <a:p>
           <a:r>
             <a:rPr lang="en-US" dirty="0" smtClean="0"/>
-            <a:t>If a customer is truly unhappy with a product, a shift leader or manager may approve an exchange or refund.</a:t>
+            <a:t>If a customer is truly unhappy with a product, a shift leader or manager may approve an exchange or </a:t>
+          </a:r>
+          <a:r>
+            <a:rPr lang="en-US" dirty="0" smtClean="0"/>
+            <a:t>refund on the same day of purchase.</a:t>
           </a:r>
           <a:endParaRPr lang="en-US" dirty="0"/>
         </a:p>
@@ -3399,7 +3403,19 @@
         <a:p>
           <a:r>
             <a:rPr lang="en-US" dirty="0" smtClean="0"/>
-            <a:t>Upon completing an Open Play transaction, you must record the receipt number on the Open Play Sign-In sheet. There is a special line for it in the </a:t>
+            <a:t>Upon completing an Open Play transaction, you must record the receipt number on the Open Play </a:t>
+          </a:r>
+          <a:r>
+            <a:rPr lang="en-US" smtClean="0"/>
+            <a:t>Sign-In </a:t>
+          </a:r>
+          <a:r>
+            <a:rPr lang="en-US" smtClean="0"/>
+            <a:t>sheet when processing. </a:t>
+          </a:r>
+          <a:r>
+            <a:rPr lang="en-US" dirty="0" smtClean="0"/>
+            <a:t>There is a special line for it in the </a:t>
           </a:r>
           <a:r>
             <a:rPr lang="en-US" i="1" dirty="0" smtClean="0"/>
@@ -4255,8 +4271,8 @@
       </dsp:nvSpPr>
       <dsp:spPr>
         <a:xfrm>
-          <a:off x="0" y="320242"/>
-          <a:ext cx="5498431" cy="771750"/>
+          <a:off x="0" y="276142"/>
+          <a:ext cx="5498431" cy="992250"/>
         </a:xfrm>
         <a:prstGeom prst="rect">
           <a:avLst/>
@@ -4270,7 +4286,7 @@
             <a:alphaOff val="0"/>
           </a:schemeClr>
         </a:solidFill>
-        <a:ln w="19050" cap="rnd" cmpd="sng" algn="ctr">
+        <a:ln w="12700" cap="flat" cmpd="sng" algn="ctr">
           <a:solidFill>
             <a:schemeClr val="accent1">
               <a:shade val="50000"/>
@@ -4281,6 +4297,7 @@
             </a:schemeClr>
           </a:solidFill>
           <a:prstDash val="solid"/>
+          <a:miter lim="800000"/>
         </a:ln>
         <a:effectLst/>
       </dsp:spPr>
@@ -4316,14 +4333,18 @@
           </a:pPr>
           <a:r>
             <a:rPr lang="en-US" sz="1400" kern="1200" dirty="0" smtClean="0"/>
-            <a:t>If a customer is truly unhappy with a product, a shift leader or manager may approve an exchange or refund.</a:t>
+            <a:t>If a customer is truly unhappy with a product, a shift leader or manager may approve an exchange or </a:t>
+          </a:r>
+          <a:r>
+            <a:rPr lang="en-US" sz="1400" kern="1200" dirty="0" smtClean="0"/>
+            <a:t>refund on the same day of purchase.</a:t>
           </a:r>
           <a:endParaRPr lang="en-US" sz="1400" kern="1200" dirty="0"/>
         </a:p>
       </dsp:txBody>
       <dsp:txXfrm>
-        <a:off x="0" y="320242"/>
-        <a:ext cx="5498431" cy="771750"/>
+        <a:off x="0" y="276142"/>
+        <a:ext cx="5498431" cy="992250"/>
       </dsp:txXfrm>
     </dsp:sp>
     <dsp:sp modelId="{03957605-516E-49D8-BB77-63AB8A30758C}">
@@ -4333,7 +4354,7 @@
       </dsp:nvSpPr>
       <dsp:spPr>
         <a:xfrm>
-          <a:off x="274921" y="113602"/>
+          <a:off x="274921" y="69502"/>
           <a:ext cx="3848901" cy="413280"/>
         </a:xfrm>
         <a:prstGeom prst="roundRect">
@@ -4348,7 +4369,7 @@
             <a:alphaOff val="0"/>
           </a:schemeClr>
         </a:solidFill>
-        <a:ln w="19050" cap="rnd" cmpd="sng" algn="ctr">
+        <a:ln w="12700" cap="flat" cmpd="sng" algn="ctr">
           <a:solidFill>
             <a:schemeClr val="lt1">
               <a:hueOff val="0"/>
@@ -4358,6 +4379,7 @@
             </a:schemeClr>
           </a:solidFill>
           <a:prstDash val="solid"/>
+          <a:miter lim="800000"/>
         </a:ln>
         <a:effectLst/>
       </dsp:spPr>
@@ -4400,7 +4422,7 @@
         </a:p>
       </dsp:txBody>
       <dsp:txXfrm>
-        <a:off x="295096" y="133777"/>
+        <a:off x="295096" y="89677"/>
         <a:ext cx="3808551" cy="372930"/>
       </dsp:txXfrm>
     </dsp:sp>
@@ -4411,8 +4433,8 @@
       </dsp:nvSpPr>
       <dsp:spPr>
         <a:xfrm>
-          <a:off x="0" y="1374232"/>
-          <a:ext cx="5498431" cy="771750"/>
+          <a:off x="0" y="1550632"/>
+          <a:ext cx="5498431" cy="793800"/>
         </a:xfrm>
         <a:prstGeom prst="rect">
           <a:avLst/>
@@ -4426,17 +4448,18 @@
             <a:alphaOff val="0"/>
           </a:schemeClr>
         </a:solidFill>
-        <a:ln w="19050" cap="rnd" cmpd="sng" algn="ctr">
+        <a:ln w="12700" cap="flat" cmpd="sng" algn="ctr">
           <a:solidFill>
             <a:schemeClr val="accent1">
               <a:shade val="50000"/>
-              <a:hueOff val="163120"/>
-              <a:satOff val="21536"/>
-              <a:lumOff val="25211"/>
+              <a:hueOff val="222841"/>
+              <a:satOff val="5970"/>
+              <a:lumOff val="26302"/>
               <a:alphaOff val="0"/>
             </a:schemeClr>
           </a:solidFill>
           <a:prstDash val="solid"/>
+          <a:miter lim="800000"/>
         </a:ln>
         <a:effectLst/>
       </dsp:spPr>
@@ -4478,8 +4501,8 @@
         </a:p>
       </dsp:txBody>
       <dsp:txXfrm>
-        <a:off x="0" y="1374232"/>
-        <a:ext cx="5498431" cy="771750"/>
+        <a:off x="0" y="1550632"/>
+        <a:ext cx="5498431" cy="793800"/>
       </dsp:txXfrm>
     </dsp:sp>
     <dsp:sp modelId="{6938D4F8-2AB5-4B96-B0B4-E65635922F15}">
@@ -4489,7 +4512,7 @@
       </dsp:nvSpPr>
       <dsp:spPr>
         <a:xfrm>
-          <a:off x="274921" y="1167592"/>
+          <a:off x="274921" y="1343992"/>
           <a:ext cx="3848901" cy="413280"/>
         </a:xfrm>
         <a:prstGeom prst="roundRect">
@@ -4498,13 +4521,13 @@
         <a:solidFill>
           <a:schemeClr val="accent1">
             <a:shade val="50000"/>
-            <a:hueOff val="163120"/>
-            <a:satOff val="21536"/>
-            <a:lumOff val="25211"/>
+            <a:hueOff val="222841"/>
+            <a:satOff val="5970"/>
+            <a:lumOff val="26302"/>
             <a:alphaOff val="0"/>
           </a:schemeClr>
         </a:solidFill>
-        <a:ln w="19050" cap="rnd" cmpd="sng" algn="ctr">
+        <a:ln w="12700" cap="flat" cmpd="sng" algn="ctr">
           <a:solidFill>
             <a:schemeClr val="lt1">
               <a:hueOff val="0"/>
@@ -4514,6 +4537,7 @@
             </a:schemeClr>
           </a:solidFill>
           <a:prstDash val="solid"/>
+          <a:miter lim="800000"/>
         </a:ln>
         <a:effectLst/>
       </dsp:spPr>
@@ -4556,7 +4580,7 @@
         </a:p>
       </dsp:txBody>
       <dsp:txXfrm>
-        <a:off x="295096" y="1187767"/>
+        <a:off x="295096" y="1364167"/>
         <a:ext cx="3808551" cy="372930"/>
       </dsp:txXfrm>
     </dsp:sp>
@@ -4567,8 +4591,8 @@
       </dsp:nvSpPr>
       <dsp:spPr>
         <a:xfrm>
-          <a:off x="0" y="2428223"/>
-          <a:ext cx="5498431" cy="1367100"/>
+          <a:off x="0" y="2626673"/>
+          <a:ext cx="5498431" cy="1212750"/>
         </a:xfrm>
         <a:prstGeom prst="rect">
           <a:avLst/>
@@ -4582,17 +4606,18 @@
             <a:alphaOff val="0"/>
           </a:schemeClr>
         </a:solidFill>
-        <a:ln w="19050" cap="rnd" cmpd="sng" algn="ctr">
+        <a:ln w="12700" cap="flat" cmpd="sng" algn="ctr">
           <a:solidFill>
             <a:schemeClr val="accent1">
               <a:shade val="50000"/>
-              <a:hueOff val="163120"/>
-              <a:satOff val="21536"/>
-              <a:lumOff val="25211"/>
+              <a:hueOff val="222841"/>
+              <a:satOff val="5970"/>
+              <a:lumOff val="26302"/>
               <a:alphaOff val="0"/>
             </a:schemeClr>
           </a:solidFill>
           <a:prstDash val="solid"/>
+          <a:miter lim="800000"/>
         </a:ln>
         <a:effectLst/>
       </dsp:spPr>
@@ -4653,8 +4678,8 @@
         </a:p>
       </dsp:txBody>
       <dsp:txXfrm>
-        <a:off x="0" y="2428223"/>
-        <a:ext cx="5498431" cy="1367100"/>
+        <a:off x="0" y="2626673"/>
+        <a:ext cx="5498431" cy="1212750"/>
       </dsp:txXfrm>
     </dsp:sp>
     <dsp:sp modelId="{F226D021-1AAB-4D3B-91FC-A06225580D7E}">
@@ -4664,7 +4689,7 @@
       </dsp:nvSpPr>
       <dsp:spPr>
         <a:xfrm>
-          <a:off x="274921" y="2221582"/>
+          <a:off x="274921" y="2420032"/>
           <a:ext cx="3848901" cy="413280"/>
         </a:xfrm>
         <a:prstGeom prst="roundRect">
@@ -4673,13 +4698,13 @@
         <a:solidFill>
           <a:schemeClr val="accent1">
             <a:shade val="50000"/>
-            <a:hueOff val="163120"/>
-            <a:satOff val="21536"/>
-            <a:lumOff val="25211"/>
+            <a:hueOff val="222841"/>
+            <a:satOff val="5970"/>
+            <a:lumOff val="26302"/>
             <a:alphaOff val="0"/>
           </a:schemeClr>
         </a:solidFill>
-        <a:ln w="19050" cap="rnd" cmpd="sng" algn="ctr">
+        <a:ln w="12700" cap="flat" cmpd="sng" algn="ctr">
           <a:solidFill>
             <a:schemeClr val="lt1">
               <a:hueOff val="0"/>
@@ -4689,6 +4714,7 @@
             </a:schemeClr>
           </a:solidFill>
           <a:prstDash val="solid"/>
+          <a:miter lim="800000"/>
         </a:ln>
         <a:effectLst/>
       </dsp:spPr>
@@ -4731,7 +4757,7 @@
         </a:p>
       </dsp:txBody>
       <dsp:txXfrm>
-        <a:off x="295096" y="2241757"/>
+        <a:off x="295096" y="2440207"/>
         <a:ext cx="3808551" cy="372930"/>
       </dsp:txXfrm>
     </dsp:sp>
@@ -4754,8 +4780,8 @@
       </dsp:nvSpPr>
       <dsp:spPr>
         <a:xfrm>
-          <a:off x="0" y="468652"/>
-          <a:ext cx="5498431" cy="661500"/>
+          <a:off x="0" y="303885"/>
+          <a:ext cx="5498431" cy="737100"/>
         </a:xfrm>
         <a:prstGeom prst="rect">
           <a:avLst/>
@@ -4769,7 +4795,7 @@
             <a:alphaOff val="0"/>
           </a:schemeClr>
         </a:solidFill>
-        <a:ln w="19050" cap="rnd" cmpd="sng" algn="ctr">
+        <a:ln w="12700" cap="flat" cmpd="sng" algn="ctr">
           <a:solidFill>
             <a:schemeClr val="accent1">
               <a:shade val="50000"/>
@@ -4780,6 +4806,7 @@
             </a:schemeClr>
           </a:solidFill>
           <a:prstDash val="solid"/>
+          <a:miter lim="800000"/>
         </a:ln>
         <a:effectLst/>
       </dsp:spPr>
@@ -4796,12 +4823,12 @@
         <a:fontRef idx="minor"/>
       </dsp:style>
       <dsp:txBody>
-        <a:bodyPr spcFirstLastPara="0" vert="horz" wrap="square" lIns="426739" tIns="249936" rIns="426739" bIns="85344" numCol="1" spcCol="1270" anchor="t" anchorCtr="0">
+        <a:bodyPr spcFirstLastPara="0" vert="horz" wrap="square" lIns="426739" tIns="270764" rIns="426739" bIns="92456" numCol="1" spcCol="1270" anchor="t" anchorCtr="0">
           <a:noAutofit/>
         </a:bodyPr>
         <a:lstStyle/>
         <a:p>
-          <a:pPr marL="114300" lvl="1" indent="-114300" algn="l" defTabSz="533400">
+          <a:pPr marL="114300" lvl="1" indent="-114300" algn="l" defTabSz="577850">
             <a:lnSpc>
               <a:spcPct val="90000"/>
             </a:lnSpc>
@@ -4814,23 +4841,23 @@
             <a:buChar char="••"/>
           </a:pPr>
           <a:r>
-            <a:rPr lang="en-US" sz="1200" kern="1200" dirty="0" smtClean="0"/>
+            <a:rPr lang="en-US" sz="1300" kern="1200" dirty="0" smtClean="0"/>
             <a:t>Open Play </a:t>
           </a:r>
           <a:r>
-            <a:rPr lang="en-US" sz="1200" b="1" u="sng" kern="1200" dirty="0" smtClean="0"/>
+            <a:rPr lang="en-US" sz="1300" b="1" u="sng" kern="1200" dirty="0" smtClean="0"/>
             <a:t>Does Not</a:t>
           </a:r>
           <a:r>
-            <a:rPr lang="en-US" sz="1200" b="0" u="none" kern="1200" dirty="0" smtClean="0"/>
+            <a:rPr lang="en-US" sz="1300" b="0" u="none" kern="1200" dirty="0" smtClean="0"/>
             <a:t> guarantee a game. No refunds will be given to any player regardless of how long they were participating.</a:t>
           </a:r>
-          <a:endParaRPr lang="en-US" sz="1200" b="1" kern="1200" dirty="0"/>
+          <a:endParaRPr lang="en-US" sz="1300" b="1" kern="1200" dirty="0"/>
         </a:p>
       </dsp:txBody>
       <dsp:txXfrm>
-        <a:off x="0" y="468652"/>
-        <a:ext cx="5498431" cy="661500"/>
+        <a:off x="0" y="303885"/>
+        <a:ext cx="5498431" cy="737100"/>
       </dsp:txXfrm>
     </dsp:sp>
     <dsp:sp modelId="{03957605-516E-49D8-BB77-63AB8A30758C}">
@@ -4840,8 +4867,8 @@
       </dsp:nvSpPr>
       <dsp:spPr>
         <a:xfrm>
-          <a:off x="274921" y="291532"/>
-          <a:ext cx="3848901" cy="354240"/>
+          <a:off x="274921" y="112005"/>
+          <a:ext cx="3848901" cy="383760"/>
         </a:xfrm>
         <a:prstGeom prst="roundRect">
           <a:avLst/>
@@ -4855,7 +4882,7 @@
             <a:alphaOff val="0"/>
           </a:schemeClr>
         </a:solidFill>
-        <a:ln w="19050" cap="rnd" cmpd="sng" algn="ctr">
+        <a:ln w="12700" cap="flat" cmpd="sng" algn="ctr">
           <a:solidFill>
             <a:schemeClr val="lt1">
               <a:hueOff val="0"/>
@@ -4865,6 +4892,7 @@
             </a:schemeClr>
           </a:solidFill>
           <a:prstDash val="solid"/>
+          <a:miter lim="800000"/>
         </a:ln>
         <a:effectLst/>
       </dsp:spPr>
@@ -4888,7 +4916,7 @@
         </a:bodyPr>
         <a:lstStyle/>
         <a:p>
-          <a:pPr lvl="0" algn="l" defTabSz="533400">
+          <a:pPr lvl="0" algn="l" defTabSz="577850">
             <a:lnSpc>
               <a:spcPct val="90000"/>
             </a:lnSpc>
@@ -4900,15 +4928,15 @@
             </a:spcAft>
           </a:pPr>
           <a:r>
-            <a:rPr lang="en-US" sz="1200" kern="1200" dirty="0" smtClean="0"/>
+            <a:rPr lang="en-US" sz="1300" kern="1200" dirty="0" smtClean="0"/>
             <a:t>Refunds</a:t>
           </a:r>
-          <a:endParaRPr lang="en-US" sz="1200" kern="1200" dirty="0"/>
+          <a:endParaRPr lang="en-US" sz="1300" kern="1200" dirty="0"/>
         </a:p>
       </dsp:txBody>
       <dsp:txXfrm>
-        <a:off x="292214" y="308825"/>
-        <a:ext cx="3814315" cy="319654"/>
+        <a:off x="293655" y="130739"/>
+        <a:ext cx="3811433" cy="346292"/>
       </dsp:txXfrm>
     </dsp:sp>
     <dsp:sp modelId="{760423D8-6341-449E-AC15-2EABEFC490D3}">
@@ -4918,8 +4946,8 @@
       </dsp:nvSpPr>
       <dsp:spPr>
         <a:xfrm>
-          <a:off x="0" y="1372072"/>
-          <a:ext cx="5498431" cy="831600"/>
+          <a:off x="0" y="1303065"/>
+          <a:ext cx="5498431" cy="921375"/>
         </a:xfrm>
         <a:prstGeom prst="rect">
           <a:avLst/>
@@ -4933,17 +4961,18 @@
             <a:alphaOff val="0"/>
           </a:schemeClr>
         </a:solidFill>
-        <a:ln w="19050" cap="rnd" cmpd="sng" algn="ctr">
+        <a:ln w="12700" cap="flat" cmpd="sng" algn="ctr">
           <a:solidFill>
             <a:schemeClr val="accent1">
               <a:shade val="50000"/>
-              <a:hueOff val="163120"/>
-              <a:satOff val="21536"/>
-              <a:lumOff val="25211"/>
+              <a:hueOff val="222841"/>
+              <a:satOff val="5970"/>
+              <a:lumOff val="26302"/>
               <a:alphaOff val="0"/>
             </a:schemeClr>
           </a:solidFill>
           <a:prstDash val="solid"/>
+          <a:miter lim="800000"/>
         </a:ln>
         <a:effectLst/>
       </dsp:spPr>
@@ -4960,12 +4989,12 @@
         <a:fontRef idx="minor"/>
       </dsp:style>
       <dsp:txBody>
-        <a:bodyPr spcFirstLastPara="0" vert="horz" wrap="square" lIns="426739" tIns="249936" rIns="426739" bIns="85344" numCol="1" spcCol="1270" anchor="t" anchorCtr="0">
+        <a:bodyPr spcFirstLastPara="0" vert="horz" wrap="square" lIns="426739" tIns="270764" rIns="426739" bIns="92456" numCol="1" spcCol="1270" anchor="t" anchorCtr="0">
           <a:noAutofit/>
         </a:bodyPr>
         <a:lstStyle/>
         <a:p>
-          <a:pPr marL="114300" lvl="1" indent="-114300" algn="l" defTabSz="533400">
+          <a:pPr marL="114300" lvl="1" indent="-114300" algn="l" defTabSz="577850">
             <a:lnSpc>
               <a:spcPct val="90000"/>
             </a:lnSpc>
@@ -4978,23 +5007,35 @@
             <a:buChar char="••"/>
           </a:pPr>
           <a:r>
-            <a:rPr lang="en-US" sz="1200" kern="1200" dirty="0" smtClean="0"/>
-            <a:t>Upon completing an Open Play transaction, you must record the receipt number on the Open Play Sign-In sheet. There is a special line for it in the </a:t>
+            <a:rPr lang="en-US" sz="1300" kern="1200" dirty="0" smtClean="0"/>
+            <a:t>Upon completing an Open Play transaction, you must record the receipt number on the Open Play </a:t>
           </a:r>
           <a:r>
-            <a:rPr lang="en-US" sz="1200" i="1" kern="1200" dirty="0" smtClean="0"/>
+            <a:rPr lang="en-US" sz="1300" kern="1200" smtClean="0"/>
+            <a:t>Sign-In </a:t>
+          </a:r>
+          <a:r>
+            <a:rPr lang="en-US" sz="1300" kern="1200" smtClean="0"/>
+            <a:t>sheet when processing. </a:t>
+          </a:r>
+          <a:r>
+            <a:rPr lang="en-US" sz="1300" kern="1200" dirty="0" smtClean="0"/>
+            <a:t>There is a special line for it in the </a:t>
+          </a:r>
+          <a:r>
+            <a:rPr lang="en-US" sz="1300" i="1" kern="1200" dirty="0" smtClean="0"/>
             <a:t>Department Use Only</a:t>
           </a:r>
           <a:r>
-            <a:rPr lang="en-US" sz="1200" i="0" kern="1200" dirty="0" smtClean="0"/>
+            <a:rPr lang="en-US" sz="1300" i="0" kern="1200" dirty="0" smtClean="0"/>
             <a:t> field.</a:t>
           </a:r>
-          <a:endParaRPr lang="en-US" sz="1200" kern="1200" dirty="0"/>
+          <a:endParaRPr lang="en-US" sz="1300" kern="1200" dirty="0"/>
         </a:p>
       </dsp:txBody>
       <dsp:txXfrm>
-        <a:off x="0" y="1372072"/>
-        <a:ext cx="5498431" cy="831600"/>
+        <a:off x="0" y="1303065"/>
+        <a:ext cx="5498431" cy="921375"/>
       </dsp:txXfrm>
     </dsp:sp>
     <dsp:sp modelId="{6938D4F8-2AB5-4B96-B0B4-E65635922F15}">
@@ -5004,8 +5045,8 @@
       </dsp:nvSpPr>
       <dsp:spPr>
         <a:xfrm>
-          <a:off x="274921" y="1194952"/>
-          <a:ext cx="3848901" cy="354240"/>
+          <a:off x="274921" y="1111185"/>
+          <a:ext cx="3848901" cy="383760"/>
         </a:xfrm>
         <a:prstGeom prst="roundRect">
           <a:avLst/>
@@ -5013,13 +5054,13 @@
         <a:solidFill>
           <a:schemeClr val="accent1">
             <a:shade val="50000"/>
-            <a:hueOff val="163120"/>
-            <a:satOff val="21536"/>
-            <a:lumOff val="25211"/>
+            <a:hueOff val="222841"/>
+            <a:satOff val="5970"/>
+            <a:lumOff val="26302"/>
             <a:alphaOff val="0"/>
           </a:schemeClr>
         </a:solidFill>
-        <a:ln w="19050" cap="rnd" cmpd="sng" algn="ctr">
+        <a:ln w="12700" cap="flat" cmpd="sng" algn="ctr">
           <a:solidFill>
             <a:schemeClr val="lt1">
               <a:hueOff val="0"/>
@@ -5029,6 +5070,7 @@
             </a:schemeClr>
           </a:solidFill>
           <a:prstDash val="solid"/>
+          <a:miter lim="800000"/>
         </a:ln>
         <a:effectLst/>
       </dsp:spPr>
@@ -5052,7 +5094,7 @@
         </a:bodyPr>
         <a:lstStyle/>
         <a:p>
-          <a:pPr lvl="0" algn="l" defTabSz="533400">
+          <a:pPr lvl="0" algn="l" defTabSz="577850">
             <a:lnSpc>
               <a:spcPct val="90000"/>
             </a:lnSpc>
@@ -5064,15 +5106,15 @@
             </a:spcAft>
           </a:pPr>
           <a:r>
-            <a:rPr lang="en-US" sz="1200" kern="1200" dirty="0" smtClean="0"/>
+            <a:rPr lang="en-US" sz="1300" kern="1200" dirty="0" smtClean="0"/>
             <a:t>Receipt </a:t>
           </a:r>
-          <a:endParaRPr lang="en-US" sz="1200" kern="1200" dirty="0"/>
+          <a:endParaRPr lang="en-US" sz="1300" kern="1200" dirty="0"/>
         </a:p>
       </dsp:txBody>
       <dsp:txXfrm>
-        <a:off x="292214" y="1212245"/>
-        <a:ext cx="3814315" cy="319654"/>
+        <a:off x="293655" y="1129919"/>
+        <a:ext cx="3811433" cy="346292"/>
       </dsp:txXfrm>
     </dsp:sp>
     <dsp:sp modelId="{5C4164AB-474A-4BE4-9748-428EFE961B11}">
@@ -5082,8 +5124,8 @@
       </dsp:nvSpPr>
       <dsp:spPr>
         <a:xfrm>
-          <a:off x="0" y="2445593"/>
-          <a:ext cx="5498431" cy="1171800"/>
+          <a:off x="0" y="2486520"/>
+          <a:ext cx="5498431" cy="1310400"/>
         </a:xfrm>
         <a:prstGeom prst="rect">
           <a:avLst/>
@@ -5097,17 +5139,18 @@
             <a:alphaOff val="0"/>
           </a:schemeClr>
         </a:solidFill>
-        <a:ln w="19050" cap="rnd" cmpd="sng" algn="ctr">
+        <a:ln w="12700" cap="flat" cmpd="sng" algn="ctr">
           <a:solidFill>
             <a:schemeClr val="accent1">
               <a:shade val="50000"/>
-              <a:hueOff val="163120"/>
-              <a:satOff val="21536"/>
-              <a:lumOff val="25211"/>
+              <a:hueOff val="222841"/>
+              <a:satOff val="5970"/>
+              <a:lumOff val="26302"/>
               <a:alphaOff val="0"/>
             </a:schemeClr>
           </a:solidFill>
           <a:prstDash val="solid"/>
+          <a:miter lim="800000"/>
         </a:ln>
         <a:effectLst/>
       </dsp:spPr>
@@ -5124,12 +5167,12 @@
         <a:fontRef idx="minor"/>
       </dsp:style>
       <dsp:txBody>
-        <a:bodyPr spcFirstLastPara="0" vert="horz" wrap="square" lIns="426739" tIns="249936" rIns="426739" bIns="85344" numCol="1" spcCol="1270" anchor="t" anchorCtr="0">
+        <a:bodyPr spcFirstLastPara="0" vert="horz" wrap="square" lIns="426739" tIns="270764" rIns="426739" bIns="92456" numCol="1" spcCol="1270" anchor="t" anchorCtr="0">
           <a:noAutofit/>
         </a:bodyPr>
         <a:lstStyle/>
         <a:p>
-          <a:pPr marL="114300" lvl="1" indent="-114300" algn="l" defTabSz="533400">
+          <a:pPr marL="114300" lvl="1" indent="-114300" algn="l" defTabSz="577850">
             <a:lnSpc>
               <a:spcPct val="90000"/>
             </a:lnSpc>
@@ -5142,21 +5185,21 @@
             <a:buChar char="••"/>
           </a:pPr>
           <a:r>
-            <a:rPr lang="en-US" sz="1200" kern="1200" dirty="0" smtClean="0"/>
+            <a:rPr lang="en-US" sz="1300" kern="1200" dirty="0" smtClean="0"/>
             <a:t>Open Play </a:t>
           </a:r>
           <a:r>
-            <a:rPr lang="en-US" sz="1200" b="1" u="sng" kern="1200" dirty="0" smtClean="0"/>
+            <a:rPr lang="en-US" sz="1300" b="1" u="sng" kern="1200" dirty="0" smtClean="0"/>
             <a:t>Requires</a:t>
           </a:r>
           <a:r>
-            <a:rPr lang="en-US" sz="1200" b="0" u="none" kern="1200" dirty="0" smtClean="0"/>
+            <a:rPr lang="en-US" sz="1300" b="0" u="none" kern="1200" dirty="0" smtClean="0"/>
             <a:t> cash payment with exact change only. However, a credit card may be used during normal registration hours, Monday – Friday, 8 a.m. – 5 p.m.</a:t>
           </a:r>
-          <a:endParaRPr lang="en-US" sz="1200" kern="1200" dirty="0"/>
+          <a:endParaRPr lang="en-US" sz="1300" kern="1200" dirty="0"/>
         </a:p>
         <a:p>
-          <a:pPr marL="114300" lvl="1" indent="-114300" algn="l" defTabSz="533400">
+          <a:pPr marL="114300" lvl="1" indent="-114300" algn="l" defTabSz="577850">
             <a:lnSpc>
               <a:spcPct val="90000"/>
             </a:lnSpc>
@@ -5169,15 +5212,15 @@
             <a:buChar char="••"/>
           </a:pPr>
           <a:r>
-            <a:rPr lang="en-US" sz="1200" kern="1200" dirty="0" smtClean="0"/>
+            <a:rPr lang="en-US" sz="1300" kern="1200" dirty="0" smtClean="0"/>
             <a:t>If a credit card or check is used, they must process the payment at the front desk before they are permitted to play.</a:t>
           </a:r>
-          <a:endParaRPr lang="en-US" sz="1200" kern="1200" dirty="0"/>
+          <a:endParaRPr lang="en-US" sz="1300" kern="1200" dirty="0"/>
         </a:p>
       </dsp:txBody>
       <dsp:txXfrm>
-        <a:off x="0" y="2445593"/>
-        <a:ext cx="5498431" cy="1171800"/>
+        <a:off x="0" y="2486520"/>
+        <a:ext cx="5498431" cy="1310400"/>
       </dsp:txXfrm>
     </dsp:sp>
     <dsp:sp modelId="{F226D021-1AAB-4D3B-91FC-A06225580D7E}">
@@ -5187,8 +5230,8 @@
       </dsp:nvSpPr>
       <dsp:spPr>
         <a:xfrm>
-          <a:off x="274921" y="2268472"/>
-          <a:ext cx="3848901" cy="354240"/>
+          <a:off x="274921" y="2294640"/>
+          <a:ext cx="3848901" cy="383760"/>
         </a:xfrm>
         <a:prstGeom prst="roundRect">
           <a:avLst/>
@@ -5196,13 +5239,13 @@
         <a:solidFill>
           <a:schemeClr val="accent1">
             <a:shade val="50000"/>
-            <a:hueOff val="163120"/>
-            <a:satOff val="21536"/>
-            <a:lumOff val="25211"/>
+            <a:hueOff val="222841"/>
+            <a:satOff val="5970"/>
+            <a:lumOff val="26302"/>
             <a:alphaOff val="0"/>
           </a:schemeClr>
         </a:solidFill>
-        <a:ln w="19050" cap="rnd" cmpd="sng" algn="ctr">
+        <a:ln w="12700" cap="flat" cmpd="sng" algn="ctr">
           <a:solidFill>
             <a:schemeClr val="lt1">
               <a:hueOff val="0"/>
@@ -5212,6 +5255,7 @@
             </a:schemeClr>
           </a:solidFill>
           <a:prstDash val="solid"/>
+          <a:miter lim="800000"/>
         </a:ln>
         <a:effectLst/>
       </dsp:spPr>
@@ -5235,7 +5279,7 @@
         </a:bodyPr>
         <a:lstStyle/>
         <a:p>
-          <a:pPr lvl="0" algn="l" defTabSz="533400">
+          <a:pPr lvl="0" algn="l" defTabSz="577850">
             <a:lnSpc>
               <a:spcPct val="90000"/>
             </a:lnSpc>
@@ -5247,15 +5291,15 @@
             </a:spcAft>
           </a:pPr>
           <a:r>
-            <a:rPr lang="en-US" sz="1200" kern="1200" dirty="0" smtClean="0"/>
+            <a:rPr lang="en-US" sz="1300" kern="1200" dirty="0" smtClean="0"/>
             <a:t>Payment</a:t>
           </a:r>
-          <a:endParaRPr lang="en-US" sz="1200" kern="1200" dirty="0"/>
+          <a:endParaRPr lang="en-US" sz="1300" kern="1200" dirty="0"/>
         </a:p>
       </dsp:txBody>
       <dsp:txXfrm>
-        <a:off x="292214" y="2285765"/>
-        <a:ext cx="3814315" cy="319654"/>
+        <a:off x="293655" y="2313374"/>
+        <a:ext cx="3811433" cy="346292"/>
       </dsp:txXfrm>
     </dsp:sp>
   </dsp:spTree>
@@ -5277,8 +5321,8 @@
       </dsp:nvSpPr>
       <dsp:spPr>
         <a:xfrm>
-          <a:off x="0" y="344835"/>
-          <a:ext cx="5498431" cy="716625"/>
+          <a:off x="0" y="303885"/>
+          <a:ext cx="5498431" cy="737100"/>
         </a:xfrm>
         <a:prstGeom prst="rect">
           <a:avLst/>
@@ -5292,7 +5336,7 @@
             <a:alphaOff val="0"/>
           </a:schemeClr>
         </a:solidFill>
-        <a:ln w="19050" cap="rnd" cmpd="sng" algn="ctr">
+        <a:ln w="12700" cap="flat" cmpd="sng" algn="ctr">
           <a:solidFill>
             <a:schemeClr val="accent1">
               <a:shade val="50000"/>
@@ -5303,6 +5347,7 @@
             </a:schemeClr>
           </a:solidFill>
           <a:prstDash val="solid"/>
+          <a:miter lim="800000"/>
         </a:ln>
         <a:effectLst/>
       </dsp:spPr>
@@ -5348,8 +5393,8 @@
         </a:p>
       </dsp:txBody>
       <dsp:txXfrm>
-        <a:off x="0" y="344835"/>
-        <a:ext cx="5498431" cy="716625"/>
+        <a:off x="0" y="303885"/>
+        <a:ext cx="5498431" cy="737100"/>
       </dsp:txXfrm>
     </dsp:sp>
     <dsp:sp modelId="{E14DA548-9018-4DC6-8A10-41646B05C52D}">
@@ -5359,7 +5404,7 @@
       </dsp:nvSpPr>
       <dsp:spPr>
         <a:xfrm>
-          <a:off x="274921" y="152955"/>
+          <a:off x="274921" y="112005"/>
           <a:ext cx="3848901" cy="383760"/>
         </a:xfrm>
         <a:prstGeom prst="roundRect">
@@ -5374,7 +5419,7 @@
             <a:alphaOff val="0"/>
           </a:schemeClr>
         </a:solidFill>
-        <a:ln w="19050" cap="rnd" cmpd="sng" algn="ctr">
+        <a:ln w="12700" cap="flat" cmpd="sng" algn="ctr">
           <a:solidFill>
             <a:schemeClr val="lt1">
               <a:hueOff val="0"/>
@@ -5384,6 +5429,7 @@
             </a:schemeClr>
           </a:solidFill>
           <a:prstDash val="solid"/>
+          <a:miter lim="800000"/>
         </a:ln>
         <a:effectLst/>
       </dsp:spPr>
@@ -5426,7 +5472,7 @@
         </a:p>
       </dsp:txBody>
       <dsp:txXfrm>
-        <a:off x="293655" y="171689"/>
+        <a:off x="293655" y="130739"/>
         <a:ext cx="3811433" cy="346292"/>
       </dsp:txXfrm>
     </dsp:sp>
@@ -5437,8 +5483,8 @@
       </dsp:nvSpPr>
       <dsp:spPr>
         <a:xfrm>
-          <a:off x="0" y="1323540"/>
-          <a:ext cx="5498431" cy="900900"/>
+          <a:off x="0" y="1303065"/>
+          <a:ext cx="5498431" cy="921375"/>
         </a:xfrm>
         <a:prstGeom prst="rect">
           <a:avLst/>
@@ -5452,17 +5498,18 @@
             <a:alphaOff val="0"/>
           </a:schemeClr>
         </a:solidFill>
-        <a:ln w="19050" cap="rnd" cmpd="sng" algn="ctr">
+        <a:ln w="12700" cap="flat" cmpd="sng" algn="ctr">
           <a:solidFill>
             <a:schemeClr val="accent1">
               <a:shade val="50000"/>
-              <a:hueOff val="163120"/>
-              <a:satOff val="21536"/>
-              <a:lumOff val="25211"/>
+              <a:hueOff val="222841"/>
+              <a:satOff val="5970"/>
+              <a:lumOff val="26302"/>
               <a:alphaOff val="0"/>
             </a:schemeClr>
           </a:solidFill>
           <a:prstDash val="solid"/>
+          <a:miter lim="800000"/>
         </a:ln>
         <a:effectLst/>
       </dsp:spPr>
@@ -5504,8 +5551,8 @@
         </a:p>
       </dsp:txBody>
       <dsp:txXfrm>
-        <a:off x="0" y="1323540"/>
-        <a:ext cx="5498431" cy="900900"/>
+        <a:off x="0" y="1303065"/>
+        <a:ext cx="5498431" cy="921375"/>
       </dsp:txXfrm>
     </dsp:sp>
     <dsp:sp modelId="{DD943D49-4AE3-447E-B3A5-00B8B281A284}">
@@ -5515,7 +5562,7 @@
       </dsp:nvSpPr>
       <dsp:spPr>
         <a:xfrm>
-          <a:off x="274921" y="1131660"/>
+          <a:off x="274921" y="1111185"/>
           <a:ext cx="3848901" cy="383760"/>
         </a:xfrm>
         <a:prstGeom prst="roundRect">
@@ -5524,13 +5571,13 @@
         <a:solidFill>
           <a:schemeClr val="accent1">
             <a:shade val="50000"/>
-            <a:hueOff val="163120"/>
-            <a:satOff val="21536"/>
-            <a:lumOff val="25211"/>
+            <a:hueOff val="222841"/>
+            <a:satOff val="5970"/>
+            <a:lumOff val="26302"/>
             <a:alphaOff val="0"/>
           </a:schemeClr>
         </a:solidFill>
-        <a:ln w="19050" cap="rnd" cmpd="sng" algn="ctr">
+        <a:ln w="12700" cap="flat" cmpd="sng" algn="ctr">
           <a:solidFill>
             <a:schemeClr val="lt1">
               <a:hueOff val="0"/>
@@ -5540,6 +5587,7 @@
             </a:schemeClr>
           </a:solidFill>
           <a:prstDash val="solid"/>
+          <a:miter lim="800000"/>
         </a:ln>
         <a:effectLst/>
       </dsp:spPr>
@@ -5582,7 +5630,7 @@
         </a:p>
       </dsp:txBody>
       <dsp:txXfrm>
-        <a:off x="293655" y="1150394"/>
+        <a:off x="293655" y="1129919"/>
         <a:ext cx="3811433" cy="346292"/>
       </dsp:txXfrm>
     </dsp:sp>
@@ -5594,7 +5642,7 @@
       <dsp:spPr>
         <a:xfrm>
           <a:off x="0" y="2486520"/>
-          <a:ext cx="5498431" cy="1269450"/>
+          <a:ext cx="5498431" cy="1310400"/>
         </a:xfrm>
         <a:prstGeom prst="rect">
           <a:avLst/>
@@ -5608,17 +5656,18 @@
             <a:alphaOff val="0"/>
           </a:schemeClr>
         </a:solidFill>
-        <a:ln w="19050" cap="rnd" cmpd="sng" algn="ctr">
+        <a:ln w="12700" cap="flat" cmpd="sng" algn="ctr">
           <a:solidFill>
             <a:schemeClr val="accent1">
               <a:shade val="50000"/>
-              <a:hueOff val="163120"/>
-              <a:satOff val="21536"/>
-              <a:lumOff val="25211"/>
+              <a:hueOff val="222841"/>
+              <a:satOff val="5970"/>
+              <a:lumOff val="26302"/>
               <a:alphaOff val="0"/>
             </a:schemeClr>
           </a:solidFill>
           <a:prstDash val="solid"/>
+          <a:miter lim="800000"/>
         </a:ln>
         <a:effectLst/>
       </dsp:spPr>
@@ -5680,7 +5729,7 @@
       </dsp:txBody>
       <dsp:txXfrm>
         <a:off x="0" y="2486520"/>
-        <a:ext cx="5498431" cy="1269450"/>
+        <a:ext cx="5498431" cy="1310400"/>
       </dsp:txXfrm>
     </dsp:sp>
     <dsp:sp modelId="{946F776E-CA37-4577-818D-C4AF700DFAD5}">
@@ -5699,13 +5748,13 @@
         <a:solidFill>
           <a:schemeClr val="accent1">
             <a:shade val="50000"/>
-            <a:hueOff val="163120"/>
-            <a:satOff val="21536"/>
-            <a:lumOff val="25211"/>
+            <a:hueOff val="222841"/>
+            <a:satOff val="5970"/>
+            <a:lumOff val="26302"/>
             <a:alphaOff val="0"/>
           </a:schemeClr>
         </a:solidFill>
-        <a:ln w="19050" cap="rnd" cmpd="sng" algn="ctr">
+        <a:ln w="12700" cap="flat" cmpd="sng" algn="ctr">
           <a:solidFill>
             <a:schemeClr val="lt1">
               <a:hueOff val="0"/>
@@ -5715,6 +5764,7 @@
             </a:schemeClr>
           </a:solidFill>
           <a:prstDash val="solid"/>
+          <a:miter lim="800000"/>
         </a:ln>
         <a:effectLst/>
       </dsp:spPr>
@@ -9543,7 +9593,7 @@
 </file>
 
 <file path=ppt/slideLayouts/slideLayout1.xml><?xml version="1.0" encoding="utf-8"?>
-<p:sldLayout xmlns:a="http://schemas.openxmlformats.org/drawingml/2006/main" xmlns:r="http://schemas.openxmlformats.org/officeDocument/2006/relationships" xmlns:p="http://schemas.openxmlformats.org/presentationml/2006/main" showMasterSp="0" type="title" preserve="1">
+<p:sldLayout xmlns:a="http://schemas.openxmlformats.org/drawingml/2006/main" xmlns:r="http://schemas.openxmlformats.org/officeDocument/2006/relationships" xmlns:p="http://schemas.openxmlformats.org/presentationml/2006/main" type="title" preserve="1">
   <p:cSld name="Title Slide">
     <p:spTree>
       <p:nvGrpSpPr>
@@ -9559,609 +9609,6 @@
           <a:chExt cx="0" cy="0"/>
         </a:xfrm>
       </p:grpSpPr>
-      <p:grpSp>
-        <p:nvGrpSpPr>
-          <p:cNvPr id="7" name="Group 6"/>
-          <p:cNvGrpSpPr/>
-          <p:nvPr/>
-        </p:nvGrpSpPr>
-        <p:grpSpPr>
-          <a:xfrm>
-            <a:off x="-8466" y="-8468"/>
-            <a:ext cx="9171316" cy="6874935"/>
-            <a:chOff x="-8466" y="-8468"/>
-            <a:chExt cx="9171316" cy="6874935"/>
-          </a:xfrm>
-        </p:grpSpPr>
-        <p:cxnSp>
-          <p:nvCxnSpPr>
-            <p:cNvPr id="28" name="Straight Connector 27"/>
-            <p:cNvCxnSpPr/>
-            <p:nvPr/>
-          </p:nvCxnSpPr>
-          <p:spPr>
-            <a:xfrm flipV="1">
-              <a:off x="5130830" y="4175605"/>
-              <a:ext cx="4022475" cy="2682396"/>
-            </a:xfrm>
-            <a:prstGeom prst="line">
-              <a:avLst/>
-            </a:prstGeom>
-            <a:ln w="9525">
-              <a:solidFill>
-                <a:schemeClr val="accent1">
-                  <a:alpha val="70000"/>
-                </a:schemeClr>
-              </a:solidFill>
-            </a:ln>
-          </p:spPr>
-          <p:style>
-            <a:lnRef idx="2">
-              <a:schemeClr val="accent1"/>
-            </a:lnRef>
-            <a:fillRef idx="0">
-              <a:schemeClr val="accent1"/>
-            </a:fillRef>
-            <a:effectRef idx="1">
-              <a:schemeClr val="accent1"/>
-            </a:effectRef>
-            <a:fontRef idx="minor">
-              <a:schemeClr val="tx1"/>
-            </a:fontRef>
-          </p:style>
-        </p:cxnSp>
-        <p:cxnSp>
-          <p:nvCxnSpPr>
-            <p:cNvPr id="29" name="Straight Connector 28"/>
-            <p:cNvCxnSpPr/>
-            <p:nvPr/>
-          </p:nvCxnSpPr>
-          <p:spPr>
-            <a:xfrm>
-              <a:off x="7042707" y="0"/>
-              <a:ext cx="1219200" cy="6858000"/>
-            </a:xfrm>
-            <a:prstGeom prst="line">
-              <a:avLst/>
-            </a:prstGeom>
-            <a:ln w="9525">
-              <a:solidFill>
-                <a:schemeClr val="accent1">
-                  <a:alpha val="70000"/>
-                </a:schemeClr>
-              </a:solidFill>
-            </a:ln>
-          </p:spPr>
-          <p:style>
-            <a:lnRef idx="2">
-              <a:schemeClr val="accent1"/>
-            </a:lnRef>
-            <a:fillRef idx="0">
-              <a:schemeClr val="accent1"/>
-            </a:fillRef>
-            <a:effectRef idx="1">
-              <a:schemeClr val="accent1"/>
-            </a:effectRef>
-            <a:fontRef idx="minor">
-              <a:schemeClr val="tx1"/>
-            </a:fontRef>
-          </p:style>
-        </p:cxnSp>
-        <p:sp>
-          <p:nvSpPr>
-            <p:cNvPr id="30" name="Freeform 29"/>
-            <p:cNvSpPr/>
-            <p:nvPr/>
-          </p:nvSpPr>
-          <p:spPr>
-            <a:xfrm>
-              <a:off x="6891896" y="1"/>
-              <a:ext cx="2269442" cy="6866466"/>
-            </a:xfrm>
-            <a:custGeom>
-              <a:avLst/>
-              <a:gdLst/>
-              <a:ahLst/>
-              <a:cxnLst/>
-              <a:rect l="l" t="t" r="r" b="b"/>
-              <a:pathLst>
-                <a:path w="2269442" h="6866466">
-                  <a:moveTo>
-                    <a:pt x="2023534" y="0"/>
-                  </a:moveTo>
-                  <a:lnTo>
-                    <a:pt x="0" y="6858000"/>
-                  </a:lnTo>
-                  <a:lnTo>
-                    <a:pt x="2269067" y="6866466"/>
-                  </a:lnTo>
-                  <a:cubicBezTo>
-                    <a:pt x="2271889" y="4580466"/>
-                    <a:pt x="2257778" y="2294466"/>
-                    <a:pt x="2260600" y="8466"/>
-                  </a:cubicBezTo>
-                  <a:lnTo>
-                    <a:pt x="2023534" y="0"/>
-                  </a:lnTo>
-                  <a:close/>
-                </a:path>
-              </a:pathLst>
-            </a:custGeom>
-            <a:solidFill>
-              <a:schemeClr val="accent1">
-                <a:alpha val="36000"/>
-              </a:schemeClr>
-            </a:solidFill>
-            <a:ln>
-              <a:noFill/>
-            </a:ln>
-            <a:effectLst/>
-          </p:spPr>
-          <p:style>
-            <a:lnRef idx="1">
-              <a:schemeClr val="accent1"/>
-            </a:lnRef>
-            <a:fillRef idx="3">
-              <a:schemeClr val="accent1"/>
-            </a:fillRef>
-            <a:effectRef idx="2">
-              <a:schemeClr val="accent1"/>
-            </a:effectRef>
-            <a:fontRef idx="minor">
-              <a:schemeClr val="lt1"/>
-            </a:fontRef>
-          </p:style>
-        </p:sp>
-        <p:sp>
-          <p:nvSpPr>
-            <p:cNvPr id="31" name="Freeform 30"/>
-            <p:cNvSpPr/>
-            <p:nvPr/>
-          </p:nvSpPr>
-          <p:spPr>
-            <a:xfrm>
-              <a:off x="7205158" y="-8467"/>
-              <a:ext cx="1948147" cy="6866467"/>
-            </a:xfrm>
-            <a:custGeom>
-              <a:avLst/>
-              <a:gdLst/>
-              <a:ahLst/>
-              <a:cxnLst/>
-              <a:rect l="l" t="t" r="r" b="b"/>
-              <a:pathLst>
-                <a:path w="1948147" h="6866467">
-                  <a:moveTo>
-                    <a:pt x="0" y="0"/>
-                  </a:moveTo>
-                  <a:lnTo>
-                    <a:pt x="1202267" y="6866467"/>
-                  </a:lnTo>
-                  <a:lnTo>
-                    <a:pt x="1947333" y="6866467"/>
-                  </a:lnTo>
-                  <a:cubicBezTo>
-                    <a:pt x="1944511" y="4577645"/>
-                    <a:pt x="1950155" y="2288822"/>
-                    <a:pt x="1947333" y="0"/>
-                  </a:cubicBezTo>
-                  <a:lnTo>
-                    <a:pt x="0" y="0"/>
-                  </a:lnTo>
-                  <a:close/>
-                </a:path>
-              </a:pathLst>
-            </a:custGeom>
-            <a:solidFill>
-              <a:schemeClr val="accent1">
-                <a:alpha val="20000"/>
-              </a:schemeClr>
-            </a:solidFill>
-            <a:ln>
-              <a:noFill/>
-            </a:ln>
-            <a:effectLst/>
-          </p:spPr>
-          <p:style>
-            <a:lnRef idx="1">
-              <a:schemeClr val="accent1"/>
-            </a:lnRef>
-            <a:fillRef idx="3">
-              <a:schemeClr val="accent1"/>
-            </a:fillRef>
-            <a:effectRef idx="2">
-              <a:schemeClr val="accent1"/>
-            </a:effectRef>
-            <a:fontRef idx="minor">
-              <a:schemeClr val="lt1"/>
-            </a:fontRef>
-          </p:style>
-        </p:sp>
-        <p:sp>
-          <p:nvSpPr>
-            <p:cNvPr id="32" name="Freeform 31"/>
-            <p:cNvSpPr/>
-            <p:nvPr/>
-          </p:nvSpPr>
-          <p:spPr>
-            <a:xfrm>
-              <a:off x="6637896" y="3920066"/>
-              <a:ext cx="2513565" cy="2937933"/>
-            </a:xfrm>
-            <a:custGeom>
-              <a:avLst/>
-              <a:gdLst/>
-              <a:ahLst/>
-              <a:cxnLst/>
-              <a:rect l="l" t="t" r="r" b="b"/>
-              <a:pathLst>
-                <a:path w="3259667" h="3810000">
-                  <a:moveTo>
-                    <a:pt x="0" y="3810000"/>
-                  </a:moveTo>
-                  <a:lnTo>
-                    <a:pt x="3251200" y="0"/>
-                  </a:lnTo>
-                  <a:cubicBezTo>
-                    <a:pt x="3254022" y="1270000"/>
-                    <a:pt x="3256845" y="2540000"/>
-                    <a:pt x="3259667" y="3810000"/>
-                  </a:cubicBezTo>
-                  <a:lnTo>
-                    <a:pt x="0" y="3810000"/>
-                  </a:lnTo>
-                  <a:close/>
-                </a:path>
-              </a:pathLst>
-            </a:custGeom>
-            <a:solidFill>
-              <a:schemeClr val="accent1">
-                <a:lumMod val="75000"/>
-                <a:alpha val="66000"/>
-              </a:schemeClr>
-            </a:solidFill>
-            <a:ln>
-              <a:noFill/>
-            </a:ln>
-            <a:effectLst/>
-          </p:spPr>
-          <p:style>
-            <a:lnRef idx="1">
-              <a:schemeClr val="accent1"/>
-            </a:lnRef>
-            <a:fillRef idx="3">
-              <a:schemeClr val="accent1"/>
-            </a:fillRef>
-            <a:effectRef idx="2">
-              <a:schemeClr val="accent1"/>
-            </a:effectRef>
-            <a:fontRef idx="minor">
-              <a:schemeClr val="lt1"/>
-            </a:fontRef>
-          </p:style>
-        </p:sp>
-        <p:sp>
-          <p:nvSpPr>
-            <p:cNvPr id="33" name="Freeform 32"/>
-            <p:cNvSpPr/>
-            <p:nvPr/>
-          </p:nvSpPr>
-          <p:spPr>
-            <a:xfrm>
-              <a:off x="7010429" y="-8467"/>
-              <a:ext cx="2142876" cy="6866467"/>
-            </a:xfrm>
-            <a:custGeom>
-              <a:avLst/>
-              <a:gdLst/>
-              <a:ahLst/>
-              <a:cxnLst/>
-              <a:rect l="l" t="t" r="r" b="b"/>
-              <a:pathLst>
-                <a:path w="2853267" h="6866467">
-                  <a:moveTo>
-                    <a:pt x="0" y="0"/>
-                  </a:moveTo>
-                  <a:lnTo>
-                    <a:pt x="2472267" y="6866467"/>
-                  </a:lnTo>
-                  <a:lnTo>
-                    <a:pt x="2853267" y="6858000"/>
-                  </a:lnTo>
-                  <a:lnTo>
-                    <a:pt x="2853267" y="0"/>
-                  </a:lnTo>
-                  <a:lnTo>
-                    <a:pt x="0" y="0"/>
-                  </a:lnTo>
-                  <a:close/>
-                </a:path>
-              </a:pathLst>
-            </a:custGeom>
-            <a:solidFill>
-              <a:schemeClr val="accent1">
-                <a:lumMod val="75000"/>
-                <a:alpha val="50000"/>
-              </a:schemeClr>
-            </a:solidFill>
-            <a:ln>
-              <a:noFill/>
-            </a:ln>
-            <a:effectLst/>
-          </p:spPr>
-          <p:style>
-            <a:lnRef idx="1">
-              <a:schemeClr val="accent1"/>
-            </a:lnRef>
-            <a:fillRef idx="3">
-              <a:schemeClr val="accent1"/>
-            </a:fillRef>
-            <a:effectRef idx="2">
-              <a:schemeClr val="accent1"/>
-            </a:effectRef>
-            <a:fontRef idx="minor">
-              <a:schemeClr val="lt1"/>
-            </a:fontRef>
-          </p:style>
-        </p:sp>
-        <p:sp>
-          <p:nvSpPr>
-            <p:cNvPr id="34" name="Freeform 33"/>
-            <p:cNvSpPr/>
-            <p:nvPr/>
-          </p:nvSpPr>
-          <p:spPr>
-            <a:xfrm>
-              <a:off x="8295776" y="-8467"/>
-              <a:ext cx="857530" cy="6866467"/>
-            </a:xfrm>
-            <a:custGeom>
-              <a:avLst/>
-              <a:gdLst/>
-              <a:ahLst/>
-              <a:cxnLst/>
-              <a:rect l="l" t="t" r="r" b="b"/>
-              <a:pathLst>
-                <a:path w="1286933" h="6866467">
-                  <a:moveTo>
-                    <a:pt x="1016000" y="0"/>
-                  </a:moveTo>
-                  <a:lnTo>
-                    <a:pt x="0" y="6866467"/>
-                  </a:lnTo>
-                  <a:lnTo>
-                    <a:pt x="1286933" y="6866467"/>
-                  </a:lnTo>
-                  <a:cubicBezTo>
-                    <a:pt x="1284111" y="4577645"/>
-                    <a:pt x="1281288" y="2288822"/>
-                    <a:pt x="1278466" y="0"/>
-                  </a:cubicBezTo>
-                  <a:lnTo>
-                    <a:pt x="1016000" y="0"/>
-                  </a:lnTo>
-                  <a:close/>
-                </a:path>
-              </a:pathLst>
-            </a:custGeom>
-            <a:solidFill>
-              <a:schemeClr val="accent2">
-                <a:alpha val="70000"/>
-              </a:schemeClr>
-            </a:solidFill>
-            <a:ln>
-              <a:noFill/>
-            </a:ln>
-            <a:effectLst/>
-          </p:spPr>
-          <p:style>
-            <a:lnRef idx="1">
-              <a:schemeClr val="accent1"/>
-            </a:lnRef>
-            <a:fillRef idx="3">
-              <a:schemeClr val="accent1"/>
-            </a:fillRef>
-            <a:effectRef idx="2">
-              <a:schemeClr val="accent1"/>
-            </a:effectRef>
-            <a:fontRef idx="minor">
-              <a:schemeClr val="lt1"/>
-            </a:fontRef>
-          </p:style>
-        </p:sp>
-        <p:sp>
-          <p:nvSpPr>
-            <p:cNvPr id="35" name="Freeform 34"/>
-            <p:cNvSpPr/>
-            <p:nvPr/>
-          </p:nvSpPr>
-          <p:spPr>
-            <a:xfrm>
-              <a:off x="8094165" y="-8468"/>
-              <a:ext cx="1066770" cy="6866467"/>
-            </a:xfrm>
-            <a:custGeom>
-              <a:avLst/>
-              <a:gdLst/>
-              <a:ahLst/>
-              <a:cxnLst/>
-              <a:rect l="l" t="t" r="r" b="b"/>
-              <a:pathLst>
-                <a:path w="1270244" h="6866467">
-                  <a:moveTo>
-                    <a:pt x="0" y="0"/>
-                  </a:moveTo>
-                  <a:lnTo>
-                    <a:pt x="1117600" y="6866467"/>
-                  </a:lnTo>
-                  <a:lnTo>
-                    <a:pt x="1270000" y="6866467"/>
-                  </a:lnTo>
-                  <a:cubicBezTo>
-                    <a:pt x="1272822" y="4574822"/>
-                    <a:pt x="1250245" y="2291645"/>
-                    <a:pt x="1253067" y="0"/>
-                  </a:cubicBezTo>
-                  <a:lnTo>
-                    <a:pt x="0" y="0"/>
-                  </a:lnTo>
-                  <a:close/>
-                </a:path>
-              </a:pathLst>
-            </a:custGeom>
-            <a:solidFill>
-              <a:schemeClr val="accent2">
-                <a:lumMod val="75000"/>
-                <a:alpha val="82000"/>
-              </a:schemeClr>
-            </a:solidFill>
-            <a:ln>
-              <a:noFill/>
-            </a:ln>
-            <a:effectLst/>
-          </p:spPr>
-          <p:style>
-            <a:lnRef idx="1">
-              <a:schemeClr val="accent1"/>
-            </a:lnRef>
-            <a:fillRef idx="3">
-              <a:schemeClr val="accent1"/>
-            </a:fillRef>
-            <a:effectRef idx="2">
-              <a:schemeClr val="accent1"/>
-            </a:effectRef>
-            <a:fontRef idx="minor">
-              <a:schemeClr val="lt1"/>
-            </a:fontRef>
-          </p:style>
-        </p:sp>
-        <p:sp>
-          <p:nvSpPr>
-            <p:cNvPr id="36" name="Freeform 35"/>
-            <p:cNvSpPr/>
-            <p:nvPr/>
-          </p:nvSpPr>
-          <p:spPr>
-            <a:xfrm>
-              <a:off x="8068764" y="4893733"/>
-              <a:ext cx="1094086" cy="1964267"/>
-            </a:xfrm>
-            <a:custGeom>
-              <a:avLst/>
-              <a:gdLst/>
-              <a:ahLst/>
-              <a:cxnLst/>
-              <a:rect l="l" t="t" r="r" b="b"/>
-              <a:pathLst>
-                <a:path w="1820333" h="3268133">
-                  <a:moveTo>
-                    <a:pt x="0" y="3268133"/>
-                  </a:moveTo>
-                  <a:lnTo>
-                    <a:pt x="1811866" y="0"/>
-                  </a:lnTo>
-                  <a:cubicBezTo>
-                    <a:pt x="1814688" y="1086555"/>
-                    <a:pt x="1817511" y="2173111"/>
-                    <a:pt x="1820333" y="3259666"/>
-                  </a:cubicBezTo>
-                  <a:lnTo>
-                    <a:pt x="0" y="3268133"/>
-                  </a:lnTo>
-                  <a:close/>
-                </a:path>
-              </a:pathLst>
-            </a:custGeom>
-            <a:solidFill>
-              <a:schemeClr val="accent1">
-                <a:lumMod val="75000"/>
-                <a:alpha val="66000"/>
-              </a:schemeClr>
-            </a:solidFill>
-            <a:ln>
-              <a:noFill/>
-            </a:ln>
-            <a:effectLst/>
-          </p:spPr>
-          <p:style>
-            <a:lnRef idx="1">
-              <a:schemeClr val="accent1"/>
-            </a:lnRef>
-            <a:fillRef idx="3">
-              <a:schemeClr val="accent1"/>
-            </a:fillRef>
-            <a:effectRef idx="2">
-              <a:schemeClr val="accent1"/>
-            </a:effectRef>
-            <a:fontRef idx="minor">
-              <a:schemeClr val="lt1"/>
-            </a:fontRef>
-          </p:style>
-        </p:sp>
-        <p:sp>
-          <p:nvSpPr>
-            <p:cNvPr id="18" name="Freeform 17"/>
-            <p:cNvSpPr/>
-            <p:nvPr/>
-          </p:nvSpPr>
-          <p:spPr>
-            <a:xfrm>
-              <a:off x="-8466" y="-8468"/>
-              <a:ext cx="863600" cy="5698067"/>
-            </a:xfrm>
-            <a:custGeom>
-              <a:avLst/>
-              <a:gdLst/>
-              <a:ahLst/>
-              <a:cxnLst/>
-              <a:rect l="l" t="t" r="r" b="b"/>
-              <a:pathLst>
-                <a:path w="863600" h="5698067">
-                  <a:moveTo>
-                    <a:pt x="0" y="8467"/>
-                  </a:moveTo>
-                  <a:lnTo>
-                    <a:pt x="863600" y="0"/>
-                  </a:lnTo>
-                  <a:lnTo>
-                    <a:pt x="863600" y="16934"/>
-                  </a:lnTo>
-                  <a:lnTo>
-                    <a:pt x="0" y="5698067"/>
-                  </a:lnTo>
-                  <a:lnTo>
-                    <a:pt x="0" y="8467"/>
-                  </a:lnTo>
-                  <a:close/>
-                </a:path>
-              </a:pathLst>
-            </a:custGeom>
-            <a:solidFill>
-              <a:schemeClr val="accent1">
-                <a:alpha val="85000"/>
-              </a:schemeClr>
-            </a:solidFill>
-            <a:ln>
-              <a:noFill/>
-            </a:ln>
-            <a:effectLst/>
-          </p:spPr>
-          <p:style>
-            <a:lnRef idx="1">
-              <a:schemeClr val="accent1"/>
-            </a:lnRef>
-            <a:fillRef idx="3">
-              <a:schemeClr val="accent1"/>
-            </a:fillRef>
-            <a:effectRef idx="2">
-              <a:schemeClr val="accent1"/>
-            </a:effectRef>
-            <a:fontRef idx="minor">
-              <a:schemeClr val="lt1"/>
-            </a:fontRef>
-          </p:style>
-        </p:sp>
-      </p:grpSp>
       <p:sp>
         <p:nvSpPr>
           <p:cNvPr id="2" name="Title 1"/>
@@ -10174,21 +9621,15 @@
         </p:nvSpPr>
         <p:spPr>
           <a:xfrm>
-            <a:off x="1130595" y="2404534"/>
-            <a:ext cx="5826719" cy="1646302"/>
+            <a:off x="1143000" y="1122363"/>
+            <a:ext cx="6858000" cy="2387600"/>
           </a:xfrm>
         </p:spPr>
         <p:txBody>
-          <a:bodyPr anchor="b">
-            <a:noAutofit/>
-          </a:bodyPr>
+          <a:bodyPr anchor="b"/>
           <a:lstStyle>
-            <a:lvl1pPr algn="r">
-              <a:defRPr sz="5400">
-                <a:solidFill>
-                  <a:schemeClr val="accent1"/>
-                </a:solidFill>
-              </a:defRPr>
+            <a:lvl1pPr algn="ctr">
+              <a:defRPr sz="4500"/>
             </a:lvl1pPr>
           </a:lstStyle>
           <a:p>
@@ -10196,7 +9637,7 @@
               <a:rPr lang="en-US" smtClean="0"/>
               <a:t>Click to edit Master title style</a:t>
             </a:r>
-            <a:endParaRPr lang="en-US" dirty="0"/>
+            <a:endParaRPr lang="en-US"/>
           </a:p>
         </p:txBody>
       </p:sp>
@@ -10212,103 +9653,48 @@
         </p:nvSpPr>
         <p:spPr>
           <a:xfrm>
-            <a:off x="1130595" y="4050834"/>
-            <a:ext cx="5826719" cy="1096899"/>
+            <a:off x="1143000" y="3602038"/>
+            <a:ext cx="6858000" cy="1655762"/>
           </a:xfrm>
         </p:spPr>
         <p:txBody>
-          <a:bodyPr anchor="t"/>
+          <a:bodyPr/>
           <a:lstStyle>
-            <a:lvl1pPr marL="0" indent="0" algn="r">
+            <a:lvl1pPr marL="0" indent="0" algn="ctr">
               <a:buNone/>
-              <a:defRPr>
-                <a:solidFill>
-                  <a:schemeClr val="tx1">
-                    <a:lumMod val="50000"/>
-                    <a:lumOff val="50000"/>
-                  </a:schemeClr>
-                </a:solidFill>
-              </a:defRPr>
+              <a:defRPr sz="1800"/>
             </a:lvl1pPr>
-            <a:lvl2pPr marL="457200" indent="0" algn="ctr">
+            <a:lvl2pPr marL="342900" indent="0" algn="ctr">
               <a:buNone/>
-              <a:defRPr>
-                <a:solidFill>
-                  <a:schemeClr val="tx1">
-                    <a:tint val="75000"/>
-                  </a:schemeClr>
-                </a:solidFill>
-              </a:defRPr>
+              <a:defRPr sz="1500"/>
             </a:lvl2pPr>
-            <a:lvl3pPr marL="914400" indent="0" algn="ctr">
+            <a:lvl3pPr marL="685800" indent="0" algn="ctr">
               <a:buNone/>
-              <a:defRPr>
-                <a:solidFill>
-                  <a:schemeClr val="tx1">
-                    <a:tint val="75000"/>
-                  </a:schemeClr>
-                </a:solidFill>
-              </a:defRPr>
+              <a:defRPr sz="1350"/>
             </a:lvl3pPr>
-            <a:lvl4pPr marL="1371600" indent="0" algn="ctr">
+            <a:lvl4pPr marL="1028700" indent="0" algn="ctr">
               <a:buNone/>
-              <a:defRPr>
-                <a:solidFill>
-                  <a:schemeClr val="tx1">
-                    <a:tint val="75000"/>
-                  </a:schemeClr>
-                </a:solidFill>
-              </a:defRPr>
+              <a:defRPr sz="1200"/>
             </a:lvl4pPr>
-            <a:lvl5pPr marL="1828800" indent="0" algn="ctr">
+            <a:lvl5pPr marL="1371600" indent="0" algn="ctr">
               <a:buNone/>
-              <a:defRPr>
-                <a:solidFill>
-                  <a:schemeClr val="tx1">
-                    <a:tint val="75000"/>
-                  </a:schemeClr>
-                </a:solidFill>
-              </a:defRPr>
+              <a:defRPr sz="1200"/>
             </a:lvl5pPr>
-            <a:lvl6pPr marL="2286000" indent="0" algn="ctr">
+            <a:lvl6pPr marL="1714500" indent="0" algn="ctr">
               <a:buNone/>
-              <a:defRPr>
-                <a:solidFill>
-                  <a:schemeClr val="tx1">
-                    <a:tint val="75000"/>
-                  </a:schemeClr>
-                </a:solidFill>
-              </a:defRPr>
+              <a:defRPr sz="1200"/>
             </a:lvl6pPr>
-            <a:lvl7pPr marL="2743200" indent="0" algn="ctr">
+            <a:lvl7pPr marL="2057400" indent="0" algn="ctr">
               <a:buNone/>
-              <a:defRPr>
-                <a:solidFill>
-                  <a:schemeClr val="tx1">
-                    <a:tint val="75000"/>
-                  </a:schemeClr>
-                </a:solidFill>
-              </a:defRPr>
+              <a:defRPr sz="1200"/>
             </a:lvl7pPr>
-            <a:lvl8pPr marL="3200400" indent="0" algn="ctr">
+            <a:lvl8pPr marL="2400300" indent="0" algn="ctr">
               <a:buNone/>
-              <a:defRPr>
-                <a:solidFill>
-                  <a:schemeClr val="tx1">
-                    <a:tint val="75000"/>
-                  </a:schemeClr>
-                </a:solidFill>
-              </a:defRPr>
+              <a:defRPr sz="1200"/>
             </a:lvl8pPr>
-            <a:lvl9pPr marL="3657600" indent="0" algn="ctr">
+            <a:lvl9pPr marL="2743200" indent="0" algn="ctr">
               <a:buNone/>
-              <a:defRPr>
-                <a:solidFill>
-                  <a:schemeClr val="tx1">
-                    <a:tint val="75000"/>
-                  </a:schemeClr>
-                </a:solidFill>
-              </a:defRPr>
+              <a:defRPr sz="1200"/>
             </a:lvl9pPr>
           </a:lstStyle>
           <a:p>
@@ -10316,7 +9702,7 @@
               <a:rPr lang="en-US" smtClean="0"/>
               <a:t>Click to edit Master subtitle style</a:t>
             </a:r>
-            <a:endParaRPr lang="en-US" dirty="0"/>
+            <a:endParaRPr lang="en-US"/>
           </a:p>
         </p:txBody>
       </p:sp>
@@ -10337,7 +9723,7 @@
           <a:p>
             <a:fld id="{8472C7DE-940F-F84D-87FC-CB6C77FFB87A}" type="datetimeFigureOut">
               <a:rPr lang="en-US" smtClean="0"/>
-              <a:t>11/16/2016</a:t>
+              <a:t>12/21/16</a:t>
             </a:fld>
             <a:endParaRPr lang="en-US"/>
           </a:p>
@@ -10388,7 +9774,7 @@
     </p:spTree>
     <p:extLst>
       <p:ext uri="{BB962C8B-B14F-4D97-AF65-F5344CB8AC3E}">
-        <p14:creationId xmlns:p14="http://schemas.microsoft.com/office/powerpoint/2010/main" val="2856606649"/>
+        <p14:creationId xmlns:p14="http://schemas.microsoft.com/office/powerpoint/2010/main" val="1505879527"/>
       </p:ext>
     </p:extLst>
   </p:cSld>
@@ -10399,1611 +9785,6 @@
 </file>
 
 <file path=ppt/slideLayouts/slideLayout10.xml><?xml version="1.0" encoding="utf-8"?>
-<p:sldLayout xmlns:a="http://schemas.openxmlformats.org/drawingml/2006/main" xmlns:r="http://schemas.openxmlformats.org/officeDocument/2006/relationships" xmlns:p="http://schemas.openxmlformats.org/presentationml/2006/main" preserve="1">
-  <p:cSld name="Title and Caption">
-    <p:spTree>
-      <p:nvGrpSpPr>
-        <p:cNvPr id="1" name=""/>
-        <p:cNvGrpSpPr/>
-        <p:nvPr/>
-      </p:nvGrpSpPr>
-      <p:grpSpPr>
-        <a:xfrm>
-          <a:off x="0" y="0"/>
-          <a:ext cx="0" cy="0"/>
-          <a:chOff x="0" y="0"/>
-          <a:chExt cx="0" cy="0"/>
-        </a:xfrm>
-      </p:grpSpPr>
-      <p:sp>
-        <p:nvSpPr>
-          <p:cNvPr id="2" name="Title 1"/>
-          <p:cNvSpPr>
-            <a:spLocks noGrp="1"/>
-          </p:cNvSpPr>
-          <p:nvPr>
-            <p:ph type="title"/>
-          </p:nvPr>
-        </p:nvSpPr>
-        <p:spPr>
-          <a:xfrm>
-            <a:off x="609600" y="609600"/>
-            <a:ext cx="6347714" cy="3403600"/>
-          </a:xfrm>
-        </p:spPr>
-        <p:txBody>
-          <a:bodyPr anchor="ctr">
-            <a:normAutofit/>
-          </a:bodyPr>
-          <a:lstStyle>
-            <a:lvl1pPr algn="l">
-              <a:defRPr sz="4400" b="0" cap="none"/>
-            </a:lvl1pPr>
-          </a:lstStyle>
-          <a:p>
-            <a:r>
-              <a:rPr lang="en-US" smtClean="0"/>
-              <a:t>Click to edit Master title style</a:t>
-            </a:r>
-            <a:endParaRPr lang="en-US" dirty="0"/>
-          </a:p>
-        </p:txBody>
-      </p:sp>
-      <p:sp>
-        <p:nvSpPr>
-          <p:cNvPr id="3" name="Text Placeholder 2"/>
-          <p:cNvSpPr>
-            <a:spLocks noGrp="1"/>
-          </p:cNvSpPr>
-          <p:nvPr>
-            <p:ph type="body" idx="1"/>
-          </p:nvPr>
-        </p:nvSpPr>
-        <p:spPr>
-          <a:xfrm>
-            <a:off x="609600" y="4470400"/>
-            <a:ext cx="6347714" cy="1570962"/>
-          </a:xfrm>
-        </p:spPr>
-        <p:txBody>
-          <a:bodyPr anchor="ctr">
-            <a:normAutofit/>
-          </a:bodyPr>
-          <a:lstStyle>
-            <a:lvl1pPr marL="0" indent="0" algn="l">
-              <a:buNone/>
-              <a:defRPr sz="1800">
-                <a:solidFill>
-                  <a:schemeClr val="tx1">
-                    <a:lumMod val="75000"/>
-                    <a:lumOff val="25000"/>
-                  </a:schemeClr>
-                </a:solidFill>
-              </a:defRPr>
-            </a:lvl1pPr>
-            <a:lvl2pPr marL="457200" indent="0">
-              <a:buNone/>
-              <a:defRPr sz="1800">
-                <a:solidFill>
-                  <a:schemeClr val="tx1">
-                    <a:tint val="75000"/>
-                  </a:schemeClr>
-                </a:solidFill>
-              </a:defRPr>
-            </a:lvl2pPr>
-            <a:lvl3pPr marL="914400" indent="0">
-              <a:buNone/>
-              <a:defRPr sz="1600">
-                <a:solidFill>
-                  <a:schemeClr val="tx1">
-                    <a:tint val="75000"/>
-                  </a:schemeClr>
-                </a:solidFill>
-              </a:defRPr>
-            </a:lvl3pPr>
-            <a:lvl4pPr marL="1371600" indent="0">
-              <a:buNone/>
-              <a:defRPr sz="1400">
-                <a:solidFill>
-                  <a:schemeClr val="tx1">
-                    <a:tint val="75000"/>
-                  </a:schemeClr>
-                </a:solidFill>
-              </a:defRPr>
-            </a:lvl4pPr>
-            <a:lvl5pPr marL="1828800" indent="0">
-              <a:buNone/>
-              <a:defRPr sz="1400">
-                <a:solidFill>
-                  <a:schemeClr val="tx1">
-                    <a:tint val="75000"/>
-                  </a:schemeClr>
-                </a:solidFill>
-              </a:defRPr>
-            </a:lvl5pPr>
-            <a:lvl6pPr marL="2286000" indent="0">
-              <a:buNone/>
-              <a:defRPr sz="1400">
-                <a:solidFill>
-                  <a:schemeClr val="tx1">
-                    <a:tint val="75000"/>
-                  </a:schemeClr>
-                </a:solidFill>
-              </a:defRPr>
-            </a:lvl6pPr>
-            <a:lvl7pPr marL="2743200" indent="0">
-              <a:buNone/>
-              <a:defRPr sz="1400">
-                <a:solidFill>
-                  <a:schemeClr val="tx1">
-                    <a:tint val="75000"/>
-                  </a:schemeClr>
-                </a:solidFill>
-              </a:defRPr>
-            </a:lvl7pPr>
-            <a:lvl8pPr marL="3200400" indent="0">
-              <a:buNone/>
-              <a:defRPr sz="1400">
-                <a:solidFill>
-                  <a:schemeClr val="tx1">
-                    <a:tint val="75000"/>
-                  </a:schemeClr>
-                </a:solidFill>
-              </a:defRPr>
-            </a:lvl8pPr>
-            <a:lvl9pPr marL="3657600" indent="0">
-              <a:buNone/>
-              <a:defRPr sz="1400">
-                <a:solidFill>
-                  <a:schemeClr val="tx1">
-                    <a:tint val="75000"/>
-                  </a:schemeClr>
-                </a:solidFill>
-              </a:defRPr>
-            </a:lvl9pPr>
-          </a:lstStyle>
-          <a:p>
-            <a:pPr lvl="0"/>
-            <a:r>
-              <a:rPr lang="en-US" smtClean="0"/>
-              <a:t>Click to edit Master text styles</a:t>
-            </a:r>
-          </a:p>
-        </p:txBody>
-      </p:sp>
-      <p:sp>
-        <p:nvSpPr>
-          <p:cNvPr id="4" name="Date Placeholder 3"/>
-          <p:cNvSpPr>
-            <a:spLocks noGrp="1"/>
-          </p:cNvSpPr>
-          <p:nvPr>
-            <p:ph type="dt" sz="half" idx="10"/>
-          </p:nvPr>
-        </p:nvSpPr>
-        <p:spPr/>
-        <p:txBody>
-          <a:bodyPr/>
-          <a:lstStyle/>
-          <a:p>
-            <a:fld id="{8472C7DE-940F-F84D-87FC-CB6C77FFB87A}" type="datetimeFigureOut">
-              <a:rPr lang="en-US" smtClean="0"/>
-              <a:t>11/16/2016</a:t>
-            </a:fld>
-            <a:endParaRPr lang="en-US"/>
-          </a:p>
-        </p:txBody>
-      </p:sp>
-      <p:sp>
-        <p:nvSpPr>
-          <p:cNvPr id="5" name="Footer Placeholder 4"/>
-          <p:cNvSpPr>
-            <a:spLocks noGrp="1"/>
-          </p:cNvSpPr>
-          <p:nvPr>
-            <p:ph type="ftr" sz="quarter" idx="11"/>
-          </p:nvPr>
-        </p:nvSpPr>
-        <p:spPr/>
-        <p:txBody>
-          <a:bodyPr/>
-          <a:lstStyle/>
-          <a:p>
-            <a:endParaRPr lang="en-US"/>
-          </a:p>
-        </p:txBody>
-      </p:sp>
-      <p:sp>
-        <p:nvSpPr>
-          <p:cNvPr id="6" name="Slide Number Placeholder 5"/>
-          <p:cNvSpPr>
-            <a:spLocks noGrp="1"/>
-          </p:cNvSpPr>
-          <p:nvPr>
-            <p:ph type="sldNum" sz="quarter" idx="12"/>
-          </p:nvPr>
-        </p:nvSpPr>
-        <p:spPr/>
-        <p:txBody>
-          <a:bodyPr/>
-          <a:lstStyle/>
-          <a:p>
-            <a:fld id="{A380EEFD-EB3F-0045-A152-67C065F6004F}" type="slidenum">
-              <a:rPr lang="en-US" smtClean="0"/>
-              <a:t>‹#›</a:t>
-            </a:fld>
-            <a:endParaRPr lang="en-US"/>
-          </a:p>
-        </p:txBody>
-      </p:sp>
-    </p:spTree>
-    <p:extLst>
-      <p:ext uri="{BB962C8B-B14F-4D97-AF65-F5344CB8AC3E}">
-        <p14:creationId xmlns:p14="http://schemas.microsoft.com/office/powerpoint/2010/main" val="943333063"/>
-      </p:ext>
-    </p:extLst>
-  </p:cSld>
-  <p:clrMapOvr>
-    <a:masterClrMapping/>
-  </p:clrMapOvr>
-</p:sldLayout>
-</file>
-
-<file path=ppt/slideLayouts/slideLayout11.xml><?xml version="1.0" encoding="utf-8"?>
-<p:sldLayout xmlns:a="http://schemas.openxmlformats.org/drawingml/2006/main" xmlns:r="http://schemas.openxmlformats.org/officeDocument/2006/relationships" xmlns:p="http://schemas.openxmlformats.org/presentationml/2006/main" preserve="1">
-  <p:cSld name="Quote with Caption">
-    <p:spTree>
-      <p:nvGrpSpPr>
-        <p:cNvPr id="1" name=""/>
-        <p:cNvGrpSpPr/>
-        <p:nvPr/>
-      </p:nvGrpSpPr>
-      <p:grpSpPr>
-        <a:xfrm>
-          <a:off x="0" y="0"/>
-          <a:ext cx="0" cy="0"/>
-          <a:chOff x="0" y="0"/>
-          <a:chExt cx="0" cy="0"/>
-        </a:xfrm>
-      </p:grpSpPr>
-      <p:sp>
-        <p:nvSpPr>
-          <p:cNvPr id="2" name="Title 1"/>
-          <p:cNvSpPr>
-            <a:spLocks noGrp="1"/>
-          </p:cNvSpPr>
-          <p:nvPr>
-            <p:ph type="title"/>
-          </p:nvPr>
-        </p:nvSpPr>
-        <p:spPr>
-          <a:xfrm>
-            <a:off x="774885" y="609600"/>
-            <a:ext cx="6072182" cy="3022600"/>
-          </a:xfrm>
-        </p:spPr>
-        <p:txBody>
-          <a:bodyPr anchor="ctr">
-            <a:normAutofit/>
-          </a:bodyPr>
-          <a:lstStyle>
-            <a:lvl1pPr algn="l">
-              <a:defRPr sz="4400" b="0" cap="none"/>
-            </a:lvl1pPr>
-          </a:lstStyle>
-          <a:p>
-            <a:r>
-              <a:rPr lang="en-US" smtClean="0"/>
-              <a:t>Click to edit Master title style</a:t>
-            </a:r>
-            <a:endParaRPr lang="en-US" dirty="0"/>
-          </a:p>
-        </p:txBody>
-      </p:sp>
-      <p:sp>
-        <p:nvSpPr>
-          <p:cNvPr id="23" name="Text Placeholder 9"/>
-          <p:cNvSpPr>
-            <a:spLocks noGrp="1"/>
-          </p:cNvSpPr>
-          <p:nvPr>
-            <p:ph type="body" sz="quarter" idx="13"/>
-          </p:nvPr>
-        </p:nvSpPr>
-        <p:spPr>
-          <a:xfrm>
-            <a:off x="1101074" y="3632200"/>
-            <a:ext cx="5419804" cy="381000"/>
-          </a:xfrm>
-        </p:spPr>
-        <p:txBody>
-          <a:bodyPr anchor="ctr">
-            <a:noAutofit/>
-          </a:bodyPr>
-          <a:lstStyle>
-            <a:lvl1pPr marL="0" indent="0">
-              <a:buFontTx/>
-              <a:buNone/>
-              <a:defRPr sz="1600">
-                <a:solidFill>
-                  <a:schemeClr val="tx1">
-                    <a:lumMod val="50000"/>
-                    <a:lumOff val="50000"/>
-                  </a:schemeClr>
-                </a:solidFill>
-              </a:defRPr>
-            </a:lvl1pPr>
-            <a:lvl2pPr marL="457200" indent="0">
-              <a:buFontTx/>
-              <a:buNone/>
-              <a:defRPr/>
-            </a:lvl2pPr>
-            <a:lvl3pPr marL="914400" indent="0">
-              <a:buFontTx/>
-              <a:buNone/>
-              <a:defRPr/>
-            </a:lvl3pPr>
-            <a:lvl4pPr marL="1371600" indent="0">
-              <a:buFontTx/>
-              <a:buNone/>
-              <a:defRPr/>
-            </a:lvl4pPr>
-            <a:lvl5pPr marL="1828800" indent="0">
-              <a:buFontTx/>
-              <a:buNone/>
-              <a:defRPr/>
-            </a:lvl5pPr>
-          </a:lstStyle>
-          <a:p>
-            <a:pPr lvl="0"/>
-            <a:r>
-              <a:rPr lang="en-US" smtClean="0"/>
-              <a:t>Click to edit Master text styles</a:t>
-            </a:r>
-          </a:p>
-        </p:txBody>
-      </p:sp>
-      <p:sp>
-        <p:nvSpPr>
-          <p:cNvPr id="3" name="Text Placeholder 2"/>
-          <p:cNvSpPr>
-            <a:spLocks noGrp="1"/>
-          </p:cNvSpPr>
-          <p:nvPr>
-            <p:ph type="body" idx="1"/>
-          </p:nvPr>
-        </p:nvSpPr>
-        <p:spPr>
-          <a:xfrm>
-            <a:off x="609598" y="4470400"/>
-            <a:ext cx="6347715" cy="1570962"/>
-          </a:xfrm>
-        </p:spPr>
-        <p:txBody>
-          <a:bodyPr anchor="ctr">
-            <a:normAutofit/>
-          </a:bodyPr>
-          <a:lstStyle>
-            <a:lvl1pPr marL="0" indent="0" algn="l">
-              <a:buNone/>
-              <a:defRPr sz="1800">
-                <a:solidFill>
-                  <a:schemeClr val="tx1">
-                    <a:lumMod val="75000"/>
-                    <a:lumOff val="25000"/>
-                  </a:schemeClr>
-                </a:solidFill>
-              </a:defRPr>
-            </a:lvl1pPr>
-            <a:lvl2pPr marL="457200" indent="0">
-              <a:buNone/>
-              <a:defRPr sz="1800">
-                <a:solidFill>
-                  <a:schemeClr val="tx1">
-                    <a:tint val="75000"/>
-                  </a:schemeClr>
-                </a:solidFill>
-              </a:defRPr>
-            </a:lvl2pPr>
-            <a:lvl3pPr marL="914400" indent="0">
-              <a:buNone/>
-              <a:defRPr sz="1600">
-                <a:solidFill>
-                  <a:schemeClr val="tx1">
-                    <a:tint val="75000"/>
-                  </a:schemeClr>
-                </a:solidFill>
-              </a:defRPr>
-            </a:lvl3pPr>
-            <a:lvl4pPr marL="1371600" indent="0">
-              <a:buNone/>
-              <a:defRPr sz="1400">
-                <a:solidFill>
-                  <a:schemeClr val="tx1">
-                    <a:tint val="75000"/>
-                  </a:schemeClr>
-                </a:solidFill>
-              </a:defRPr>
-            </a:lvl4pPr>
-            <a:lvl5pPr marL="1828800" indent="0">
-              <a:buNone/>
-              <a:defRPr sz="1400">
-                <a:solidFill>
-                  <a:schemeClr val="tx1">
-                    <a:tint val="75000"/>
-                  </a:schemeClr>
-                </a:solidFill>
-              </a:defRPr>
-            </a:lvl5pPr>
-            <a:lvl6pPr marL="2286000" indent="0">
-              <a:buNone/>
-              <a:defRPr sz="1400">
-                <a:solidFill>
-                  <a:schemeClr val="tx1">
-                    <a:tint val="75000"/>
-                  </a:schemeClr>
-                </a:solidFill>
-              </a:defRPr>
-            </a:lvl6pPr>
-            <a:lvl7pPr marL="2743200" indent="0">
-              <a:buNone/>
-              <a:defRPr sz="1400">
-                <a:solidFill>
-                  <a:schemeClr val="tx1">
-                    <a:tint val="75000"/>
-                  </a:schemeClr>
-                </a:solidFill>
-              </a:defRPr>
-            </a:lvl7pPr>
-            <a:lvl8pPr marL="3200400" indent="0">
-              <a:buNone/>
-              <a:defRPr sz="1400">
-                <a:solidFill>
-                  <a:schemeClr val="tx1">
-                    <a:tint val="75000"/>
-                  </a:schemeClr>
-                </a:solidFill>
-              </a:defRPr>
-            </a:lvl8pPr>
-            <a:lvl9pPr marL="3657600" indent="0">
-              <a:buNone/>
-              <a:defRPr sz="1400">
-                <a:solidFill>
-                  <a:schemeClr val="tx1">
-                    <a:tint val="75000"/>
-                  </a:schemeClr>
-                </a:solidFill>
-              </a:defRPr>
-            </a:lvl9pPr>
-          </a:lstStyle>
-          <a:p>
-            <a:pPr lvl="0"/>
-            <a:r>
-              <a:rPr lang="en-US" smtClean="0"/>
-              <a:t>Click to edit Master text styles</a:t>
-            </a:r>
-          </a:p>
-        </p:txBody>
-      </p:sp>
-      <p:sp>
-        <p:nvSpPr>
-          <p:cNvPr id="4" name="Date Placeholder 3"/>
-          <p:cNvSpPr>
-            <a:spLocks noGrp="1"/>
-          </p:cNvSpPr>
-          <p:nvPr>
-            <p:ph type="dt" sz="half" idx="10"/>
-          </p:nvPr>
-        </p:nvSpPr>
-        <p:spPr/>
-        <p:txBody>
-          <a:bodyPr/>
-          <a:lstStyle/>
-          <a:p>
-            <a:fld id="{8472C7DE-940F-F84D-87FC-CB6C77FFB87A}" type="datetimeFigureOut">
-              <a:rPr lang="en-US" smtClean="0"/>
-              <a:t>11/16/2016</a:t>
-            </a:fld>
-            <a:endParaRPr lang="en-US"/>
-          </a:p>
-        </p:txBody>
-      </p:sp>
-      <p:sp>
-        <p:nvSpPr>
-          <p:cNvPr id="5" name="Footer Placeholder 4"/>
-          <p:cNvSpPr>
-            <a:spLocks noGrp="1"/>
-          </p:cNvSpPr>
-          <p:nvPr>
-            <p:ph type="ftr" sz="quarter" idx="11"/>
-          </p:nvPr>
-        </p:nvSpPr>
-        <p:spPr/>
-        <p:txBody>
-          <a:bodyPr/>
-          <a:lstStyle/>
-          <a:p>
-            <a:endParaRPr lang="en-US"/>
-          </a:p>
-        </p:txBody>
-      </p:sp>
-      <p:sp>
-        <p:nvSpPr>
-          <p:cNvPr id="6" name="Slide Number Placeholder 5"/>
-          <p:cNvSpPr>
-            <a:spLocks noGrp="1"/>
-          </p:cNvSpPr>
-          <p:nvPr>
-            <p:ph type="sldNum" sz="quarter" idx="12"/>
-          </p:nvPr>
-        </p:nvSpPr>
-        <p:spPr/>
-        <p:txBody>
-          <a:bodyPr/>
-          <a:lstStyle/>
-          <a:p>
-            <a:fld id="{A380EEFD-EB3F-0045-A152-67C065F6004F}" type="slidenum">
-              <a:rPr lang="en-US" smtClean="0"/>
-              <a:t>‹#›</a:t>
-            </a:fld>
-            <a:endParaRPr lang="en-US"/>
-          </a:p>
-        </p:txBody>
-      </p:sp>
-      <p:sp>
-        <p:nvSpPr>
-          <p:cNvPr id="24" name="TextBox 23"/>
-          <p:cNvSpPr txBox="1"/>
-          <p:nvPr/>
-        </p:nvSpPr>
-        <p:spPr>
-          <a:xfrm>
-            <a:off x="482711" y="790378"/>
-            <a:ext cx="457319" cy="584776"/>
-          </a:xfrm>
-          <a:prstGeom prst="rect">
-            <a:avLst/>
-          </a:prstGeom>
-        </p:spPr>
-        <p:txBody>
-          <a:bodyPr vert="horz" lIns="91440" tIns="45720" rIns="91440" bIns="45720" rtlCol="0" anchor="ctr">
-            <a:noAutofit/>
-          </a:bodyPr>
-          <a:lstStyle/>
-          <a:p>
-            <a:pPr lvl="0"/>
-            <a:r>
-              <a:rPr lang="en-US" sz="8000" baseline="0" dirty="0">
-                <a:ln w="3175" cmpd="sng">
-                  <a:noFill/>
-                </a:ln>
-                <a:solidFill>
-                  <a:schemeClr val="accent1">
-                    <a:lumMod val="60000"/>
-                    <a:lumOff val="40000"/>
-                  </a:schemeClr>
-                </a:solidFill>
-                <a:effectLst/>
-                <a:latin typeface="Arial"/>
-              </a:rPr>
-              <a:t>“</a:t>
-            </a:r>
-          </a:p>
-        </p:txBody>
-      </p:sp>
-      <p:sp>
-        <p:nvSpPr>
-          <p:cNvPr id="25" name="TextBox 24"/>
-          <p:cNvSpPr txBox="1"/>
-          <p:nvPr/>
-        </p:nvSpPr>
-        <p:spPr>
-          <a:xfrm>
-            <a:off x="6747699" y="2886556"/>
-            <a:ext cx="457319" cy="584776"/>
-          </a:xfrm>
-          <a:prstGeom prst="rect">
-            <a:avLst/>
-          </a:prstGeom>
-        </p:spPr>
-        <p:txBody>
-          <a:bodyPr vert="horz" lIns="91440" tIns="45720" rIns="91440" bIns="45720" rtlCol="0" anchor="ctr">
-            <a:noAutofit/>
-          </a:bodyPr>
-          <a:lstStyle/>
-          <a:p>
-            <a:pPr lvl="0"/>
-            <a:r>
-              <a:rPr lang="en-US" sz="8000" baseline="0" dirty="0">
-                <a:ln w="3175" cmpd="sng">
-                  <a:noFill/>
-                </a:ln>
-                <a:solidFill>
-                  <a:schemeClr val="accent1">
-                    <a:lumMod val="60000"/>
-                    <a:lumOff val="40000"/>
-                  </a:schemeClr>
-                </a:solidFill>
-                <a:effectLst/>
-                <a:latin typeface="Arial"/>
-              </a:rPr>
-              <a:t>”</a:t>
-            </a:r>
-          </a:p>
-        </p:txBody>
-      </p:sp>
-    </p:spTree>
-    <p:extLst>
-      <p:ext uri="{BB962C8B-B14F-4D97-AF65-F5344CB8AC3E}">
-        <p14:creationId xmlns:p14="http://schemas.microsoft.com/office/powerpoint/2010/main" val="2674864449"/>
-      </p:ext>
-    </p:extLst>
-  </p:cSld>
-  <p:clrMapOvr>
-    <a:masterClrMapping/>
-  </p:clrMapOvr>
-</p:sldLayout>
-</file>
-
-<file path=ppt/slideLayouts/slideLayout12.xml><?xml version="1.0" encoding="utf-8"?>
-<p:sldLayout xmlns:a="http://schemas.openxmlformats.org/drawingml/2006/main" xmlns:r="http://schemas.openxmlformats.org/officeDocument/2006/relationships" xmlns:p="http://schemas.openxmlformats.org/presentationml/2006/main" preserve="1">
-  <p:cSld name="Name Card">
-    <p:spTree>
-      <p:nvGrpSpPr>
-        <p:cNvPr id="1" name=""/>
-        <p:cNvGrpSpPr/>
-        <p:nvPr/>
-      </p:nvGrpSpPr>
-      <p:grpSpPr>
-        <a:xfrm>
-          <a:off x="0" y="0"/>
-          <a:ext cx="0" cy="0"/>
-          <a:chOff x="0" y="0"/>
-          <a:chExt cx="0" cy="0"/>
-        </a:xfrm>
-      </p:grpSpPr>
-      <p:sp>
-        <p:nvSpPr>
-          <p:cNvPr id="2" name="Title 1"/>
-          <p:cNvSpPr>
-            <a:spLocks noGrp="1"/>
-          </p:cNvSpPr>
-          <p:nvPr>
-            <p:ph type="title"/>
-          </p:nvPr>
-        </p:nvSpPr>
-        <p:spPr>
-          <a:xfrm>
-            <a:off x="609598" y="1931988"/>
-            <a:ext cx="6347715" cy="2595460"/>
-          </a:xfrm>
-        </p:spPr>
-        <p:txBody>
-          <a:bodyPr anchor="b">
-            <a:normAutofit/>
-          </a:bodyPr>
-          <a:lstStyle>
-            <a:lvl1pPr algn="l">
-              <a:defRPr sz="4400" b="0" cap="none"/>
-            </a:lvl1pPr>
-          </a:lstStyle>
-          <a:p>
-            <a:r>
-              <a:rPr lang="en-US" smtClean="0"/>
-              <a:t>Click to edit Master title style</a:t>
-            </a:r>
-            <a:endParaRPr lang="en-US" dirty="0"/>
-          </a:p>
-        </p:txBody>
-      </p:sp>
-      <p:sp>
-        <p:nvSpPr>
-          <p:cNvPr id="3" name="Text Placeholder 2"/>
-          <p:cNvSpPr>
-            <a:spLocks noGrp="1"/>
-          </p:cNvSpPr>
-          <p:nvPr>
-            <p:ph type="body" idx="1"/>
-          </p:nvPr>
-        </p:nvSpPr>
-        <p:spPr>
-          <a:xfrm>
-            <a:off x="609598" y="4527448"/>
-            <a:ext cx="6347715" cy="1513914"/>
-          </a:xfrm>
-        </p:spPr>
-        <p:txBody>
-          <a:bodyPr anchor="t">
-            <a:normAutofit/>
-          </a:bodyPr>
-          <a:lstStyle>
-            <a:lvl1pPr marL="0" indent="0" algn="l">
-              <a:buNone/>
-              <a:defRPr sz="1800">
-                <a:solidFill>
-                  <a:schemeClr val="tx1">
-                    <a:lumMod val="75000"/>
-                    <a:lumOff val="25000"/>
-                  </a:schemeClr>
-                </a:solidFill>
-              </a:defRPr>
-            </a:lvl1pPr>
-            <a:lvl2pPr marL="457200" indent="0">
-              <a:buNone/>
-              <a:defRPr sz="1800">
-                <a:solidFill>
-                  <a:schemeClr val="tx1">
-                    <a:tint val="75000"/>
-                  </a:schemeClr>
-                </a:solidFill>
-              </a:defRPr>
-            </a:lvl2pPr>
-            <a:lvl3pPr marL="914400" indent="0">
-              <a:buNone/>
-              <a:defRPr sz="1600">
-                <a:solidFill>
-                  <a:schemeClr val="tx1">
-                    <a:tint val="75000"/>
-                  </a:schemeClr>
-                </a:solidFill>
-              </a:defRPr>
-            </a:lvl3pPr>
-            <a:lvl4pPr marL="1371600" indent="0">
-              <a:buNone/>
-              <a:defRPr sz="1400">
-                <a:solidFill>
-                  <a:schemeClr val="tx1">
-                    <a:tint val="75000"/>
-                  </a:schemeClr>
-                </a:solidFill>
-              </a:defRPr>
-            </a:lvl4pPr>
-            <a:lvl5pPr marL="1828800" indent="0">
-              <a:buNone/>
-              <a:defRPr sz="1400">
-                <a:solidFill>
-                  <a:schemeClr val="tx1">
-                    <a:tint val="75000"/>
-                  </a:schemeClr>
-                </a:solidFill>
-              </a:defRPr>
-            </a:lvl5pPr>
-            <a:lvl6pPr marL="2286000" indent="0">
-              <a:buNone/>
-              <a:defRPr sz="1400">
-                <a:solidFill>
-                  <a:schemeClr val="tx1">
-                    <a:tint val="75000"/>
-                  </a:schemeClr>
-                </a:solidFill>
-              </a:defRPr>
-            </a:lvl6pPr>
-            <a:lvl7pPr marL="2743200" indent="0">
-              <a:buNone/>
-              <a:defRPr sz="1400">
-                <a:solidFill>
-                  <a:schemeClr val="tx1">
-                    <a:tint val="75000"/>
-                  </a:schemeClr>
-                </a:solidFill>
-              </a:defRPr>
-            </a:lvl7pPr>
-            <a:lvl8pPr marL="3200400" indent="0">
-              <a:buNone/>
-              <a:defRPr sz="1400">
-                <a:solidFill>
-                  <a:schemeClr val="tx1">
-                    <a:tint val="75000"/>
-                  </a:schemeClr>
-                </a:solidFill>
-              </a:defRPr>
-            </a:lvl8pPr>
-            <a:lvl9pPr marL="3657600" indent="0">
-              <a:buNone/>
-              <a:defRPr sz="1400">
-                <a:solidFill>
-                  <a:schemeClr val="tx1">
-                    <a:tint val="75000"/>
-                  </a:schemeClr>
-                </a:solidFill>
-              </a:defRPr>
-            </a:lvl9pPr>
-          </a:lstStyle>
-          <a:p>
-            <a:pPr lvl="0"/>
-            <a:r>
-              <a:rPr lang="en-US" smtClean="0"/>
-              <a:t>Click to edit Master text styles</a:t>
-            </a:r>
-          </a:p>
-        </p:txBody>
-      </p:sp>
-      <p:sp>
-        <p:nvSpPr>
-          <p:cNvPr id="4" name="Date Placeholder 3"/>
-          <p:cNvSpPr>
-            <a:spLocks noGrp="1"/>
-          </p:cNvSpPr>
-          <p:nvPr>
-            <p:ph type="dt" sz="half" idx="10"/>
-          </p:nvPr>
-        </p:nvSpPr>
-        <p:spPr/>
-        <p:txBody>
-          <a:bodyPr/>
-          <a:lstStyle/>
-          <a:p>
-            <a:fld id="{8472C7DE-940F-F84D-87FC-CB6C77FFB87A}" type="datetimeFigureOut">
-              <a:rPr lang="en-US" smtClean="0"/>
-              <a:t>11/16/2016</a:t>
-            </a:fld>
-            <a:endParaRPr lang="en-US"/>
-          </a:p>
-        </p:txBody>
-      </p:sp>
-      <p:sp>
-        <p:nvSpPr>
-          <p:cNvPr id="5" name="Footer Placeholder 4"/>
-          <p:cNvSpPr>
-            <a:spLocks noGrp="1"/>
-          </p:cNvSpPr>
-          <p:nvPr>
-            <p:ph type="ftr" sz="quarter" idx="11"/>
-          </p:nvPr>
-        </p:nvSpPr>
-        <p:spPr/>
-        <p:txBody>
-          <a:bodyPr/>
-          <a:lstStyle/>
-          <a:p>
-            <a:endParaRPr lang="en-US"/>
-          </a:p>
-        </p:txBody>
-      </p:sp>
-      <p:sp>
-        <p:nvSpPr>
-          <p:cNvPr id="6" name="Slide Number Placeholder 5"/>
-          <p:cNvSpPr>
-            <a:spLocks noGrp="1"/>
-          </p:cNvSpPr>
-          <p:nvPr>
-            <p:ph type="sldNum" sz="quarter" idx="12"/>
-          </p:nvPr>
-        </p:nvSpPr>
-        <p:spPr/>
-        <p:txBody>
-          <a:bodyPr/>
-          <a:lstStyle/>
-          <a:p>
-            <a:fld id="{A380EEFD-EB3F-0045-A152-67C065F6004F}" type="slidenum">
-              <a:rPr lang="en-US" smtClean="0"/>
-              <a:t>‹#›</a:t>
-            </a:fld>
-            <a:endParaRPr lang="en-US"/>
-          </a:p>
-        </p:txBody>
-      </p:sp>
-    </p:spTree>
-    <p:extLst>
-      <p:ext uri="{BB962C8B-B14F-4D97-AF65-F5344CB8AC3E}">
-        <p14:creationId xmlns:p14="http://schemas.microsoft.com/office/powerpoint/2010/main" val="824247793"/>
-      </p:ext>
-    </p:extLst>
-  </p:cSld>
-  <p:clrMapOvr>
-    <a:masterClrMapping/>
-  </p:clrMapOvr>
-</p:sldLayout>
-</file>
-
-<file path=ppt/slideLayouts/slideLayout13.xml><?xml version="1.0" encoding="utf-8"?>
-<p:sldLayout xmlns:a="http://schemas.openxmlformats.org/drawingml/2006/main" xmlns:r="http://schemas.openxmlformats.org/officeDocument/2006/relationships" xmlns:p="http://schemas.openxmlformats.org/presentationml/2006/main" preserve="1">
-  <p:cSld name="Quote Name Card">
-    <p:spTree>
-      <p:nvGrpSpPr>
-        <p:cNvPr id="1" name=""/>
-        <p:cNvGrpSpPr/>
-        <p:nvPr/>
-      </p:nvGrpSpPr>
-      <p:grpSpPr>
-        <a:xfrm>
-          <a:off x="0" y="0"/>
-          <a:ext cx="0" cy="0"/>
-          <a:chOff x="0" y="0"/>
-          <a:chExt cx="0" cy="0"/>
-        </a:xfrm>
-      </p:grpSpPr>
-      <p:sp>
-        <p:nvSpPr>
-          <p:cNvPr id="2" name="Title 1"/>
-          <p:cNvSpPr>
-            <a:spLocks noGrp="1"/>
-          </p:cNvSpPr>
-          <p:nvPr>
-            <p:ph type="title"/>
-          </p:nvPr>
-        </p:nvSpPr>
-        <p:spPr>
-          <a:xfrm>
-            <a:off x="774885" y="609600"/>
-            <a:ext cx="6072182" cy="3022600"/>
-          </a:xfrm>
-        </p:spPr>
-        <p:txBody>
-          <a:bodyPr anchor="ctr">
-            <a:normAutofit/>
-          </a:bodyPr>
-          <a:lstStyle>
-            <a:lvl1pPr algn="l">
-              <a:defRPr sz="4400" b="0" cap="none"/>
-            </a:lvl1pPr>
-          </a:lstStyle>
-          <a:p>
-            <a:r>
-              <a:rPr lang="en-US" smtClean="0"/>
-              <a:t>Click to edit Master title style</a:t>
-            </a:r>
-            <a:endParaRPr lang="en-US" dirty="0"/>
-          </a:p>
-        </p:txBody>
-      </p:sp>
-      <p:sp>
-        <p:nvSpPr>
-          <p:cNvPr id="23" name="Text Placeholder 9"/>
-          <p:cNvSpPr>
-            <a:spLocks noGrp="1"/>
-          </p:cNvSpPr>
-          <p:nvPr>
-            <p:ph type="body" sz="quarter" idx="13"/>
-          </p:nvPr>
-        </p:nvSpPr>
-        <p:spPr>
-          <a:xfrm>
-            <a:off x="609597" y="4013200"/>
-            <a:ext cx="6347716" cy="514248"/>
-          </a:xfrm>
-        </p:spPr>
-        <p:txBody>
-          <a:bodyPr anchor="b">
-            <a:noAutofit/>
-          </a:bodyPr>
-          <a:lstStyle>
-            <a:lvl1pPr marL="0" indent="0">
-              <a:buFontTx/>
-              <a:buNone/>
-              <a:defRPr sz="2400">
-                <a:solidFill>
-                  <a:schemeClr val="tx1">
-                    <a:lumMod val="75000"/>
-                    <a:lumOff val="25000"/>
-                  </a:schemeClr>
-                </a:solidFill>
-              </a:defRPr>
-            </a:lvl1pPr>
-            <a:lvl2pPr marL="457200" indent="0">
-              <a:buFontTx/>
-              <a:buNone/>
-              <a:defRPr/>
-            </a:lvl2pPr>
-            <a:lvl3pPr marL="914400" indent="0">
-              <a:buFontTx/>
-              <a:buNone/>
-              <a:defRPr/>
-            </a:lvl3pPr>
-            <a:lvl4pPr marL="1371600" indent="0">
-              <a:buFontTx/>
-              <a:buNone/>
-              <a:defRPr/>
-            </a:lvl4pPr>
-            <a:lvl5pPr marL="1828800" indent="0">
-              <a:buFontTx/>
-              <a:buNone/>
-              <a:defRPr/>
-            </a:lvl5pPr>
-          </a:lstStyle>
-          <a:p>
-            <a:pPr lvl="0"/>
-            <a:r>
-              <a:rPr lang="en-US" smtClean="0"/>
-              <a:t>Click to edit Master text styles</a:t>
-            </a:r>
-          </a:p>
-        </p:txBody>
-      </p:sp>
-      <p:sp>
-        <p:nvSpPr>
-          <p:cNvPr id="3" name="Text Placeholder 2"/>
-          <p:cNvSpPr>
-            <a:spLocks noGrp="1"/>
-          </p:cNvSpPr>
-          <p:nvPr>
-            <p:ph type="body" idx="1"/>
-          </p:nvPr>
-        </p:nvSpPr>
-        <p:spPr>
-          <a:xfrm>
-            <a:off x="609598" y="4527448"/>
-            <a:ext cx="6347715" cy="1513914"/>
-          </a:xfrm>
-        </p:spPr>
-        <p:txBody>
-          <a:bodyPr anchor="t">
-            <a:normAutofit/>
-          </a:bodyPr>
-          <a:lstStyle>
-            <a:lvl1pPr marL="0" indent="0" algn="l">
-              <a:buNone/>
-              <a:defRPr sz="1800">
-                <a:solidFill>
-                  <a:schemeClr val="tx1">
-                    <a:lumMod val="50000"/>
-                    <a:lumOff val="50000"/>
-                  </a:schemeClr>
-                </a:solidFill>
-              </a:defRPr>
-            </a:lvl1pPr>
-            <a:lvl2pPr marL="457200" indent="0">
-              <a:buNone/>
-              <a:defRPr sz="1800">
-                <a:solidFill>
-                  <a:schemeClr val="tx1">
-                    <a:tint val="75000"/>
-                  </a:schemeClr>
-                </a:solidFill>
-              </a:defRPr>
-            </a:lvl2pPr>
-            <a:lvl3pPr marL="914400" indent="0">
-              <a:buNone/>
-              <a:defRPr sz="1600">
-                <a:solidFill>
-                  <a:schemeClr val="tx1">
-                    <a:tint val="75000"/>
-                  </a:schemeClr>
-                </a:solidFill>
-              </a:defRPr>
-            </a:lvl3pPr>
-            <a:lvl4pPr marL="1371600" indent="0">
-              <a:buNone/>
-              <a:defRPr sz="1400">
-                <a:solidFill>
-                  <a:schemeClr val="tx1">
-                    <a:tint val="75000"/>
-                  </a:schemeClr>
-                </a:solidFill>
-              </a:defRPr>
-            </a:lvl4pPr>
-            <a:lvl5pPr marL="1828800" indent="0">
-              <a:buNone/>
-              <a:defRPr sz="1400">
-                <a:solidFill>
-                  <a:schemeClr val="tx1">
-                    <a:tint val="75000"/>
-                  </a:schemeClr>
-                </a:solidFill>
-              </a:defRPr>
-            </a:lvl5pPr>
-            <a:lvl6pPr marL="2286000" indent="0">
-              <a:buNone/>
-              <a:defRPr sz="1400">
-                <a:solidFill>
-                  <a:schemeClr val="tx1">
-                    <a:tint val="75000"/>
-                  </a:schemeClr>
-                </a:solidFill>
-              </a:defRPr>
-            </a:lvl6pPr>
-            <a:lvl7pPr marL="2743200" indent="0">
-              <a:buNone/>
-              <a:defRPr sz="1400">
-                <a:solidFill>
-                  <a:schemeClr val="tx1">
-                    <a:tint val="75000"/>
-                  </a:schemeClr>
-                </a:solidFill>
-              </a:defRPr>
-            </a:lvl7pPr>
-            <a:lvl8pPr marL="3200400" indent="0">
-              <a:buNone/>
-              <a:defRPr sz="1400">
-                <a:solidFill>
-                  <a:schemeClr val="tx1">
-                    <a:tint val="75000"/>
-                  </a:schemeClr>
-                </a:solidFill>
-              </a:defRPr>
-            </a:lvl8pPr>
-            <a:lvl9pPr marL="3657600" indent="0">
-              <a:buNone/>
-              <a:defRPr sz="1400">
-                <a:solidFill>
-                  <a:schemeClr val="tx1">
-                    <a:tint val="75000"/>
-                  </a:schemeClr>
-                </a:solidFill>
-              </a:defRPr>
-            </a:lvl9pPr>
-          </a:lstStyle>
-          <a:p>
-            <a:pPr lvl="0"/>
-            <a:r>
-              <a:rPr lang="en-US" smtClean="0"/>
-              <a:t>Click to edit Master text styles</a:t>
-            </a:r>
-          </a:p>
-        </p:txBody>
-      </p:sp>
-      <p:sp>
-        <p:nvSpPr>
-          <p:cNvPr id="4" name="Date Placeholder 3"/>
-          <p:cNvSpPr>
-            <a:spLocks noGrp="1"/>
-          </p:cNvSpPr>
-          <p:nvPr>
-            <p:ph type="dt" sz="half" idx="10"/>
-          </p:nvPr>
-        </p:nvSpPr>
-        <p:spPr/>
-        <p:txBody>
-          <a:bodyPr/>
-          <a:lstStyle/>
-          <a:p>
-            <a:fld id="{8472C7DE-940F-F84D-87FC-CB6C77FFB87A}" type="datetimeFigureOut">
-              <a:rPr lang="en-US" smtClean="0"/>
-              <a:t>11/16/2016</a:t>
-            </a:fld>
-            <a:endParaRPr lang="en-US"/>
-          </a:p>
-        </p:txBody>
-      </p:sp>
-      <p:sp>
-        <p:nvSpPr>
-          <p:cNvPr id="5" name="Footer Placeholder 4"/>
-          <p:cNvSpPr>
-            <a:spLocks noGrp="1"/>
-          </p:cNvSpPr>
-          <p:nvPr>
-            <p:ph type="ftr" sz="quarter" idx="11"/>
-          </p:nvPr>
-        </p:nvSpPr>
-        <p:spPr/>
-        <p:txBody>
-          <a:bodyPr/>
-          <a:lstStyle/>
-          <a:p>
-            <a:endParaRPr lang="en-US"/>
-          </a:p>
-        </p:txBody>
-      </p:sp>
-      <p:sp>
-        <p:nvSpPr>
-          <p:cNvPr id="6" name="Slide Number Placeholder 5"/>
-          <p:cNvSpPr>
-            <a:spLocks noGrp="1"/>
-          </p:cNvSpPr>
-          <p:nvPr>
-            <p:ph type="sldNum" sz="quarter" idx="12"/>
-          </p:nvPr>
-        </p:nvSpPr>
-        <p:spPr/>
-        <p:txBody>
-          <a:bodyPr/>
-          <a:lstStyle/>
-          <a:p>
-            <a:fld id="{A380EEFD-EB3F-0045-A152-67C065F6004F}" type="slidenum">
-              <a:rPr lang="en-US" smtClean="0"/>
-              <a:t>‹#›</a:t>
-            </a:fld>
-            <a:endParaRPr lang="en-US"/>
-          </a:p>
-        </p:txBody>
-      </p:sp>
-      <p:sp>
-        <p:nvSpPr>
-          <p:cNvPr id="24" name="TextBox 23"/>
-          <p:cNvSpPr txBox="1"/>
-          <p:nvPr/>
-        </p:nvSpPr>
-        <p:spPr>
-          <a:xfrm>
-            <a:off x="482711" y="790378"/>
-            <a:ext cx="457319" cy="584776"/>
-          </a:xfrm>
-          <a:prstGeom prst="rect">
-            <a:avLst/>
-          </a:prstGeom>
-        </p:spPr>
-        <p:txBody>
-          <a:bodyPr vert="horz" lIns="91440" tIns="45720" rIns="91440" bIns="45720" rtlCol="0" anchor="ctr">
-            <a:noAutofit/>
-          </a:bodyPr>
-          <a:lstStyle/>
-          <a:p>
-            <a:pPr lvl="0"/>
-            <a:r>
-              <a:rPr lang="en-US" sz="8000" baseline="0" dirty="0">
-                <a:ln w="3175" cmpd="sng">
-                  <a:noFill/>
-                </a:ln>
-                <a:solidFill>
-                  <a:schemeClr val="accent1">
-                    <a:lumMod val="60000"/>
-                    <a:lumOff val="40000"/>
-                  </a:schemeClr>
-                </a:solidFill>
-                <a:effectLst/>
-                <a:latin typeface="Arial"/>
-              </a:rPr>
-              <a:t>“</a:t>
-            </a:r>
-          </a:p>
-        </p:txBody>
-      </p:sp>
-      <p:sp>
-        <p:nvSpPr>
-          <p:cNvPr id="25" name="TextBox 24"/>
-          <p:cNvSpPr txBox="1"/>
-          <p:nvPr/>
-        </p:nvSpPr>
-        <p:spPr>
-          <a:xfrm>
-            <a:off x="6747699" y="2886556"/>
-            <a:ext cx="457319" cy="584776"/>
-          </a:xfrm>
-          <a:prstGeom prst="rect">
-            <a:avLst/>
-          </a:prstGeom>
-        </p:spPr>
-        <p:txBody>
-          <a:bodyPr vert="horz" lIns="91440" tIns="45720" rIns="91440" bIns="45720" rtlCol="0" anchor="ctr">
-            <a:noAutofit/>
-          </a:bodyPr>
-          <a:lstStyle/>
-          <a:p>
-            <a:pPr lvl="0"/>
-            <a:r>
-              <a:rPr lang="en-US" sz="8000" baseline="0" dirty="0">
-                <a:ln w="3175" cmpd="sng">
-                  <a:noFill/>
-                </a:ln>
-                <a:solidFill>
-                  <a:schemeClr val="accent1">
-                    <a:lumMod val="60000"/>
-                    <a:lumOff val="40000"/>
-                  </a:schemeClr>
-                </a:solidFill>
-                <a:effectLst/>
-                <a:latin typeface="Arial"/>
-              </a:rPr>
-              <a:t>”</a:t>
-            </a:r>
-          </a:p>
-        </p:txBody>
-      </p:sp>
-    </p:spTree>
-    <p:extLst>
-      <p:ext uri="{BB962C8B-B14F-4D97-AF65-F5344CB8AC3E}">
-        <p14:creationId xmlns:p14="http://schemas.microsoft.com/office/powerpoint/2010/main" val="1530601059"/>
-      </p:ext>
-    </p:extLst>
-  </p:cSld>
-  <p:clrMapOvr>
-    <a:masterClrMapping/>
-  </p:clrMapOvr>
-</p:sldLayout>
-</file>
-
-<file path=ppt/slideLayouts/slideLayout14.xml><?xml version="1.0" encoding="utf-8"?>
-<p:sldLayout xmlns:a="http://schemas.openxmlformats.org/drawingml/2006/main" xmlns:r="http://schemas.openxmlformats.org/officeDocument/2006/relationships" xmlns:p="http://schemas.openxmlformats.org/presentationml/2006/main" preserve="1">
-  <p:cSld name="True or False">
-    <p:spTree>
-      <p:nvGrpSpPr>
-        <p:cNvPr id="1" name=""/>
-        <p:cNvGrpSpPr/>
-        <p:nvPr/>
-      </p:nvGrpSpPr>
-      <p:grpSpPr>
-        <a:xfrm>
-          <a:off x="0" y="0"/>
-          <a:ext cx="0" cy="0"/>
-          <a:chOff x="0" y="0"/>
-          <a:chExt cx="0" cy="0"/>
-        </a:xfrm>
-      </p:grpSpPr>
-      <p:sp>
-        <p:nvSpPr>
-          <p:cNvPr id="2" name="Title 1"/>
-          <p:cNvSpPr>
-            <a:spLocks noGrp="1"/>
-          </p:cNvSpPr>
-          <p:nvPr>
-            <p:ph type="title"/>
-          </p:nvPr>
-        </p:nvSpPr>
-        <p:spPr>
-          <a:xfrm>
-            <a:off x="615848" y="609600"/>
-            <a:ext cx="6341465" cy="3022600"/>
-          </a:xfrm>
-        </p:spPr>
-        <p:txBody>
-          <a:bodyPr anchor="ctr">
-            <a:normAutofit/>
-          </a:bodyPr>
-          <a:lstStyle>
-            <a:lvl1pPr algn="l">
-              <a:defRPr sz="4400" b="0" cap="none"/>
-            </a:lvl1pPr>
-          </a:lstStyle>
-          <a:p>
-            <a:r>
-              <a:rPr lang="en-US" smtClean="0"/>
-              <a:t>Click to edit Master title style</a:t>
-            </a:r>
-            <a:endParaRPr lang="en-US" dirty="0"/>
-          </a:p>
-        </p:txBody>
-      </p:sp>
-      <p:sp>
-        <p:nvSpPr>
-          <p:cNvPr id="23" name="Text Placeholder 9"/>
-          <p:cNvSpPr>
-            <a:spLocks noGrp="1"/>
-          </p:cNvSpPr>
-          <p:nvPr>
-            <p:ph type="body" sz="quarter" idx="13"/>
-          </p:nvPr>
-        </p:nvSpPr>
-        <p:spPr>
-          <a:xfrm>
-            <a:off x="609597" y="4013200"/>
-            <a:ext cx="6347716" cy="514248"/>
-          </a:xfrm>
-        </p:spPr>
-        <p:txBody>
-          <a:bodyPr anchor="b">
-            <a:noAutofit/>
-          </a:bodyPr>
-          <a:lstStyle>
-            <a:lvl1pPr marL="0" indent="0">
-              <a:buFontTx/>
-              <a:buNone/>
-              <a:defRPr sz="2400">
-                <a:solidFill>
-                  <a:schemeClr val="accent1"/>
-                </a:solidFill>
-              </a:defRPr>
-            </a:lvl1pPr>
-            <a:lvl2pPr marL="457200" indent="0">
-              <a:buFontTx/>
-              <a:buNone/>
-              <a:defRPr/>
-            </a:lvl2pPr>
-            <a:lvl3pPr marL="914400" indent="0">
-              <a:buFontTx/>
-              <a:buNone/>
-              <a:defRPr/>
-            </a:lvl3pPr>
-            <a:lvl4pPr marL="1371600" indent="0">
-              <a:buFontTx/>
-              <a:buNone/>
-              <a:defRPr/>
-            </a:lvl4pPr>
-            <a:lvl5pPr marL="1828800" indent="0">
-              <a:buFontTx/>
-              <a:buNone/>
-              <a:defRPr/>
-            </a:lvl5pPr>
-          </a:lstStyle>
-          <a:p>
-            <a:pPr lvl="0"/>
-            <a:r>
-              <a:rPr lang="en-US" smtClean="0"/>
-              <a:t>Click to edit Master text styles</a:t>
-            </a:r>
-          </a:p>
-        </p:txBody>
-      </p:sp>
-      <p:sp>
-        <p:nvSpPr>
-          <p:cNvPr id="3" name="Text Placeholder 2"/>
-          <p:cNvSpPr>
-            <a:spLocks noGrp="1"/>
-          </p:cNvSpPr>
-          <p:nvPr>
-            <p:ph type="body" idx="1"/>
-          </p:nvPr>
-        </p:nvSpPr>
-        <p:spPr>
-          <a:xfrm>
-            <a:off x="609598" y="4527448"/>
-            <a:ext cx="6347715" cy="1513914"/>
-          </a:xfrm>
-        </p:spPr>
-        <p:txBody>
-          <a:bodyPr anchor="t">
-            <a:normAutofit/>
-          </a:bodyPr>
-          <a:lstStyle>
-            <a:lvl1pPr marL="0" indent="0" algn="l">
-              <a:buNone/>
-              <a:defRPr sz="1800">
-                <a:solidFill>
-                  <a:schemeClr val="tx1">
-                    <a:lumMod val="50000"/>
-                    <a:lumOff val="50000"/>
-                  </a:schemeClr>
-                </a:solidFill>
-              </a:defRPr>
-            </a:lvl1pPr>
-            <a:lvl2pPr marL="457200" indent="0">
-              <a:buNone/>
-              <a:defRPr sz="1800">
-                <a:solidFill>
-                  <a:schemeClr val="tx1">
-                    <a:tint val="75000"/>
-                  </a:schemeClr>
-                </a:solidFill>
-              </a:defRPr>
-            </a:lvl2pPr>
-            <a:lvl3pPr marL="914400" indent="0">
-              <a:buNone/>
-              <a:defRPr sz="1600">
-                <a:solidFill>
-                  <a:schemeClr val="tx1">
-                    <a:tint val="75000"/>
-                  </a:schemeClr>
-                </a:solidFill>
-              </a:defRPr>
-            </a:lvl3pPr>
-            <a:lvl4pPr marL="1371600" indent="0">
-              <a:buNone/>
-              <a:defRPr sz="1400">
-                <a:solidFill>
-                  <a:schemeClr val="tx1">
-                    <a:tint val="75000"/>
-                  </a:schemeClr>
-                </a:solidFill>
-              </a:defRPr>
-            </a:lvl4pPr>
-            <a:lvl5pPr marL="1828800" indent="0">
-              <a:buNone/>
-              <a:defRPr sz="1400">
-                <a:solidFill>
-                  <a:schemeClr val="tx1">
-                    <a:tint val="75000"/>
-                  </a:schemeClr>
-                </a:solidFill>
-              </a:defRPr>
-            </a:lvl5pPr>
-            <a:lvl6pPr marL="2286000" indent="0">
-              <a:buNone/>
-              <a:defRPr sz="1400">
-                <a:solidFill>
-                  <a:schemeClr val="tx1">
-                    <a:tint val="75000"/>
-                  </a:schemeClr>
-                </a:solidFill>
-              </a:defRPr>
-            </a:lvl6pPr>
-            <a:lvl7pPr marL="2743200" indent="0">
-              <a:buNone/>
-              <a:defRPr sz="1400">
-                <a:solidFill>
-                  <a:schemeClr val="tx1">
-                    <a:tint val="75000"/>
-                  </a:schemeClr>
-                </a:solidFill>
-              </a:defRPr>
-            </a:lvl7pPr>
-            <a:lvl8pPr marL="3200400" indent="0">
-              <a:buNone/>
-              <a:defRPr sz="1400">
-                <a:solidFill>
-                  <a:schemeClr val="tx1">
-                    <a:tint val="75000"/>
-                  </a:schemeClr>
-                </a:solidFill>
-              </a:defRPr>
-            </a:lvl8pPr>
-            <a:lvl9pPr marL="3657600" indent="0">
-              <a:buNone/>
-              <a:defRPr sz="1400">
-                <a:solidFill>
-                  <a:schemeClr val="tx1">
-                    <a:tint val="75000"/>
-                  </a:schemeClr>
-                </a:solidFill>
-              </a:defRPr>
-            </a:lvl9pPr>
-          </a:lstStyle>
-          <a:p>
-            <a:pPr lvl="0"/>
-            <a:r>
-              <a:rPr lang="en-US" smtClean="0"/>
-              <a:t>Click to edit Master text styles</a:t>
-            </a:r>
-          </a:p>
-        </p:txBody>
-      </p:sp>
-      <p:sp>
-        <p:nvSpPr>
-          <p:cNvPr id="4" name="Date Placeholder 3"/>
-          <p:cNvSpPr>
-            <a:spLocks noGrp="1"/>
-          </p:cNvSpPr>
-          <p:nvPr>
-            <p:ph type="dt" sz="half" idx="10"/>
-          </p:nvPr>
-        </p:nvSpPr>
-        <p:spPr/>
-        <p:txBody>
-          <a:bodyPr/>
-          <a:lstStyle/>
-          <a:p>
-            <a:fld id="{8472C7DE-940F-F84D-87FC-CB6C77FFB87A}" type="datetimeFigureOut">
-              <a:rPr lang="en-US" smtClean="0"/>
-              <a:t>11/16/2016</a:t>
-            </a:fld>
-            <a:endParaRPr lang="en-US"/>
-          </a:p>
-        </p:txBody>
-      </p:sp>
-      <p:sp>
-        <p:nvSpPr>
-          <p:cNvPr id="5" name="Footer Placeholder 4"/>
-          <p:cNvSpPr>
-            <a:spLocks noGrp="1"/>
-          </p:cNvSpPr>
-          <p:nvPr>
-            <p:ph type="ftr" sz="quarter" idx="11"/>
-          </p:nvPr>
-        </p:nvSpPr>
-        <p:spPr/>
-        <p:txBody>
-          <a:bodyPr/>
-          <a:lstStyle/>
-          <a:p>
-            <a:endParaRPr lang="en-US"/>
-          </a:p>
-        </p:txBody>
-      </p:sp>
-      <p:sp>
-        <p:nvSpPr>
-          <p:cNvPr id="6" name="Slide Number Placeholder 5"/>
-          <p:cNvSpPr>
-            <a:spLocks noGrp="1"/>
-          </p:cNvSpPr>
-          <p:nvPr>
-            <p:ph type="sldNum" sz="quarter" idx="12"/>
-          </p:nvPr>
-        </p:nvSpPr>
-        <p:spPr/>
-        <p:txBody>
-          <a:bodyPr/>
-          <a:lstStyle/>
-          <a:p>
-            <a:fld id="{A380EEFD-EB3F-0045-A152-67C065F6004F}" type="slidenum">
-              <a:rPr lang="en-US" smtClean="0"/>
-              <a:t>‹#›</a:t>
-            </a:fld>
-            <a:endParaRPr lang="en-US"/>
-          </a:p>
-        </p:txBody>
-      </p:sp>
-    </p:spTree>
-    <p:extLst>
-      <p:ext uri="{BB962C8B-B14F-4D97-AF65-F5344CB8AC3E}">
-        <p14:creationId xmlns:p14="http://schemas.microsoft.com/office/powerpoint/2010/main" val="1214136128"/>
-      </p:ext>
-    </p:extLst>
-  </p:cSld>
-  <p:clrMapOvr>
-    <a:masterClrMapping/>
-  </p:clrMapOvr>
-</p:sldLayout>
-</file>
-
-<file path=ppt/slideLayouts/slideLayout15.xml><?xml version="1.0" encoding="utf-8"?>
 <p:sldLayout xmlns:a="http://schemas.openxmlformats.org/drawingml/2006/main" xmlns:r="http://schemas.openxmlformats.org/officeDocument/2006/relationships" xmlns:p="http://schemas.openxmlformats.org/presentationml/2006/main" type="vertTx" preserve="1">
   <p:cSld name="Title and Vertical Text">
     <p:spTree>
@@ -12039,7 +9820,7 @@
               <a:rPr lang="en-US" smtClean="0"/>
               <a:t>Click to edit Master title style</a:t>
             </a:r>
-            <a:endParaRPr lang="en-US" dirty="0"/>
+            <a:endParaRPr lang="en-US"/>
           </a:p>
         </p:txBody>
       </p:sp>
@@ -12091,7 +9872,7 @@
               <a:rPr lang="en-US" smtClean="0"/>
               <a:t>Fifth level</a:t>
             </a:r>
-            <a:endParaRPr lang="en-US" dirty="0"/>
+            <a:endParaRPr lang="en-US"/>
           </a:p>
         </p:txBody>
       </p:sp>
@@ -12112,7 +9893,7 @@
           <a:p>
             <a:fld id="{8472C7DE-940F-F84D-87FC-CB6C77FFB87A}" type="datetimeFigureOut">
               <a:rPr lang="en-US" smtClean="0"/>
-              <a:t>11/16/2016</a:t>
+              <a:t>12/21/16</a:t>
             </a:fld>
             <a:endParaRPr lang="en-US"/>
           </a:p>
@@ -12163,7 +9944,7 @@
     </p:spTree>
     <p:extLst>
       <p:ext uri="{BB962C8B-B14F-4D97-AF65-F5344CB8AC3E}">
-        <p14:creationId xmlns:p14="http://schemas.microsoft.com/office/powerpoint/2010/main" val="3502238320"/>
+        <p14:creationId xmlns:p14="http://schemas.microsoft.com/office/powerpoint/2010/main" val="674390571"/>
       </p:ext>
     </p:extLst>
   </p:cSld>
@@ -12173,7 +9954,7 @@
 </p:sldLayout>
 </file>
 
-<file path=ppt/slideLayouts/slideLayout16.xml><?xml version="1.0" encoding="utf-8"?>
+<file path=ppt/slideLayouts/slideLayout11.xml><?xml version="1.0" encoding="utf-8"?>
 <p:sldLayout xmlns:a="http://schemas.openxmlformats.org/drawingml/2006/main" xmlns:r="http://schemas.openxmlformats.org/officeDocument/2006/relationships" xmlns:p="http://schemas.openxmlformats.org/presentationml/2006/main" type="vertTitleAndTx" preserve="1">
   <p:cSld name="Vertical Title and Text">
     <p:spTree>
@@ -12202,19 +9983,19 @@
         </p:nvSpPr>
         <p:spPr>
           <a:xfrm>
-            <a:off x="5977312" y="609600"/>
-            <a:ext cx="978812" cy="5251451"/>
+            <a:off x="6543675" y="365125"/>
+            <a:ext cx="1971675" cy="5811838"/>
           </a:xfrm>
         </p:spPr>
         <p:txBody>
-          <a:bodyPr vert="eaVert" anchor="ctr"/>
+          <a:bodyPr vert="eaVert"/>
           <a:lstStyle/>
           <a:p>
             <a:r>
               <a:rPr lang="en-US" smtClean="0"/>
               <a:t>Click to edit Master title style</a:t>
             </a:r>
-            <a:endParaRPr lang="en-US" dirty="0"/>
+            <a:endParaRPr lang="en-US"/>
           </a:p>
         </p:txBody>
       </p:sp>
@@ -12230,8 +10011,8 @@
         </p:nvSpPr>
         <p:spPr>
           <a:xfrm>
-            <a:off x="609599" y="609600"/>
-            <a:ext cx="5195026" cy="5251451"/>
+            <a:off x="628650" y="365125"/>
+            <a:ext cx="5800725" cy="5811838"/>
           </a:xfrm>
         </p:spPr>
         <p:txBody>
@@ -12271,7 +10052,7 @@
               <a:rPr lang="en-US" smtClean="0"/>
               <a:t>Fifth level</a:t>
             </a:r>
-            <a:endParaRPr lang="en-US" dirty="0"/>
+            <a:endParaRPr lang="en-US"/>
           </a:p>
         </p:txBody>
       </p:sp>
@@ -12292,7 +10073,7 @@
           <a:p>
             <a:fld id="{8472C7DE-940F-F84D-87FC-CB6C77FFB87A}" type="datetimeFigureOut">
               <a:rPr lang="en-US" smtClean="0"/>
-              <a:t>11/16/2016</a:t>
+              <a:t>12/21/16</a:t>
             </a:fld>
             <a:endParaRPr lang="en-US"/>
           </a:p>
@@ -12343,7 +10124,7 @@
     </p:spTree>
     <p:extLst>
       <p:ext uri="{BB962C8B-B14F-4D97-AF65-F5344CB8AC3E}">
-        <p14:creationId xmlns:p14="http://schemas.microsoft.com/office/powerpoint/2010/main" val="3151475780"/>
+        <p14:creationId xmlns:p14="http://schemas.microsoft.com/office/powerpoint/2010/main" val="63637931"/>
       </p:ext>
     </p:extLst>
   </p:cSld>
@@ -12382,20 +10163,14 @@
         </p:nvSpPr>
         <p:spPr/>
         <p:txBody>
-          <a:bodyPr>
-            <a:normAutofit/>
-          </a:bodyPr>
-          <a:lstStyle>
-            <a:lvl1pPr>
-              <a:defRPr sz="3600"/>
-            </a:lvl1pPr>
-          </a:lstStyle>
+          <a:bodyPr/>
+          <a:lstStyle/>
           <a:p>
             <a:r>
               <a:rPr lang="en-US" smtClean="0"/>
               <a:t>Click to edit Master title style</a:t>
             </a:r>
-            <a:endParaRPr lang="en-US" dirty="0"/>
+            <a:endParaRPr lang="en-US"/>
           </a:p>
         </p:txBody>
       </p:sp>
@@ -12447,7 +10222,7 @@
               <a:rPr lang="en-US" smtClean="0"/>
               <a:t>Fifth level</a:t>
             </a:r>
-            <a:endParaRPr lang="en-US" dirty="0"/>
+            <a:endParaRPr lang="en-US"/>
           </a:p>
         </p:txBody>
       </p:sp>
@@ -12468,7 +10243,7 @@
           <a:p>
             <a:fld id="{8472C7DE-940F-F84D-87FC-CB6C77FFB87A}" type="datetimeFigureOut">
               <a:rPr lang="en-US" smtClean="0"/>
-              <a:t>11/16/2016</a:t>
+              <a:t>12/21/16</a:t>
             </a:fld>
             <a:endParaRPr lang="en-US"/>
           </a:p>
@@ -12519,7 +10294,7 @@
     </p:spTree>
     <p:extLst>
       <p:ext uri="{BB962C8B-B14F-4D97-AF65-F5344CB8AC3E}">
-        <p14:creationId xmlns:p14="http://schemas.microsoft.com/office/powerpoint/2010/main" val="2614148237"/>
+        <p14:creationId xmlns:p14="http://schemas.microsoft.com/office/powerpoint/2010/main" val="1222430394"/>
       </p:ext>
     </p:extLst>
   </p:cSld>
@@ -12558,15 +10333,15 @@
         </p:nvSpPr>
         <p:spPr>
           <a:xfrm>
-            <a:off x="609598" y="2700868"/>
-            <a:ext cx="6347715" cy="1826581"/>
+            <a:off x="623888" y="1709739"/>
+            <a:ext cx="7886700" cy="2852737"/>
           </a:xfrm>
         </p:spPr>
         <p:txBody>
           <a:bodyPr anchor="b"/>
           <a:lstStyle>
-            <a:lvl1pPr algn="l">
-              <a:defRPr sz="4000" b="0" cap="none"/>
+            <a:lvl1pPr>
+              <a:defRPr sz="4500"/>
             </a:lvl1pPr>
           </a:lstStyle>
           <a:p>
@@ -12574,7 +10349,7 @@
               <a:rPr lang="en-US" smtClean="0"/>
               <a:t>Click to edit Master title style</a:t>
             </a:r>
-            <a:endParaRPr lang="en-US" dirty="0"/>
+            <a:endParaRPr lang="en-US"/>
           </a:p>
         </p:txBody>
       </p:sp>
@@ -12590,25 +10365,14 @@
         </p:nvSpPr>
         <p:spPr>
           <a:xfrm>
-            <a:off x="609598" y="4527448"/>
-            <a:ext cx="6347715" cy="860400"/>
+            <a:off x="623888" y="4589464"/>
+            <a:ext cx="7886700" cy="1500187"/>
           </a:xfrm>
         </p:spPr>
         <p:txBody>
-          <a:bodyPr anchor="t"/>
+          <a:bodyPr/>
           <a:lstStyle>
-            <a:lvl1pPr marL="0" indent="0" algn="l">
-              <a:buNone/>
-              <a:defRPr sz="2000">
-                <a:solidFill>
-                  <a:schemeClr val="tx1">
-                    <a:lumMod val="50000"/>
-                    <a:lumOff val="50000"/>
-                  </a:schemeClr>
-                </a:solidFill>
-              </a:defRPr>
-            </a:lvl1pPr>
-            <a:lvl2pPr marL="457200" indent="0">
+            <a:lvl1pPr marL="0" indent="0">
               <a:buNone/>
               <a:defRPr sz="1800">
                 <a:solidFill>
@@ -12617,10 +10381,20 @@
                   </a:schemeClr>
                 </a:solidFill>
               </a:defRPr>
+            </a:lvl1pPr>
+            <a:lvl2pPr marL="342900" indent="0">
+              <a:buNone/>
+              <a:defRPr sz="1500">
+                <a:solidFill>
+                  <a:schemeClr val="tx1">
+                    <a:tint val="75000"/>
+                  </a:schemeClr>
+                </a:solidFill>
+              </a:defRPr>
             </a:lvl2pPr>
-            <a:lvl3pPr marL="914400" indent="0">
+            <a:lvl3pPr marL="685800" indent="0">
               <a:buNone/>
-              <a:defRPr sz="1600">
+              <a:defRPr sz="1350">
                 <a:solidFill>
                   <a:schemeClr val="tx1">
                     <a:tint val="75000"/>
@@ -12628,9 +10402,9 @@
                 </a:solidFill>
               </a:defRPr>
             </a:lvl3pPr>
-            <a:lvl4pPr marL="1371600" indent="0">
+            <a:lvl4pPr marL="1028700" indent="0">
               <a:buNone/>
-              <a:defRPr sz="1400">
+              <a:defRPr sz="1200">
                 <a:solidFill>
                   <a:schemeClr val="tx1">
                     <a:tint val="75000"/>
@@ -12638,9 +10412,9 @@
                 </a:solidFill>
               </a:defRPr>
             </a:lvl4pPr>
-            <a:lvl5pPr marL="1828800" indent="0">
+            <a:lvl5pPr marL="1371600" indent="0">
               <a:buNone/>
-              <a:defRPr sz="1400">
+              <a:defRPr sz="1200">
                 <a:solidFill>
                   <a:schemeClr val="tx1">
                     <a:tint val="75000"/>
@@ -12648,9 +10422,9 @@
                 </a:solidFill>
               </a:defRPr>
             </a:lvl5pPr>
-            <a:lvl6pPr marL="2286000" indent="0">
+            <a:lvl6pPr marL="1714500" indent="0">
               <a:buNone/>
-              <a:defRPr sz="1400">
+              <a:defRPr sz="1200">
                 <a:solidFill>
                   <a:schemeClr val="tx1">
                     <a:tint val="75000"/>
@@ -12658,9 +10432,9 @@
                 </a:solidFill>
               </a:defRPr>
             </a:lvl6pPr>
-            <a:lvl7pPr marL="2743200" indent="0">
+            <a:lvl7pPr marL="2057400" indent="0">
               <a:buNone/>
-              <a:defRPr sz="1400">
+              <a:defRPr sz="1200">
                 <a:solidFill>
                   <a:schemeClr val="tx1">
                     <a:tint val="75000"/>
@@ -12668,9 +10442,9 @@
                 </a:solidFill>
               </a:defRPr>
             </a:lvl7pPr>
-            <a:lvl8pPr marL="3200400" indent="0">
+            <a:lvl8pPr marL="2400300" indent="0">
               <a:buNone/>
-              <a:defRPr sz="1400">
+              <a:defRPr sz="1200">
                 <a:solidFill>
                   <a:schemeClr val="tx1">
                     <a:tint val="75000"/>
@@ -12678,9 +10452,9 @@
                 </a:solidFill>
               </a:defRPr>
             </a:lvl8pPr>
-            <a:lvl9pPr marL="3657600" indent="0">
+            <a:lvl9pPr marL="2743200" indent="0">
               <a:buNone/>
-              <a:defRPr sz="1400">
+              <a:defRPr sz="1200">
                 <a:solidFill>
                   <a:schemeClr val="tx1">
                     <a:tint val="75000"/>
@@ -12715,7 +10489,7 @@
           <a:p>
             <a:fld id="{8472C7DE-940F-F84D-87FC-CB6C77FFB87A}" type="datetimeFigureOut">
               <a:rPr lang="en-US" smtClean="0"/>
-              <a:t>11/16/2016</a:t>
+              <a:t>12/21/16</a:t>
             </a:fld>
             <a:endParaRPr lang="en-US"/>
           </a:p>
@@ -12766,7 +10540,7 @@
     </p:spTree>
     <p:extLst>
       <p:ext uri="{BB962C8B-B14F-4D97-AF65-F5344CB8AC3E}">
-        <p14:creationId xmlns:p14="http://schemas.microsoft.com/office/powerpoint/2010/main" val="93786810"/>
+        <p14:creationId xmlns:p14="http://schemas.microsoft.com/office/powerpoint/2010/main" val="411581109"/>
       </p:ext>
     </p:extLst>
   </p:cSld>
@@ -12803,12 +10577,7 @@
             <p:ph type="title"/>
           </p:nvPr>
         </p:nvSpPr>
-        <p:spPr>
-          <a:xfrm>
-            <a:off x="609600" y="609600"/>
-            <a:ext cx="6347714" cy="1320800"/>
-          </a:xfrm>
-        </p:spPr>
+        <p:spPr/>
         <p:txBody>
           <a:bodyPr/>
           <a:lstStyle/>
@@ -12817,7 +10586,7 @@
               <a:rPr lang="en-US" smtClean="0"/>
               <a:t>Click to edit Master title style</a:t>
             </a:r>
-            <a:endParaRPr lang="en-US" dirty="0"/>
+            <a:endParaRPr lang="en-US"/>
           </a:p>
         </p:txBody>
       </p:sp>
@@ -12833,43 +10602,13 @@
         </p:nvSpPr>
         <p:spPr>
           <a:xfrm>
-            <a:off x="609600" y="2160589"/>
-            <a:ext cx="3088109" cy="3880772"/>
+            <a:off x="628650" y="1825625"/>
+            <a:ext cx="3886200" cy="4351338"/>
           </a:xfrm>
         </p:spPr>
         <p:txBody>
-          <a:bodyPr>
-            <a:normAutofit/>
-          </a:bodyPr>
-          <a:lstStyle>
-            <a:lvl1pPr>
-              <a:defRPr sz="1800"/>
-            </a:lvl1pPr>
-            <a:lvl2pPr>
-              <a:defRPr sz="1600"/>
-            </a:lvl2pPr>
-            <a:lvl3pPr>
-              <a:defRPr sz="1400"/>
-            </a:lvl3pPr>
-            <a:lvl4pPr>
-              <a:defRPr sz="1200"/>
-            </a:lvl4pPr>
-            <a:lvl5pPr>
-              <a:defRPr sz="1200"/>
-            </a:lvl5pPr>
-            <a:lvl6pPr>
-              <a:defRPr sz="1200"/>
-            </a:lvl6pPr>
-            <a:lvl7pPr>
-              <a:defRPr sz="1200"/>
-            </a:lvl7pPr>
-            <a:lvl8pPr>
-              <a:defRPr sz="1200"/>
-            </a:lvl8pPr>
-            <a:lvl9pPr>
-              <a:defRPr sz="1200"/>
-            </a:lvl9pPr>
-          </a:lstStyle>
+          <a:bodyPr/>
+          <a:lstStyle/>
           <a:p>
             <a:pPr lvl="0"/>
             <a:r>
@@ -12904,7 +10643,7 @@
               <a:rPr lang="en-US" smtClean="0"/>
               <a:t>Fifth level</a:t>
             </a:r>
-            <a:endParaRPr lang="en-US" dirty="0"/>
+            <a:endParaRPr lang="en-US"/>
           </a:p>
         </p:txBody>
       </p:sp>
@@ -12920,43 +10659,13 @@
         </p:nvSpPr>
         <p:spPr>
           <a:xfrm>
-            <a:off x="3869204" y="2160590"/>
-            <a:ext cx="3088110" cy="3880773"/>
+            <a:off x="4629150" y="1825625"/>
+            <a:ext cx="3886200" cy="4351338"/>
           </a:xfrm>
         </p:spPr>
         <p:txBody>
-          <a:bodyPr>
-            <a:normAutofit/>
-          </a:bodyPr>
-          <a:lstStyle>
-            <a:lvl1pPr>
-              <a:defRPr sz="1800"/>
-            </a:lvl1pPr>
-            <a:lvl2pPr>
-              <a:defRPr sz="1600"/>
-            </a:lvl2pPr>
-            <a:lvl3pPr>
-              <a:defRPr sz="1400"/>
-            </a:lvl3pPr>
-            <a:lvl4pPr>
-              <a:defRPr sz="1200"/>
-            </a:lvl4pPr>
-            <a:lvl5pPr>
-              <a:defRPr sz="1200"/>
-            </a:lvl5pPr>
-            <a:lvl6pPr>
-              <a:defRPr sz="1200"/>
-            </a:lvl6pPr>
-            <a:lvl7pPr>
-              <a:defRPr sz="1200"/>
-            </a:lvl7pPr>
-            <a:lvl8pPr>
-              <a:defRPr sz="1200"/>
-            </a:lvl8pPr>
-            <a:lvl9pPr>
-              <a:defRPr sz="1200"/>
-            </a:lvl9pPr>
-          </a:lstStyle>
+          <a:bodyPr/>
+          <a:lstStyle/>
           <a:p>
             <a:pPr lvl="0"/>
             <a:r>
@@ -12991,7 +10700,7 @@
               <a:rPr lang="en-US" smtClean="0"/>
               <a:t>Fifth level</a:t>
             </a:r>
-            <a:endParaRPr lang="en-US" dirty="0"/>
+            <a:endParaRPr lang="en-US"/>
           </a:p>
         </p:txBody>
       </p:sp>
@@ -13012,7 +10721,7 @@
           <a:p>
             <a:fld id="{8472C7DE-940F-F84D-87FC-CB6C77FFB87A}" type="datetimeFigureOut">
               <a:rPr lang="en-US" smtClean="0"/>
-              <a:t>11/16/2016</a:t>
+              <a:t>12/21/16</a:t>
             </a:fld>
             <a:endParaRPr lang="en-US"/>
           </a:p>
@@ -13063,7 +10772,7 @@
     </p:spTree>
     <p:extLst>
       <p:ext uri="{BB962C8B-B14F-4D97-AF65-F5344CB8AC3E}">
-        <p14:creationId xmlns:p14="http://schemas.microsoft.com/office/powerpoint/2010/main" val="1204343500"/>
+        <p14:creationId xmlns:p14="http://schemas.microsoft.com/office/powerpoint/2010/main" val="398871976"/>
       </p:ext>
     </p:extLst>
   </p:cSld>
@@ -13102,23 +10811,19 @@
         </p:nvSpPr>
         <p:spPr>
           <a:xfrm>
-            <a:off x="609599" y="609600"/>
-            <a:ext cx="6347713" cy="1320800"/>
+            <a:off x="629841" y="365126"/>
+            <a:ext cx="7886700" cy="1325563"/>
           </a:xfrm>
         </p:spPr>
         <p:txBody>
           <a:bodyPr/>
-          <a:lstStyle>
-            <a:lvl1pPr>
-              <a:defRPr/>
-            </a:lvl1pPr>
-          </a:lstStyle>
+          <a:lstStyle/>
           <a:p>
             <a:r>
               <a:rPr lang="en-US" smtClean="0"/>
               <a:t>Click to edit Master title style</a:t>
             </a:r>
-            <a:endParaRPr lang="en-US" dirty="0"/>
+            <a:endParaRPr lang="en-US"/>
           </a:p>
         </p:txBody>
       </p:sp>
@@ -13134,50 +10839,48 @@
         </p:nvSpPr>
         <p:spPr>
           <a:xfrm>
-            <a:off x="609599" y="2160983"/>
-            <a:ext cx="3090672" cy="576262"/>
+            <a:off x="629842" y="1681163"/>
+            <a:ext cx="3868340" cy="823912"/>
           </a:xfrm>
         </p:spPr>
         <p:txBody>
-          <a:bodyPr anchor="b">
-            <a:noAutofit/>
-          </a:bodyPr>
+          <a:bodyPr anchor="b"/>
           <a:lstStyle>
             <a:lvl1pPr marL="0" indent="0">
               <a:buNone/>
-              <a:defRPr sz="2400" b="0"/>
+              <a:defRPr sz="1800" b="1"/>
             </a:lvl1pPr>
-            <a:lvl2pPr marL="457200" indent="0">
+            <a:lvl2pPr marL="342900" indent="0">
               <a:buNone/>
-              <a:defRPr sz="2000" b="1"/>
+              <a:defRPr sz="1500" b="1"/>
             </a:lvl2pPr>
-            <a:lvl3pPr marL="914400" indent="0">
+            <a:lvl3pPr marL="685800" indent="0">
               <a:buNone/>
-              <a:defRPr sz="1800" b="1"/>
+              <a:defRPr sz="1350" b="1"/>
             </a:lvl3pPr>
-            <a:lvl4pPr marL="1371600" indent="0">
+            <a:lvl4pPr marL="1028700" indent="0">
               <a:buNone/>
-              <a:defRPr sz="1600" b="1"/>
+              <a:defRPr sz="1200" b="1"/>
             </a:lvl4pPr>
-            <a:lvl5pPr marL="1828800" indent="0">
+            <a:lvl5pPr marL="1371600" indent="0">
               <a:buNone/>
-              <a:defRPr sz="1600" b="1"/>
+              <a:defRPr sz="1200" b="1"/>
             </a:lvl5pPr>
-            <a:lvl6pPr marL="2286000" indent="0">
+            <a:lvl6pPr marL="1714500" indent="0">
               <a:buNone/>
-              <a:defRPr sz="1600" b="1"/>
+              <a:defRPr sz="1200" b="1"/>
             </a:lvl6pPr>
-            <a:lvl7pPr marL="2743200" indent="0">
+            <a:lvl7pPr marL="2057400" indent="0">
               <a:buNone/>
-              <a:defRPr sz="1600" b="1"/>
+              <a:defRPr sz="1200" b="1"/>
             </a:lvl7pPr>
-            <a:lvl8pPr marL="3200400" indent="0">
+            <a:lvl8pPr marL="2400300" indent="0">
               <a:buNone/>
-              <a:defRPr sz="1600" b="1"/>
+              <a:defRPr sz="1200" b="1"/>
             </a:lvl8pPr>
-            <a:lvl9pPr marL="3657600" indent="0">
+            <a:lvl9pPr marL="2743200" indent="0">
               <a:buNone/>
-              <a:defRPr sz="1600" b="1"/>
+              <a:defRPr sz="1200" b="1"/>
             </a:lvl9pPr>
           </a:lstStyle>
           <a:p>
@@ -13201,14 +10904,12 @@
         </p:nvSpPr>
         <p:spPr>
           <a:xfrm>
-            <a:off x="609599" y="2737246"/>
-            <a:ext cx="3090672" cy="3304117"/>
+            <a:off x="629842" y="2505075"/>
+            <a:ext cx="3868340" cy="3684588"/>
           </a:xfrm>
         </p:spPr>
         <p:txBody>
-          <a:bodyPr>
-            <a:normAutofit/>
-          </a:bodyPr>
+          <a:bodyPr/>
           <a:lstStyle/>
           <a:p>
             <a:pPr lvl="0"/>
@@ -13244,7 +10945,7 @@
               <a:rPr lang="en-US" smtClean="0"/>
               <a:t>Fifth level</a:t>
             </a:r>
-            <a:endParaRPr lang="en-US" dirty="0"/>
+            <a:endParaRPr lang="en-US"/>
           </a:p>
         </p:txBody>
       </p:sp>
@@ -13260,50 +10961,48 @@
         </p:nvSpPr>
         <p:spPr>
           <a:xfrm>
-            <a:off x="3866640" y="2160983"/>
-            <a:ext cx="3090672" cy="576262"/>
+            <a:off x="4629150" y="1681163"/>
+            <a:ext cx="3887391" cy="823912"/>
           </a:xfrm>
         </p:spPr>
         <p:txBody>
-          <a:bodyPr anchor="b">
-            <a:noAutofit/>
-          </a:bodyPr>
+          <a:bodyPr anchor="b"/>
           <a:lstStyle>
             <a:lvl1pPr marL="0" indent="0">
               <a:buNone/>
-              <a:defRPr sz="2400" b="0"/>
+              <a:defRPr sz="1800" b="1"/>
             </a:lvl1pPr>
-            <a:lvl2pPr marL="457200" indent="0">
+            <a:lvl2pPr marL="342900" indent="0">
               <a:buNone/>
-              <a:defRPr sz="2000" b="1"/>
+              <a:defRPr sz="1500" b="1"/>
             </a:lvl2pPr>
-            <a:lvl3pPr marL="914400" indent="0">
+            <a:lvl3pPr marL="685800" indent="0">
               <a:buNone/>
-              <a:defRPr sz="1800" b="1"/>
+              <a:defRPr sz="1350" b="1"/>
             </a:lvl3pPr>
-            <a:lvl4pPr marL="1371600" indent="0">
+            <a:lvl4pPr marL="1028700" indent="0">
               <a:buNone/>
-              <a:defRPr sz="1600" b="1"/>
+              <a:defRPr sz="1200" b="1"/>
             </a:lvl4pPr>
-            <a:lvl5pPr marL="1828800" indent="0">
+            <a:lvl5pPr marL="1371600" indent="0">
               <a:buNone/>
-              <a:defRPr sz="1600" b="1"/>
+              <a:defRPr sz="1200" b="1"/>
             </a:lvl5pPr>
-            <a:lvl6pPr marL="2286000" indent="0">
+            <a:lvl6pPr marL="1714500" indent="0">
               <a:buNone/>
-              <a:defRPr sz="1600" b="1"/>
+              <a:defRPr sz="1200" b="1"/>
             </a:lvl6pPr>
-            <a:lvl7pPr marL="2743200" indent="0">
+            <a:lvl7pPr marL="2057400" indent="0">
               <a:buNone/>
-              <a:defRPr sz="1600" b="1"/>
+              <a:defRPr sz="1200" b="1"/>
             </a:lvl7pPr>
-            <a:lvl8pPr marL="3200400" indent="0">
+            <a:lvl8pPr marL="2400300" indent="0">
               <a:buNone/>
-              <a:defRPr sz="1600" b="1"/>
+              <a:defRPr sz="1200" b="1"/>
             </a:lvl8pPr>
-            <a:lvl9pPr marL="3657600" indent="0">
+            <a:lvl9pPr marL="2743200" indent="0">
               <a:buNone/>
-              <a:defRPr sz="1600" b="1"/>
+              <a:defRPr sz="1200" b="1"/>
             </a:lvl9pPr>
           </a:lstStyle>
           <a:p>
@@ -13327,14 +11026,12 @@
         </p:nvSpPr>
         <p:spPr>
           <a:xfrm>
-            <a:off x="3866640" y="2737246"/>
-            <a:ext cx="3090672" cy="3304117"/>
+            <a:off x="4629150" y="2505075"/>
+            <a:ext cx="3887391" cy="3684588"/>
           </a:xfrm>
         </p:spPr>
         <p:txBody>
-          <a:bodyPr>
-            <a:normAutofit/>
-          </a:bodyPr>
+          <a:bodyPr/>
           <a:lstStyle/>
           <a:p>
             <a:pPr lvl="0"/>
@@ -13370,7 +11067,7 @@
               <a:rPr lang="en-US" smtClean="0"/>
               <a:t>Fifth level</a:t>
             </a:r>
-            <a:endParaRPr lang="en-US" dirty="0"/>
+            <a:endParaRPr lang="en-US"/>
           </a:p>
         </p:txBody>
       </p:sp>
@@ -13391,7 +11088,7 @@
           <a:p>
             <a:fld id="{8472C7DE-940F-F84D-87FC-CB6C77FFB87A}" type="datetimeFigureOut">
               <a:rPr lang="en-US" smtClean="0"/>
-              <a:t>11/16/2016</a:t>
+              <a:t>12/21/16</a:t>
             </a:fld>
             <a:endParaRPr lang="en-US"/>
           </a:p>
@@ -13442,7 +11139,7 @@
     </p:spTree>
     <p:extLst>
       <p:ext uri="{BB962C8B-B14F-4D97-AF65-F5344CB8AC3E}">
-        <p14:creationId xmlns:p14="http://schemas.microsoft.com/office/powerpoint/2010/main" val="3472481827"/>
+        <p14:creationId xmlns:p14="http://schemas.microsoft.com/office/powerpoint/2010/main" val="1544838345"/>
       </p:ext>
     </p:extLst>
   </p:cSld>
@@ -13479,12 +11176,7 @@
             <p:ph type="title"/>
           </p:nvPr>
         </p:nvSpPr>
-        <p:spPr>
-          <a:xfrm>
-            <a:off x="609599" y="609600"/>
-            <a:ext cx="6347714" cy="1320800"/>
-          </a:xfrm>
-        </p:spPr>
+        <p:spPr/>
         <p:txBody>
           <a:bodyPr/>
           <a:lstStyle/>
@@ -13493,7 +11185,7 @@
               <a:rPr lang="en-US" smtClean="0"/>
               <a:t>Click to edit Master title style</a:t>
             </a:r>
-            <a:endParaRPr lang="en-US" dirty="0"/>
+            <a:endParaRPr lang="en-US"/>
           </a:p>
         </p:txBody>
       </p:sp>
@@ -13514,7 +11206,7 @@
           <a:p>
             <a:fld id="{8472C7DE-940F-F84D-87FC-CB6C77FFB87A}" type="datetimeFigureOut">
               <a:rPr lang="en-US" smtClean="0"/>
-              <a:t>11/16/2016</a:t>
+              <a:t>12/21/16</a:t>
             </a:fld>
             <a:endParaRPr lang="en-US"/>
           </a:p>
@@ -13565,7 +11257,7 @@
     </p:spTree>
     <p:extLst>
       <p:ext uri="{BB962C8B-B14F-4D97-AF65-F5344CB8AC3E}">
-        <p14:creationId xmlns:p14="http://schemas.microsoft.com/office/powerpoint/2010/main" val="2772286586"/>
+        <p14:creationId xmlns:p14="http://schemas.microsoft.com/office/powerpoint/2010/main" val="1020772185"/>
       </p:ext>
     </p:extLst>
   </p:cSld>
@@ -13609,7 +11301,7 @@
           <a:p>
             <a:fld id="{8472C7DE-940F-F84D-87FC-CB6C77FFB87A}" type="datetimeFigureOut">
               <a:rPr lang="en-US" smtClean="0"/>
-              <a:t>11/16/2016</a:t>
+              <a:t>12/21/16</a:t>
             </a:fld>
             <a:endParaRPr lang="en-US"/>
           </a:p>
@@ -13660,7 +11352,7 @@
     </p:spTree>
     <p:extLst>
       <p:ext uri="{BB962C8B-B14F-4D97-AF65-F5344CB8AC3E}">
-        <p14:creationId xmlns:p14="http://schemas.microsoft.com/office/powerpoint/2010/main" val="2367562388"/>
+        <p14:creationId xmlns:p14="http://schemas.microsoft.com/office/powerpoint/2010/main" val="2018741059"/>
       </p:ext>
     </p:extLst>
   </p:cSld>
@@ -13699,17 +11391,15 @@
         </p:nvSpPr>
         <p:spPr>
           <a:xfrm>
-            <a:off x="609599" y="1498604"/>
-            <a:ext cx="2790182" cy="1278466"/>
+            <a:off x="629841" y="457200"/>
+            <a:ext cx="2949178" cy="1600200"/>
           </a:xfrm>
         </p:spPr>
         <p:txBody>
-          <a:bodyPr anchor="b">
-            <a:normAutofit/>
-          </a:bodyPr>
+          <a:bodyPr anchor="b"/>
           <a:lstStyle>
             <a:lvl1pPr>
-              <a:defRPr sz="2000"/>
+              <a:defRPr sz="2400"/>
             </a:lvl1pPr>
           </a:lstStyle>
           <a:p>
@@ -13717,7 +11407,7 @@
               <a:rPr lang="en-US" smtClean="0"/>
               <a:t>Click to edit Master title style</a:t>
             </a:r>
-            <a:endParaRPr lang="en-US" dirty="0"/>
+            <a:endParaRPr lang="en-US"/>
           </a:p>
         </p:txBody>
       </p:sp>
@@ -13733,15 +11423,41 @@
         </p:nvSpPr>
         <p:spPr>
           <a:xfrm>
-            <a:off x="3571275" y="514925"/>
-            <a:ext cx="3386037" cy="5526437"/>
+            <a:off x="3887391" y="987426"/>
+            <a:ext cx="4629150" cy="4873625"/>
           </a:xfrm>
         </p:spPr>
         <p:txBody>
-          <a:bodyPr>
-            <a:normAutofit/>
-          </a:bodyPr>
-          <a:lstStyle/>
+          <a:bodyPr/>
+          <a:lstStyle>
+            <a:lvl1pPr>
+              <a:defRPr sz="2400"/>
+            </a:lvl1pPr>
+            <a:lvl2pPr>
+              <a:defRPr sz="2100"/>
+            </a:lvl2pPr>
+            <a:lvl3pPr>
+              <a:defRPr sz="1800"/>
+            </a:lvl3pPr>
+            <a:lvl4pPr>
+              <a:defRPr sz="1500"/>
+            </a:lvl4pPr>
+            <a:lvl5pPr>
+              <a:defRPr sz="1500"/>
+            </a:lvl5pPr>
+            <a:lvl6pPr>
+              <a:defRPr sz="1500"/>
+            </a:lvl6pPr>
+            <a:lvl7pPr>
+              <a:defRPr sz="1500"/>
+            </a:lvl7pPr>
+            <a:lvl8pPr>
+              <a:defRPr sz="1500"/>
+            </a:lvl8pPr>
+            <a:lvl9pPr>
+              <a:defRPr sz="1500"/>
+            </a:lvl9pPr>
+          </a:lstStyle>
           <a:p>
             <a:pPr lvl="0"/>
             <a:r>
@@ -13776,7 +11492,7 @@
               <a:rPr lang="en-US" smtClean="0"/>
               <a:t>Fifth level</a:t>
             </a:r>
-            <a:endParaRPr lang="en-US" dirty="0"/>
+            <a:endParaRPr lang="en-US"/>
           </a:p>
         </p:txBody>
       </p:sp>
@@ -13792,18 +11508,16 @@
         </p:nvSpPr>
         <p:spPr>
           <a:xfrm>
-            <a:off x="609599" y="2777069"/>
-            <a:ext cx="2790182" cy="2584449"/>
+            <a:off x="629841" y="2057400"/>
+            <a:ext cx="2949178" cy="3811588"/>
           </a:xfrm>
         </p:spPr>
         <p:txBody>
-          <a:bodyPr>
-            <a:normAutofit/>
-          </a:bodyPr>
+          <a:bodyPr/>
           <a:lstStyle>
             <a:lvl1pPr marL="0" indent="0">
               <a:buNone/>
-              <a:defRPr sz="1400"/>
+              <a:defRPr sz="1200"/>
             </a:lvl1pPr>
             <a:lvl2pPr marL="342900" indent="0">
               <a:buNone/>
@@ -13864,7 +11578,7 @@
           <a:p>
             <a:fld id="{8472C7DE-940F-F84D-87FC-CB6C77FFB87A}" type="datetimeFigureOut">
               <a:rPr lang="en-US" smtClean="0"/>
-              <a:t>11/16/2016</a:t>
+              <a:t>12/21/16</a:t>
             </a:fld>
             <a:endParaRPr lang="en-US"/>
           </a:p>
@@ -13915,7 +11629,7 @@
     </p:spTree>
     <p:extLst>
       <p:ext uri="{BB962C8B-B14F-4D97-AF65-F5344CB8AC3E}">
-        <p14:creationId xmlns:p14="http://schemas.microsoft.com/office/powerpoint/2010/main" val="1216770463"/>
+        <p14:creationId xmlns:p14="http://schemas.microsoft.com/office/powerpoint/2010/main" val="886839660"/>
       </p:ext>
     </p:extLst>
   </p:cSld>
@@ -13954,17 +11668,15 @@
         </p:nvSpPr>
         <p:spPr>
           <a:xfrm>
-            <a:off x="609599" y="4800600"/>
-            <a:ext cx="6347714" cy="566738"/>
+            <a:off x="629841" y="457200"/>
+            <a:ext cx="2949178" cy="1600200"/>
           </a:xfrm>
         </p:spPr>
         <p:txBody>
-          <a:bodyPr anchor="b">
-            <a:normAutofit/>
-          </a:bodyPr>
+          <a:bodyPr anchor="b"/>
           <a:lstStyle>
-            <a:lvl1pPr algn="l">
-              <a:defRPr sz="2400" b="0"/>
+            <a:lvl1pPr>
+              <a:defRPr sz="2400"/>
             </a:lvl1pPr>
           </a:lstStyle>
           <a:p>
@@ -13972,7 +11684,7 @@
               <a:rPr lang="en-US" smtClean="0"/>
               <a:t>Click to edit Master title style</a:t>
             </a:r>
-            <a:endParaRPr lang="en-US" dirty="0"/>
+            <a:endParaRPr lang="en-US"/>
           </a:p>
         </p:txBody>
       </p:sp>
@@ -13980,7 +11692,7 @@
         <p:nvSpPr>
           <p:cNvPr id="3" name="Picture Placeholder 2"/>
           <p:cNvSpPr>
-            <a:spLocks noGrp="1" noChangeAspect="1"/>
+            <a:spLocks noGrp="1"/>
           </p:cNvSpPr>
           <p:nvPr>
             <p:ph type="pic" idx="1"/>
@@ -13988,58 +11700,52 @@
         </p:nvSpPr>
         <p:spPr>
           <a:xfrm>
-            <a:off x="609599" y="609600"/>
-            <a:ext cx="6347714" cy="3845718"/>
+            <a:off x="3887391" y="987426"/>
+            <a:ext cx="4629150" cy="4873625"/>
           </a:xfrm>
         </p:spPr>
         <p:txBody>
-          <a:bodyPr anchor="t">
-            <a:normAutofit/>
-          </a:bodyPr>
+          <a:bodyPr/>
           <a:lstStyle>
-            <a:lvl1pPr marL="0" indent="0" algn="ctr">
+            <a:lvl1pPr marL="0" indent="0">
               <a:buNone/>
-              <a:defRPr sz="1600"/>
+              <a:defRPr sz="2400"/>
             </a:lvl1pPr>
-            <a:lvl2pPr marL="457200" indent="0">
+            <a:lvl2pPr marL="342900" indent="0">
               <a:buNone/>
-              <a:defRPr sz="1600"/>
+              <a:defRPr sz="2100"/>
             </a:lvl2pPr>
-            <a:lvl3pPr marL="914400" indent="0">
+            <a:lvl3pPr marL="685800" indent="0">
               <a:buNone/>
-              <a:defRPr sz="1600"/>
+              <a:defRPr sz="1800"/>
             </a:lvl3pPr>
-            <a:lvl4pPr marL="1371600" indent="0">
+            <a:lvl4pPr marL="1028700" indent="0">
               <a:buNone/>
-              <a:defRPr sz="1600"/>
+              <a:defRPr sz="1500"/>
             </a:lvl4pPr>
-            <a:lvl5pPr marL="1828800" indent="0">
+            <a:lvl5pPr marL="1371600" indent="0">
               <a:buNone/>
-              <a:defRPr sz="1600"/>
+              <a:defRPr sz="1500"/>
             </a:lvl5pPr>
-            <a:lvl6pPr marL="2286000" indent="0">
+            <a:lvl6pPr marL="1714500" indent="0">
               <a:buNone/>
-              <a:defRPr sz="1600"/>
+              <a:defRPr sz="1500"/>
             </a:lvl6pPr>
-            <a:lvl7pPr marL="2743200" indent="0">
+            <a:lvl7pPr marL="2057400" indent="0">
               <a:buNone/>
-              <a:defRPr sz="1600"/>
+              <a:defRPr sz="1500"/>
             </a:lvl7pPr>
-            <a:lvl8pPr marL="3200400" indent="0">
+            <a:lvl8pPr marL="2400300" indent="0">
               <a:buNone/>
-              <a:defRPr sz="1600"/>
+              <a:defRPr sz="1500"/>
             </a:lvl8pPr>
-            <a:lvl9pPr marL="3657600" indent="0">
+            <a:lvl9pPr marL="2743200" indent="0">
               <a:buNone/>
-              <a:defRPr sz="1600"/>
+              <a:defRPr sz="1500"/>
             </a:lvl9pPr>
           </a:lstStyle>
           <a:p>
-            <a:r>
-              <a:rPr lang="en-US" smtClean="0"/>
-              <a:t>Click icon to add picture</a:t>
-            </a:r>
-            <a:endParaRPr lang="en-US" dirty="0"/>
+            <a:endParaRPr lang="en-US"/>
           </a:p>
         </p:txBody>
       </p:sp>
@@ -14055,50 +11761,48 @@
         </p:nvSpPr>
         <p:spPr>
           <a:xfrm>
-            <a:off x="609599" y="5367338"/>
-            <a:ext cx="6347714" cy="674024"/>
+            <a:off x="629841" y="2057400"/>
+            <a:ext cx="2949178" cy="3811588"/>
           </a:xfrm>
         </p:spPr>
         <p:txBody>
-          <a:bodyPr>
-            <a:normAutofit/>
-          </a:bodyPr>
+          <a:bodyPr/>
           <a:lstStyle>
             <a:lvl1pPr marL="0" indent="0">
               <a:buNone/>
               <a:defRPr sz="1200"/>
             </a:lvl1pPr>
-            <a:lvl2pPr marL="457200" indent="0">
+            <a:lvl2pPr marL="342900" indent="0">
               <a:buNone/>
-              <a:defRPr sz="1200"/>
+              <a:defRPr sz="1050"/>
             </a:lvl2pPr>
-            <a:lvl3pPr marL="914400" indent="0">
-              <a:buNone/>
-              <a:defRPr sz="1000"/>
-            </a:lvl3pPr>
-            <a:lvl4pPr marL="1371600" indent="0">
+            <a:lvl3pPr marL="685800" indent="0">
               <a:buNone/>
               <a:defRPr sz="900"/>
+            </a:lvl3pPr>
+            <a:lvl4pPr marL="1028700" indent="0">
+              <a:buNone/>
+              <a:defRPr sz="750"/>
             </a:lvl4pPr>
-            <a:lvl5pPr marL="1828800" indent="0">
+            <a:lvl5pPr marL="1371600" indent="0">
               <a:buNone/>
-              <a:defRPr sz="900"/>
+              <a:defRPr sz="750"/>
             </a:lvl5pPr>
-            <a:lvl6pPr marL="2286000" indent="0">
+            <a:lvl6pPr marL="1714500" indent="0">
               <a:buNone/>
-              <a:defRPr sz="900"/>
+              <a:defRPr sz="750"/>
             </a:lvl6pPr>
-            <a:lvl7pPr marL="2743200" indent="0">
+            <a:lvl7pPr marL="2057400" indent="0">
               <a:buNone/>
-              <a:defRPr sz="900"/>
+              <a:defRPr sz="750"/>
             </a:lvl7pPr>
-            <a:lvl8pPr marL="3200400" indent="0">
+            <a:lvl8pPr marL="2400300" indent="0">
               <a:buNone/>
-              <a:defRPr sz="900"/>
+              <a:defRPr sz="750"/>
             </a:lvl8pPr>
-            <a:lvl9pPr marL="3657600" indent="0">
+            <a:lvl9pPr marL="2743200" indent="0">
               <a:buNone/>
-              <a:defRPr sz="900"/>
+              <a:defRPr sz="750"/>
             </a:lvl9pPr>
           </a:lstStyle>
           <a:p>
@@ -14127,7 +11831,7 @@
           <a:p>
             <a:fld id="{8472C7DE-940F-F84D-87FC-CB6C77FFB87A}" type="datetimeFigureOut">
               <a:rPr lang="en-US" smtClean="0"/>
-              <a:t>11/16/2016</a:t>
+              <a:t>12/21/16</a:t>
             </a:fld>
             <a:endParaRPr lang="en-US"/>
           </a:p>
@@ -14178,7 +11882,7 @@
     </p:spTree>
     <p:extLst>
       <p:ext uri="{BB962C8B-B14F-4D97-AF65-F5344CB8AC3E}">
-        <p14:creationId xmlns:p14="http://schemas.microsoft.com/office/powerpoint/2010/main" val="2176788772"/>
+        <p14:creationId xmlns:p14="http://schemas.microsoft.com/office/powerpoint/2010/main" val="1577655440"/>
       </p:ext>
     </p:extLst>
   </p:cSld>
@@ -14210,608 +11914,6 @@
           <a:chExt cx="0" cy="0"/>
         </a:xfrm>
       </p:grpSpPr>
-      <p:grpSp>
-        <p:nvGrpSpPr>
-          <p:cNvPr id="17" name="Group 16"/>
-          <p:cNvGrpSpPr/>
-          <p:nvPr/>
-        </p:nvGrpSpPr>
-        <p:grpSpPr>
-          <a:xfrm>
-            <a:off x="-8467" y="-8468"/>
-            <a:ext cx="9171317" cy="6874935"/>
-            <a:chOff x="-8467" y="-8468"/>
-            <a:chExt cx="9171317" cy="6874935"/>
-          </a:xfrm>
-        </p:grpSpPr>
-        <p:sp>
-          <p:nvSpPr>
-            <p:cNvPr id="7" name="Freeform 6"/>
-            <p:cNvSpPr/>
-            <p:nvPr/>
-          </p:nvSpPr>
-          <p:spPr>
-            <a:xfrm>
-              <a:off x="-8467" y="4013200"/>
-              <a:ext cx="457200" cy="2853267"/>
-            </a:xfrm>
-            <a:custGeom>
-              <a:avLst/>
-              <a:gdLst/>
-              <a:ahLst/>
-              <a:cxnLst/>
-              <a:rect l="l" t="t" r="r" b="b"/>
-              <a:pathLst>
-                <a:path w="457200" h="2853267">
-                  <a:moveTo>
-                    <a:pt x="0" y="0"/>
-                  </a:moveTo>
-                  <a:lnTo>
-                    <a:pt x="457200" y="2853267"/>
-                  </a:lnTo>
-                  <a:lnTo>
-                    <a:pt x="0" y="2844800"/>
-                  </a:lnTo>
-                  <a:cubicBezTo>
-                    <a:pt x="2822" y="1905000"/>
-                    <a:pt x="5645" y="965200"/>
-                    <a:pt x="0" y="0"/>
-                  </a:cubicBezTo>
-                  <a:close/>
-                </a:path>
-              </a:pathLst>
-            </a:custGeom>
-            <a:solidFill>
-              <a:schemeClr val="accent1">
-                <a:alpha val="70000"/>
-              </a:schemeClr>
-            </a:solidFill>
-            <a:ln>
-              <a:noFill/>
-            </a:ln>
-            <a:effectLst/>
-          </p:spPr>
-          <p:style>
-            <a:lnRef idx="1">
-              <a:schemeClr val="accent1"/>
-            </a:lnRef>
-            <a:fillRef idx="3">
-              <a:schemeClr val="accent1"/>
-            </a:fillRef>
-            <a:effectRef idx="2">
-              <a:schemeClr val="accent1"/>
-            </a:effectRef>
-            <a:fontRef idx="minor">
-              <a:schemeClr val="lt1"/>
-            </a:fontRef>
-          </p:style>
-        </p:sp>
-        <p:cxnSp>
-          <p:nvCxnSpPr>
-            <p:cNvPr id="8" name="Straight Connector 7"/>
-            <p:cNvCxnSpPr/>
-            <p:nvPr/>
-          </p:nvCxnSpPr>
-          <p:spPr>
-            <a:xfrm flipV="1">
-              <a:off x="5130830" y="4175605"/>
-              <a:ext cx="4022475" cy="2682396"/>
-            </a:xfrm>
-            <a:prstGeom prst="line">
-              <a:avLst/>
-            </a:prstGeom>
-            <a:ln w="9525">
-              <a:solidFill>
-                <a:schemeClr val="accent1">
-                  <a:alpha val="70000"/>
-                </a:schemeClr>
-              </a:solidFill>
-            </a:ln>
-          </p:spPr>
-          <p:style>
-            <a:lnRef idx="2">
-              <a:schemeClr val="accent1"/>
-            </a:lnRef>
-            <a:fillRef idx="0">
-              <a:schemeClr val="accent1"/>
-            </a:fillRef>
-            <a:effectRef idx="1">
-              <a:schemeClr val="accent1"/>
-            </a:effectRef>
-            <a:fontRef idx="minor">
-              <a:schemeClr val="tx1"/>
-            </a:fontRef>
-          </p:style>
-        </p:cxnSp>
-        <p:cxnSp>
-          <p:nvCxnSpPr>
-            <p:cNvPr id="9" name="Straight Connector 8"/>
-            <p:cNvCxnSpPr/>
-            <p:nvPr/>
-          </p:nvCxnSpPr>
-          <p:spPr>
-            <a:xfrm>
-              <a:off x="7042707" y="0"/>
-              <a:ext cx="1219200" cy="6858000"/>
-            </a:xfrm>
-            <a:prstGeom prst="line">
-              <a:avLst/>
-            </a:prstGeom>
-            <a:ln w="9525">
-              <a:solidFill>
-                <a:schemeClr val="accent1">
-                  <a:alpha val="70000"/>
-                </a:schemeClr>
-              </a:solidFill>
-            </a:ln>
-          </p:spPr>
-          <p:style>
-            <a:lnRef idx="2">
-              <a:schemeClr val="accent1"/>
-            </a:lnRef>
-            <a:fillRef idx="0">
-              <a:schemeClr val="accent1"/>
-            </a:fillRef>
-            <a:effectRef idx="1">
-              <a:schemeClr val="accent1"/>
-            </a:effectRef>
-            <a:fontRef idx="minor">
-              <a:schemeClr val="tx1"/>
-            </a:fontRef>
-          </p:style>
-        </p:cxnSp>
-        <p:sp>
-          <p:nvSpPr>
-            <p:cNvPr id="10" name="Freeform 9"/>
-            <p:cNvSpPr/>
-            <p:nvPr/>
-          </p:nvSpPr>
-          <p:spPr>
-            <a:xfrm>
-              <a:off x="6891896" y="1"/>
-              <a:ext cx="2269442" cy="6866466"/>
-            </a:xfrm>
-            <a:custGeom>
-              <a:avLst/>
-              <a:gdLst/>
-              <a:ahLst/>
-              <a:cxnLst/>
-              <a:rect l="l" t="t" r="r" b="b"/>
-              <a:pathLst>
-                <a:path w="2269442" h="6866466">
-                  <a:moveTo>
-                    <a:pt x="2023534" y="0"/>
-                  </a:moveTo>
-                  <a:lnTo>
-                    <a:pt x="0" y="6858000"/>
-                  </a:lnTo>
-                  <a:lnTo>
-                    <a:pt x="2269067" y="6866466"/>
-                  </a:lnTo>
-                  <a:cubicBezTo>
-                    <a:pt x="2271889" y="4580466"/>
-                    <a:pt x="2257778" y="2294466"/>
-                    <a:pt x="2260600" y="8466"/>
-                  </a:cubicBezTo>
-                  <a:lnTo>
-                    <a:pt x="2023534" y="0"/>
-                  </a:lnTo>
-                  <a:close/>
-                </a:path>
-              </a:pathLst>
-            </a:custGeom>
-            <a:solidFill>
-              <a:schemeClr val="accent1">
-                <a:alpha val="36000"/>
-              </a:schemeClr>
-            </a:solidFill>
-            <a:ln>
-              <a:noFill/>
-            </a:ln>
-            <a:effectLst/>
-          </p:spPr>
-          <p:style>
-            <a:lnRef idx="1">
-              <a:schemeClr val="accent1"/>
-            </a:lnRef>
-            <a:fillRef idx="3">
-              <a:schemeClr val="accent1"/>
-            </a:fillRef>
-            <a:effectRef idx="2">
-              <a:schemeClr val="accent1"/>
-            </a:effectRef>
-            <a:fontRef idx="minor">
-              <a:schemeClr val="lt1"/>
-            </a:fontRef>
-          </p:style>
-        </p:sp>
-        <p:sp>
-          <p:nvSpPr>
-            <p:cNvPr id="11" name="Freeform 10"/>
-            <p:cNvSpPr/>
-            <p:nvPr/>
-          </p:nvSpPr>
-          <p:spPr>
-            <a:xfrm>
-              <a:off x="7205158" y="-8467"/>
-              <a:ext cx="1948147" cy="6866467"/>
-            </a:xfrm>
-            <a:custGeom>
-              <a:avLst/>
-              <a:gdLst/>
-              <a:ahLst/>
-              <a:cxnLst/>
-              <a:rect l="l" t="t" r="r" b="b"/>
-              <a:pathLst>
-                <a:path w="1948147" h="6866467">
-                  <a:moveTo>
-                    <a:pt x="0" y="0"/>
-                  </a:moveTo>
-                  <a:lnTo>
-                    <a:pt x="1202267" y="6866467"/>
-                  </a:lnTo>
-                  <a:lnTo>
-                    <a:pt x="1947333" y="6866467"/>
-                  </a:lnTo>
-                  <a:cubicBezTo>
-                    <a:pt x="1944511" y="4577645"/>
-                    <a:pt x="1950155" y="2288822"/>
-                    <a:pt x="1947333" y="0"/>
-                  </a:cubicBezTo>
-                  <a:lnTo>
-                    <a:pt x="0" y="0"/>
-                  </a:lnTo>
-                  <a:close/>
-                </a:path>
-              </a:pathLst>
-            </a:custGeom>
-            <a:solidFill>
-              <a:schemeClr val="accent1">
-                <a:alpha val="20000"/>
-              </a:schemeClr>
-            </a:solidFill>
-            <a:ln>
-              <a:noFill/>
-            </a:ln>
-            <a:effectLst/>
-          </p:spPr>
-          <p:style>
-            <a:lnRef idx="1">
-              <a:schemeClr val="accent1"/>
-            </a:lnRef>
-            <a:fillRef idx="3">
-              <a:schemeClr val="accent1"/>
-            </a:fillRef>
-            <a:effectRef idx="2">
-              <a:schemeClr val="accent1"/>
-            </a:effectRef>
-            <a:fontRef idx="minor">
-              <a:schemeClr val="lt1"/>
-            </a:fontRef>
-          </p:style>
-        </p:sp>
-        <p:sp>
-          <p:nvSpPr>
-            <p:cNvPr id="12" name="Freeform 11"/>
-            <p:cNvSpPr/>
-            <p:nvPr/>
-          </p:nvSpPr>
-          <p:spPr>
-            <a:xfrm>
-              <a:off x="6637896" y="3920066"/>
-              <a:ext cx="2513565" cy="2937933"/>
-            </a:xfrm>
-            <a:custGeom>
-              <a:avLst/>
-              <a:gdLst/>
-              <a:ahLst/>
-              <a:cxnLst/>
-              <a:rect l="l" t="t" r="r" b="b"/>
-              <a:pathLst>
-                <a:path w="3259667" h="3810000">
-                  <a:moveTo>
-                    <a:pt x="0" y="3810000"/>
-                  </a:moveTo>
-                  <a:lnTo>
-                    <a:pt x="3251200" y="0"/>
-                  </a:lnTo>
-                  <a:cubicBezTo>
-                    <a:pt x="3254022" y="1270000"/>
-                    <a:pt x="3256845" y="2540000"/>
-                    <a:pt x="3259667" y="3810000"/>
-                  </a:cubicBezTo>
-                  <a:lnTo>
-                    <a:pt x="0" y="3810000"/>
-                  </a:lnTo>
-                  <a:close/>
-                </a:path>
-              </a:pathLst>
-            </a:custGeom>
-            <a:solidFill>
-              <a:schemeClr val="accent1">
-                <a:lumMod val="75000"/>
-                <a:alpha val="66000"/>
-              </a:schemeClr>
-            </a:solidFill>
-            <a:ln>
-              <a:noFill/>
-            </a:ln>
-            <a:effectLst/>
-          </p:spPr>
-          <p:style>
-            <a:lnRef idx="1">
-              <a:schemeClr val="accent1"/>
-            </a:lnRef>
-            <a:fillRef idx="3">
-              <a:schemeClr val="accent1"/>
-            </a:fillRef>
-            <a:effectRef idx="2">
-              <a:schemeClr val="accent1"/>
-            </a:effectRef>
-            <a:fontRef idx="minor">
-              <a:schemeClr val="lt1"/>
-            </a:fontRef>
-          </p:style>
-        </p:sp>
-        <p:sp>
-          <p:nvSpPr>
-            <p:cNvPr id="13" name="Freeform 12"/>
-            <p:cNvSpPr/>
-            <p:nvPr/>
-          </p:nvSpPr>
-          <p:spPr>
-            <a:xfrm>
-              <a:off x="7010429" y="-8467"/>
-              <a:ext cx="2142876" cy="6866467"/>
-            </a:xfrm>
-            <a:custGeom>
-              <a:avLst/>
-              <a:gdLst/>
-              <a:ahLst/>
-              <a:cxnLst/>
-              <a:rect l="l" t="t" r="r" b="b"/>
-              <a:pathLst>
-                <a:path w="2853267" h="6866467">
-                  <a:moveTo>
-                    <a:pt x="0" y="0"/>
-                  </a:moveTo>
-                  <a:lnTo>
-                    <a:pt x="2472267" y="6866467"/>
-                  </a:lnTo>
-                  <a:lnTo>
-                    <a:pt x="2853267" y="6858000"/>
-                  </a:lnTo>
-                  <a:lnTo>
-                    <a:pt x="2853267" y="0"/>
-                  </a:lnTo>
-                  <a:lnTo>
-                    <a:pt x="0" y="0"/>
-                  </a:lnTo>
-                  <a:close/>
-                </a:path>
-              </a:pathLst>
-            </a:custGeom>
-            <a:solidFill>
-              <a:schemeClr val="accent1">
-                <a:lumMod val="75000"/>
-                <a:alpha val="50000"/>
-              </a:schemeClr>
-            </a:solidFill>
-            <a:ln>
-              <a:noFill/>
-            </a:ln>
-            <a:effectLst/>
-          </p:spPr>
-          <p:style>
-            <a:lnRef idx="1">
-              <a:schemeClr val="accent1"/>
-            </a:lnRef>
-            <a:fillRef idx="3">
-              <a:schemeClr val="accent1"/>
-            </a:fillRef>
-            <a:effectRef idx="2">
-              <a:schemeClr val="accent1"/>
-            </a:effectRef>
-            <a:fontRef idx="minor">
-              <a:schemeClr val="lt1"/>
-            </a:fontRef>
-          </p:style>
-        </p:sp>
-        <p:sp>
-          <p:nvSpPr>
-            <p:cNvPr id="14" name="Freeform 13"/>
-            <p:cNvSpPr/>
-            <p:nvPr/>
-          </p:nvSpPr>
-          <p:spPr>
-            <a:xfrm>
-              <a:off x="8295776" y="-8467"/>
-              <a:ext cx="857530" cy="6866467"/>
-            </a:xfrm>
-            <a:custGeom>
-              <a:avLst/>
-              <a:gdLst/>
-              <a:ahLst/>
-              <a:cxnLst/>
-              <a:rect l="l" t="t" r="r" b="b"/>
-              <a:pathLst>
-                <a:path w="1286933" h="6866467">
-                  <a:moveTo>
-                    <a:pt x="1016000" y="0"/>
-                  </a:moveTo>
-                  <a:lnTo>
-                    <a:pt x="0" y="6866467"/>
-                  </a:lnTo>
-                  <a:lnTo>
-                    <a:pt x="1286933" y="6866467"/>
-                  </a:lnTo>
-                  <a:cubicBezTo>
-                    <a:pt x="1284111" y="4577645"/>
-                    <a:pt x="1281288" y="2288822"/>
-                    <a:pt x="1278466" y="0"/>
-                  </a:cubicBezTo>
-                  <a:lnTo>
-                    <a:pt x="1016000" y="0"/>
-                  </a:lnTo>
-                  <a:close/>
-                </a:path>
-              </a:pathLst>
-            </a:custGeom>
-            <a:solidFill>
-              <a:schemeClr val="accent2">
-                <a:alpha val="70000"/>
-              </a:schemeClr>
-            </a:solidFill>
-            <a:ln>
-              <a:noFill/>
-            </a:ln>
-            <a:effectLst/>
-          </p:spPr>
-          <p:style>
-            <a:lnRef idx="1">
-              <a:schemeClr val="accent1"/>
-            </a:lnRef>
-            <a:fillRef idx="3">
-              <a:schemeClr val="accent1"/>
-            </a:fillRef>
-            <a:effectRef idx="2">
-              <a:schemeClr val="accent1"/>
-            </a:effectRef>
-            <a:fontRef idx="minor">
-              <a:schemeClr val="lt1"/>
-            </a:fontRef>
-          </p:style>
-        </p:sp>
-        <p:sp>
-          <p:nvSpPr>
-            <p:cNvPr id="15" name="Freeform 14"/>
-            <p:cNvSpPr/>
-            <p:nvPr/>
-          </p:nvSpPr>
-          <p:spPr>
-            <a:xfrm>
-              <a:off x="8094165" y="-8468"/>
-              <a:ext cx="1066770" cy="6866467"/>
-            </a:xfrm>
-            <a:custGeom>
-              <a:avLst/>
-              <a:gdLst/>
-              <a:ahLst/>
-              <a:cxnLst/>
-              <a:rect l="l" t="t" r="r" b="b"/>
-              <a:pathLst>
-                <a:path w="1270244" h="6866467">
-                  <a:moveTo>
-                    <a:pt x="0" y="0"/>
-                  </a:moveTo>
-                  <a:lnTo>
-                    <a:pt x="1117600" y="6866467"/>
-                  </a:lnTo>
-                  <a:lnTo>
-                    <a:pt x="1270000" y="6866467"/>
-                  </a:lnTo>
-                  <a:cubicBezTo>
-                    <a:pt x="1272822" y="4574822"/>
-                    <a:pt x="1250245" y="2291645"/>
-                    <a:pt x="1253067" y="0"/>
-                  </a:cubicBezTo>
-                  <a:lnTo>
-                    <a:pt x="0" y="0"/>
-                  </a:lnTo>
-                  <a:close/>
-                </a:path>
-              </a:pathLst>
-            </a:custGeom>
-            <a:solidFill>
-              <a:schemeClr val="accent2">
-                <a:lumMod val="75000"/>
-                <a:alpha val="82000"/>
-              </a:schemeClr>
-            </a:solidFill>
-            <a:ln>
-              <a:noFill/>
-            </a:ln>
-            <a:effectLst/>
-          </p:spPr>
-          <p:style>
-            <a:lnRef idx="1">
-              <a:schemeClr val="accent1"/>
-            </a:lnRef>
-            <a:fillRef idx="3">
-              <a:schemeClr val="accent1"/>
-            </a:fillRef>
-            <a:effectRef idx="2">
-              <a:schemeClr val="accent1"/>
-            </a:effectRef>
-            <a:fontRef idx="minor">
-              <a:schemeClr val="lt1"/>
-            </a:fontRef>
-          </p:style>
-        </p:sp>
-        <p:sp>
-          <p:nvSpPr>
-            <p:cNvPr id="16" name="Freeform 15"/>
-            <p:cNvSpPr/>
-            <p:nvPr/>
-          </p:nvSpPr>
-          <p:spPr>
-            <a:xfrm>
-              <a:off x="8068764" y="4893733"/>
-              <a:ext cx="1094086" cy="1964267"/>
-            </a:xfrm>
-            <a:custGeom>
-              <a:avLst/>
-              <a:gdLst/>
-              <a:ahLst/>
-              <a:cxnLst/>
-              <a:rect l="l" t="t" r="r" b="b"/>
-              <a:pathLst>
-                <a:path w="1820333" h="3268133">
-                  <a:moveTo>
-                    <a:pt x="0" y="3268133"/>
-                  </a:moveTo>
-                  <a:lnTo>
-                    <a:pt x="1811866" y="0"/>
-                  </a:lnTo>
-                  <a:cubicBezTo>
-                    <a:pt x="1814688" y="1086555"/>
-                    <a:pt x="1817511" y="2173111"/>
-                    <a:pt x="1820333" y="3259666"/>
-                  </a:cubicBezTo>
-                  <a:lnTo>
-                    <a:pt x="0" y="3268133"/>
-                  </a:lnTo>
-                  <a:close/>
-                </a:path>
-              </a:pathLst>
-            </a:custGeom>
-            <a:solidFill>
-              <a:schemeClr val="accent1">
-                <a:lumMod val="75000"/>
-                <a:alpha val="66000"/>
-              </a:schemeClr>
-            </a:solidFill>
-            <a:ln>
-              <a:noFill/>
-            </a:ln>
-            <a:effectLst/>
-          </p:spPr>
-          <p:style>
-            <a:lnRef idx="1">
-              <a:schemeClr val="accent1"/>
-            </a:lnRef>
-            <a:fillRef idx="3">
-              <a:schemeClr val="accent1"/>
-            </a:fillRef>
-            <a:effectRef idx="2">
-              <a:schemeClr val="accent1"/>
-            </a:effectRef>
-            <a:fontRef idx="minor">
-              <a:schemeClr val="lt1"/>
-            </a:fontRef>
-          </p:style>
-        </p:sp>
-      </p:grpSp>
       <p:sp>
         <p:nvSpPr>
           <p:cNvPr id="2" name="Title Placeholder 1"/>
@@ -14824,15 +11926,15 @@
         </p:nvSpPr>
         <p:spPr>
           <a:xfrm>
-            <a:off x="609599" y="609600"/>
-            <a:ext cx="6347713" cy="1320800"/>
+            <a:off x="628650" y="365126"/>
+            <a:ext cx="7886700" cy="1325563"/>
           </a:xfrm>
           <a:prstGeom prst="rect">
             <a:avLst/>
           </a:prstGeom>
         </p:spPr>
         <p:txBody>
-          <a:bodyPr vert="horz" lIns="91440" tIns="45720" rIns="91440" bIns="45720" rtlCol="0" anchor="t">
+          <a:bodyPr vert="horz" lIns="91440" tIns="45720" rIns="91440" bIns="45720" rtlCol="0" anchor="ctr">
             <a:normAutofit/>
           </a:bodyPr>
           <a:lstStyle/>
@@ -14841,7 +11943,7 @@
               <a:rPr lang="en-US" smtClean="0"/>
               <a:t>Click to edit Master title style</a:t>
             </a:r>
-            <a:endParaRPr lang="en-US" dirty="0"/>
+            <a:endParaRPr lang="en-US"/>
           </a:p>
         </p:txBody>
       </p:sp>
@@ -14857,8 +11959,8 @@
         </p:nvSpPr>
         <p:spPr>
           <a:xfrm>
-            <a:off x="609599" y="2160590"/>
-            <a:ext cx="6347714" cy="3880773"/>
+            <a:off x="628650" y="1825625"/>
+            <a:ext cx="7886700" cy="4351338"/>
           </a:xfrm>
           <a:prstGeom prst="rect">
             <a:avLst/>
@@ -14903,7 +12005,7 @@
               <a:rPr lang="en-US" smtClean="0"/>
               <a:t>Fifth level</a:t>
             </a:r>
-            <a:endParaRPr lang="en-US" dirty="0"/>
+            <a:endParaRPr lang="en-US"/>
           </a:p>
         </p:txBody>
       </p:sp>
@@ -14919,8 +12021,8 @@
         </p:nvSpPr>
         <p:spPr>
           <a:xfrm>
-            <a:off x="5405258" y="6041363"/>
-            <a:ext cx="684132" cy="365125"/>
+            <a:off x="628650" y="6356351"/>
+            <a:ext cx="2057400" cy="365125"/>
           </a:xfrm>
           <a:prstGeom prst="rect">
             <a:avLst/>
@@ -14929,7 +12031,7 @@
         <p:txBody>
           <a:bodyPr vert="horz" lIns="91440" tIns="45720" rIns="91440" bIns="45720" rtlCol="0" anchor="ctr"/>
           <a:lstStyle>
-            <a:lvl1pPr algn="r">
+            <a:lvl1pPr algn="l">
               <a:defRPr sz="900">
                 <a:solidFill>
                   <a:schemeClr val="tx1">
@@ -14942,7 +12044,7 @@
           <a:p>
             <a:fld id="{8472C7DE-940F-F84D-87FC-CB6C77FFB87A}" type="datetimeFigureOut">
               <a:rPr lang="en-US" smtClean="0"/>
-              <a:t>11/16/2016</a:t>
+              <a:t>12/21/16</a:t>
             </a:fld>
             <a:endParaRPr lang="en-US"/>
           </a:p>
@@ -14960,8 +12062,8 @@
         </p:nvSpPr>
         <p:spPr>
           <a:xfrm>
-            <a:off x="609599" y="6041363"/>
-            <a:ext cx="4622973" cy="365125"/>
+            <a:off x="3028950" y="6356351"/>
+            <a:ext cx="3086100" cy="365125"/>
           </a:xfrm>
           <a:prstGeom prst="rect">
             <a:avLst/>
@@ -14970,7 +12072,7 @@
         <p:txBody>
           <a:bodyPr vert="horz" lIns="91440" tIns="45720" rIns="91440" bIns="45720" rtlCol="0" anchor="ctr"/>
           <a:lstStyle>
-            <a:lvl1pPr algn="l">
+            <a:lvl1pPr algn="ctr">
               <a:defRPr sz="900">
                 <a:solidFill>
                   <a:schemeClr val="tx1">
@@ -14997,8 +12099,8 @@
         </p:nvSpPr>
         <p:spPr>
           <a:xfrm>
-            <a:off x="6444676" y="6041363"/>
-            <a:ext cx="512638" cy="365125"/>
+            <a:off x="6457950" y="6356351"/>
+            <a:ext cx="2057400" cy="365125"/>
           </a:xfrm>
           <a:prstGeom prst="rect">
             <a:avLst/>
@@ -15010,7 +12112,9 @@
             <a:lvl1pPr algn="r">
               <a:defRPr sz="900">
                 <a:solidFill>
-                  <a:schemeClr val="accent1"/>
+                  <a:schemeClr val="tx1">
+                    <a:tint val="75000"/>
+                  </a:schemeClr>
                 </a:solidFill>
               </a:defRPr>
             </a:lvl1pPr>
@@ -15027,322 +12131,201 @@
     </p:spTree>
     <p:extLst>
       <p:ext uri="{BB962C8B-B14F-4D97-AF65-F5344CB8AC3E}">
-        <p14:creationId xmlns:p14="http://schemas.microsoft.com/office/powerpoint/2010/main" val="2680205545"/>
+        <p14:creationId xmlns:p14="http://schemas.microsoft.com/office/powerpoint/2010/main" val="707825180"/>
       </p:ext>
     </p:extLst>
   </p:cSld>
   <p:clrMap bg1="lt1" tx1="dk1" bg2="lt2" tx2="dk2" accent1="accent1" accent2="accent2" accent3="accent3" accent4="accent4" accent5="accent5" accent6="accent6" hlink="hlink" folHlink="folHlink"/>
   <p:sldLayoutIdLst>
-    <p:sldLayoutId id="2147483690" r:id="rId1"/>
-    <p:sldLayoutId id="2147483691" r:id="rId2"/>
-    <p:sldLayoutId id="2147483692" r:id="rId3"/>
-    <p:sldLayoutId id="2147483693" r:id="rId4"/>
-    <p:sldLayoutId id="2147483694" r:id="rId5"/>
-    <p:sldLayoutId id="2147483695" r:id="rId6"/>
-    <p:sldLayoutId id="2147483696" r:id="rId7"/>
-    <p:sldLayoutId id="2147483697" r:id="rId8"/>
-    <p:sldLayoutId id="2147483698" r:id="rId9"/>
-    <p:sldLayoutId id="2147483699" r:id="rId10"/>
-    <p:sldLayoutId id="2147483700" r:id="rId11"/>
-    <p:sldLayoutId id="2147483701" r:id="rId12"/>
-    <p:sldLayoutId id="2147483702" r:id="rId13"/>
-    <p:sldLayoutId id="2147483703" r:id="rId14"/>
-    <p:sldLayoutId id="2147483704" r:id="rId15"/>
-    <p:sldLayoutId id="2147483705" r:id="rId16"/>
+    <p:sldLayoutId id="2147483707" r:id="rId1"/>
+    <p:sldLayoutId id="2147483708" r:id="rId2"/>
+    <p:sldLayoutId id="2147483709" r:id="rId3"/>
+    <p:sldLayoutId id="2147483710" r:id="rId4"/>
+    <p:sldLayoutId id="2147483711" r:id="rId5"/>
+    <p:sldLayoutId id="2147483712" r:id="rId6"/>
+    <p:sldLayoutId id="2147483713" r:id="rId7"/>
+    <p:sldLayoutId id="2147483714" r:id="rId8"/>
+    <p:sldLayoutId id="2147483715" r:id="rId9"/>
+    <p:sldLayoutId id="2147483716" r:id="rId10"/>
+    <p:sldLayoutId id="2147483717" r:id="rId11"/>
   </p:sldLayoutIdLst>
   <p:txStyles>
     <p:titleStyle>
-      <a:lvl1pPr algn="l" defTabSz="457200" rtl="0" eaLnBrk="1" latinLnBrk="0" hangingPunct="1">
+      <a:lvl1pPr algn="l" defTabSz="685800" rtl="0" eaLnBrk="1" latinLnBrk="0" hangingPunct="1">
+        <a:lnSpc>
+          <a:spcPct val="90000"/>
+        </a:lnSpc>
         <a:spcBef>
           <a:spcPct val="0"/>
         </a:spcBef>
         <a:buNone/>
-        <a:defRPr sz="3600" kern="1200">
+        <a:defRPr sz="3300" kern="1200">
           <a:solidFill>
-            <a:schemeClr val="accent1"/>
+            <a:schemeClr val="tx1"/>
           </a:solidFill>
           <a:latin typeface="+mj-lt"/>
           <a:ea typeface="+mj-ea"/>
           <a:cs typeface="+mj-cs"/>
         </a:defRPr>
       </a:lvl1pPr>
-      <a:lvl2pPr eaLnBrk="1" hangingPunct="1">
-        <a:defRPr>
-          <a:solidFill>
-            <a:schemeClr val="tx2"/>
-          </a:solidFill>
-        </a:defRPr>
-      </a:lvl2pPr>
-      <a:lvl3pPr eaLnBrk="1" hangingPunct="1">
-        <a:defRPr>
-          <a:solidFill>
-            <a:schemeClr val="tx2"/>
-          </a:solidFill>
-        </a:defRPr>
-      </a:lvl3pPr>
-      <a:lvl4pPr eaLnBrk="1" hangingPunct="1">
-        <a:defRPr>
-          <a:solidFill>
-            <a:schemeClr val="tx2"/>
-          </a:solidFill>
-        </a:defRPr>
-      </a:lvl4pPr>
-      <a:lvl5pPr eaLnBrk="1" hangingPunct="1">
-        <a:defRPr>
-          <a:solidFill>
-            <a:schemeClr val="tx2"/>
-          </a:solidFill>
-        </a:defRPr>
-      </a:lvl5pPr>
-      <a:lvl6pPr eaLnBrk="1" hangingPunct="1">
-        <a:defRPr>
-          <a:solidFill>
-            <a:schemeClr val="tx2"/>
-          </a:solidFill>
-        </a:defRPr>
-      </a:lvl6pPr>
-      <a:lvl7pPr eaLnBrk="1" hangingPunct="1">
-        <a:defRPr>
-          <a:solidFill>
-            <a:schemeClr val="tx2"/>
-          </a:solidFill>
-        </a:defRPr>
-      </a:lvl7pPr>
-      <a:lvl8pPr eaLnBrk="1" hangingPunct="1">
-        <a:defRPr>
-          <a:solidFill>
-            <a:schemeClr val="tx2"/>
-          </a:solidFill>
-        </a:defRPr>
-      </a:lvl8pPr>
-      <a:lvl9pPr eaLnBrk="1" hangingPunct="1">
-        <a:defRPr>
-          <a:solidFill>
-            <a:schemeClr val="tx2"/>
-          </a:solidFill>
-        </a:defRPr>
-      </a:lvl9pPr>
     </p:titleStyle>
     <p:bodyStyle>
-      <a:lvl1pPr marL="342900" indent="-342900" algn="l" defTabSz="457200" rtl="0" eaLnBrk="1" latinLnBrk="0" hangingPunct="1">
+      <a:lvl1pPr marL="171450" indent="-171450" algn="l" defTabSz="685800" rtl="0" eaLnBrk="1" latinLnBrk="0" hangingPunct="1">
+        <a:lnSpc>
+          <a:spcPct val="90000"/>
+        </a:lnSpc>
         <a:spcBef>
-          <a:spcPts val="1000"/>
+          <a:spcPts val="750"/>
         </a:spcBef>
-        <a:spcAft>
-          <a:spcPts val="0"/>
-        </a:spcAft>
-        <a:buClr>
-          <a:schemeClr val="accent1"/>
-        </a:buClr>
-        <a:buSzPct val="80000"/>
-        <a:buFont typeface="Wingdings 3" charset="2"/>
-        <a:buChar char=""/>
-        <a:defRPr sz="1800" kern="1200">
+        <a:buFont typeface="Arial"/>
+        <a:buChar char="•"/>
+        <a:defRPr sz="2100" kern="1200">
           <a:solidFill>
-            <a:schemeClr val="tx1">
-              <a:lumMod val="75000"/>
-              <a:lumOff val="25000"/>
-            </a:schemeClr>
+            <a:schemeClr val="tx1"/>
           </a:solidFill>
           <a:latin typeface="+mn-lt"/>
           <a:ea typeface="+mn-ea"/>
           <a:cs typeface="+mn-cs"/>
         </a:defRPr>
       </a:lvl1pPr>
-      <a:lvl2pPr marL="742950" indent="-285750" algn="l" defTabSz="457200" rtl="0" eaLnBrk="1" latinLnBrk="0" hangingPunct="1">
+      <a:lvl2pPr marL="514350" indent="-171450" algn="l" defTabSz="685800" rtl="0" eaLnBrk="1" latinLnBrk="0" hangingPunct="1">
+        <a:lnSpc>
+          <a:spcPct val="90000"/>
+        </a:lnSpc>
         <a:spcBef>
-          <a:spcPts val="1000"/>
+          <a:spcPts val="375"/>
         </a:spcBef>
-        <a:spcAft>
-          <a:spcPts val="0"/>
-        </a:spcAft>
-        <a:buClr>
-          <a:schemeClr val="accent1"/>
-        </a:buClr>
-        <a:buSzPct val="80000"/>
-        <a:buFont typeface="Wingdings 3" charset="2"/>
-        <a:buChar char=""/>
-        <a:defRPr sz="1600" kern="1200">
+        <a:buFont typeface="Arial"/>
+        <a:buChar char="•"/>
+        <a:defRPr sz="1800" kern="1200">
           <a:solidFill>
-            <a:schemeClr val="tx1">
-              <a:lumMod val="75000"/>
-              <a:lumOff val="25000"/>
-            </a:schemeClr>
+            <a:schemeClr val="tx1"/>
           </a:solidFill>
           <a:latin typeface="+mn-lt"/>
           <a:ea typeface="+mn-ea"/>
           <a:cs typeface="+mn-cs"/>
         </a:defRPr>
       </a:lvl2pPr>
-      <a:lvl3pPr marL="1143000" indent="-228600" algn="l" defTabSz="457200" rtl="0" eaLnBrk="1" latinLnBrk="0" hangingPunct="1">
+      <a:lvl3pPr marL="857250" indent="-171450" algn="l" defTabSz="685800" rtl="0" eaLnBrk="1" latinLnBrk="0" hangingPunct="1">
+        <a:lnSpc>
+          <a:spcPct val="90000"/>
+        </a:lnSpc>
         <a:spcBef>
-          <a:spcPts val="1000"/>
+          <a:spcPts val="375"/>
         </a:spcBef>
-        <a:spcAft>
-          <a:spcPts val="0"/>
-        </a:spcAft>
-        <a:buClr>
-          <a:schemeClr val="accent1"/>
-        </a:buClr>
-        <a:buSzPct val="80000"/>
-        <a:buFont typeface="Wingdings 3" charset="2"/>
-        <a:buChar char=""/>
-        <a:defRPr sz="1400" kern="1200">
+        <a:buFont typeface="Arial"/>
+        <a:buChar char="•"/>
+        <a:defRPr sz="1500" kern="1200">
           <a:solidFill>
-            <a:schemeClr val="tx1">
-              <a:lumMod val="75000"/>
-              <a:lumOff val="25000"/>
-            </a:schemeClr>
+            <a:schemeClr val="tx1"/>
           </a:solidFill>
           <a:latin typeface="+mn-lt"/>
           <a:ea typeface="+mn-ea"/>
           <a:cs typeface="+mn-cs"/>
         </a:defRPr>
       </a:lvl3pPr>
-      <a:lvl4pPr marL="1600200" indent="-228600" algn="l" defTabSz="457200" rtl="0" eaLnBrk="1" latinLnBrk="0" hangingPunct="1">
+      <a:lvl4pPr marL="1200150" indent="-171450" algn="l" defTabSz="685800" rtl="0" eaLnBrk="1" latinLnBrk="0" hangingPunct="1">
+        <a:lnSpc>
+          <a:spcPct val="90000"/>
+        </a:lnSpc>
         <a:spcBef>
-          <a:spcPts val="1000"/>
+          <a:spcPts val="375"/>
         </a:spcBef>
-        <a:spcAft>
-          <a:spcPts val="0"/>
-        </a:spcAft>
-        <a:buClr>
-          <a:schemeClr val="accent1"/>
-        </a:buClr>
-        <a:buSzPct val="80000"/>
-        <a:buFont typeface="Wingdings 3" charset="2"/>
-        <a:buChar char=""/>
-        <a:defRPr sz="1200" kern="1200">
+        <a:buFont typeface="Arial"/>
+        <a:buChar char="•"/>
+        <a:defRPr sz="1350" kern="1200">
           <a:solidFill>
-            <a:schemeClr val="tx1">
-              <a:lumMod val="75000"/>
-              <a:lumOff val="25000"/>
-            </a:schemeClr>
+            <a:schemeClr val="tx1"/>
           </a:solidFill>
           <a:latin typeface="+mn-lt"/>
           <a:ea typeface="+mn-ea"/>
           <a:cs typeface="+mn-cs"/>
         </a:defRPr>
       </a:lvl4pPr>
-      <a:lvl5pPr marL="2057400" indent="-228600" algn="l" defTabSz="457200" rtl="0" eaLnBrk="1" latinLnBrk="0" hangingPunct="1">
+      <a:lvl5pPr marL="1543050" indent="-171450" algn="l" defTabSz="685800" rtl="0" eaLnBrk="1" latinLnBrk="0" hangingPunct="1">
+        <a:lnSpc>
+          <a:spcPct val="90000"/>
+        </a:lnSpc>
         <a:spcBef>
-          <a:spcPts val="1000"/>
+          <a:spcPts val="375"/>
         </a:spcBef>
-        <a:spcAft>
-          <a:spcPts val="0"/>
-        </a:spcAft>
-        <a:buClr>
-          <a:schemeClr val="accent1"/>
-        </a:buClr>
-        <a:buSzPct val="80000"/>
-        <a:buFont typeface="Wingdings 3" charset="2"/>
-        <a:buChar char=""/>
-        <a:defRPr sz="1200" kern="1200">
+        <a:buFont typeface="Arial"/>
+        <a:buChar char="•"/>
+        <a:defRPr sz="1350" kern="1200">
           <a:solidFill>
-            <a:schemeClr val="tx1">
-              <a:lumMod val="75000"/>
-              <a:lumOff val="25000"/>
-            </a:schemeClr>
+            <a:schemeClr val="tx1"/>
           </a:solidFill>
           <a:latin typeface="+mn-lt"/>
           <a:ea typeface="+mn-ea"/>
           <a:cs typeface="+mn-cs"/>
         </a:defRPr>
       </a:lvl5pPr>
-      <a:lvl6pPr marL="2514600" indent="-228600" algn="l" defTabSz="457200" rtl="0" eaLnBrk="1" latinLnBrk="0" hangingPunct="1">
+      <a:lvl6pPr marL="1885950" indent="-171450" algn="l" defTabSz="685800" rtl="0" eaLnBrk="1" latinLnBrk="0" hangingPunct="1">
+        <a:lnSpc>
+          <a:spcPct val="90000"/>
+        </a:lnSpc>
         <a:spcBef>
-          <a:spcPts val="1000"/>
+          <a:spcPts val="375"/>
         </a:spcBef>
-        <a:spcAft>
-          <a:spcPts val="0"/>
-        </a:spcAft>
-        <a:buClr>
-          <a:schemeClr val="accent1"/>
-        </a:buClr>
-        <a:buSzPct val="80000"/>
-        <a:buFont typeface="Wingdings 3" charset="2"/>
-        <a:buChar char=""/>
-        <a:defRPr sz="1200" kern="1200">
+        <a:buFont typeface="Arial"/>
+        <a:buChar char="•"/>
+        <a:defRPr sz="1350" kern="1200">
           <a:solidFill>
-            <a:schemeClr val="tx1">
-              <a:lumMod val="75000"/>
-              <a:lumOff val="25000"/>
-            </a:schemeClr>
+            <a:schemeClr val="tx1"/>
           </a:solidFill>
           <a:latin typeface="+mn-lt"/>
           <a:ea typeface="+mn-ea"/>
           <a:cs typeface="+mn-cs"/>
         </a:defRPr>
       </a:lvl6pPr>
-      <a:lvl7pPr marL="2971800" indent="-228600" algn="l" defTabSz="457200" rtl="0" eaLnBrk="1" latinLnBrk="0" hangingPunct="1">
+      <a:lvl7pPr marL="2228850" indent="-171450" algn="l" defTabSz="685800" rtl="0" eaLnBrk="1" latinLnBrk="0" hangingPunct="1">
+        <a:lnSpc>
+          <a:spcPct val="90000"/>
+        </a:lnSpc>
         <a:spcBef>
-          <a:spcPts val="1000"/>
+          <a:spcPts val="375"/>
         </a:spcBef>
-        <a:spcAft>
-          <a:spcPts val="0"/>
-        </a:spcAft>
-        <a:buClr>
-          <a:schemeClr val="accent1"/>
-        </a:buClr>
-        <a:buSzPct val="80000"/>
-        <a:buFont typeface="Wingdings 3" charset="2"/>
-        <a:buChar char=""/>
-        <a:defRPr sz="1200" kern="1200">
+        <a:buFont typeface="Arial"/>
+        <a:buChar char="•"/>
+        <a:defRPr sz="1350" kern="1200">
           <a:solidFill>
-            <a:schemeClr val="tx1">
-              <a:lumMod val="75000"/>
-              <a:lumOff val="25000"/>
-            </a:schemeClr>
+            <a:schemeClr val="tx1"/>
           </a:solidFill>
           <a:latin typeface="+mn-lt"/>
           <a:ea typeface="+mn-ea"/>
           <a:cs typeface="+mn-cs"/>
         </a:defRPr>
       </a:lvl7pPr>
-      <a:lvl8pPr marL="3429000" indent="-228600" algn="l" defTabSz="457200" rtl="0" eaLnBrk="1" latinLnBrk="0" hangingPunct="1">
+      <a:lvl8pPr marL="2571750" indent="-171450" algn="l" defTabSz="685800" rtl="0" eaLnBrk="1" latinLnBrk="0" hangingPunct="1">
+        <a:lnSpc>
+          <a:spcPct val="90000"/>
+        </a:lnSpc>
         <a:spcBef>
-          <a:spcPts val="1000"/>
+          <a:spcPts val="375"/>
         </a:spcBef>
-        <a:spcAft>
-          <a:spcPts val="0"/>
-        </a:spcAft>
-        <a:buClr>
-          <a:schemeClr val="accent1"/>
-        </a:buClr>
-        <a:buSzPct val="80000"/>
-        <a:buFont typeface="Wingdings 3" charset="2"/>
-        <a:buChar char=""/>
-        <a:defRPr sz="1200" kern="1200">
+        <a:buFont typeface="Arial"/>
+        <a:buChar char="•"/>
+        <a:defRPr sz="1350" kern="1200">
           <a:solidFill>
-            <a:schemeClr val="tx1">
-              <a:lumMod val="75000"/>
-              <a:lumOff val="25000"/>
-            </a:schemeClr>
+            <a:schemeClr val="tx1"/>
           </a:solidFill>
           <a:latin typeface="+mn-lt"/>
           <a:ea typeface="+mn-ea"/>
           <a:cs typeface="+mn-cs"/>
         </a:defRPr>
       </a:lvl8pPr>
-      <a:lvl9pPr marL="3886200" indent="-228600" algn="l" defTabSz="457200" rtl="0" eaLnBrk="1" latinLnBrk="0" hangingPunct="1">
+      <a:lvl9pPr marL="2914650" indent="-171450" algn="l" defTabSz="685800" rtl="0" eaLnBrk="1" latinLnBrk="0" hangingPunct="1">
+        <a:lnSpc>
+          <a:spcPct val="90000"/>
+        </a:lnSpc>
         <a:spcBef>
-          <a:spcPts val="1000"/>
+          <a:spcPts val="375"/>
         </a:spcBef>
-        <a:spcAft>
-          <a:spcPts val="0"/>
-        </a:spcAft>
-        <a:buClr>
-          <a:schemeClr val="accent1"/>
-        </a:buClr>
-        <a:buSzPct val="80000"/>
-        <a:buFont typeface="Wingdings 3" charset="2"/>
-        <a:buChar char=""/>
-        <a:defRPr sz="1200" kern="1200">
+        <a:buFont typeface="Arial"/>
+        <a:buChar char="•"/>
+        <a:defRPr sz="1350" kern="1200">
           <a:solidFill>
-            <a:schemeClr val="tx1">
-              <a:lumMod val="75000"/>
-              <a:lumOff val="25000"/>
-            </a:schemeClr>
+            <a:schemeClr val="tx1"/>
           </a:solidFill>
           <a:latin typeface="+mn-lt"/>
           <a:ea typeface="+mn-ea"/>
@@ -15354,8 +12337,8 @@
       <a:defPPr>
         <a:defRPr lang="en-US"/>
       </a:defPPr>
-      <a:lvl1pPr marL="0" algn="l" defTabSz="457200" rtl="0" eaLnBrk="1" latinLnBrk="0" hangingPunct="1">
-        <a:defRPr sz="1800" kern="1200">
+      <a:lvl1pPr marL="0" algn="l" defTabSz="685800" rtl="0" eaLnBrk="1" latinLnBrk="0" hangingPunct="1">
+        <a:defRPr sz="1350" kern="1200">
           <a:solidFill>
             <a:schemeClr val="tx1"/>
           </a:solidFill>
@@ -15364,8 +12347,8 @@
           <a:cs typeface="+mn-cs"/>
         </a:defRPr>
       </a:lvl1pPr>
-      <a:lvl2pPr marL="457200" algn="l" defTabSz="457200" rtl="0" eaLnBrk="1" latinLnBrk="0" hangingPunct="1">
-        <a:defRPr sz="1800" kern="1200">
+      <a:lvl2pPr marL="342900" algn="l" defTabSz="685800" rtl="0" eaLnBrk="1" latinLnBrk="0" hangingPunct="1">
+        <a:defRPr sz="1350" kern="1200">
           <a:solidFill>
             <a:schemeClr val="tx1"/>
           </a:solidFill>
@@ -15374,8 +12357,8 @@
           <a:cs typeface="+mn-cs"/>
         </a:defRPr>
       </a:lvl2pPr>
-      <a:lvl3pPr marL="914400" algn="l" defTabSz="457200" rtl="0" eaLnBrk="1" latinLnBrk="0" hangingPunct="1">
-        <a:defRPr sz="1800" kern="1200">
+      <a:lvl3pPr marL="685800" algn="l" defTabSz="685800" rtl="0" eaLnBrk="1" latinLnBrk="0" hangingPunct="1">
+        <a:defRPr sz="1350" kern="1200">
           <a:solidFill>
             <a:schemeClr val="tx1"/>
           </a:solidFill>
@@ -15384,8 +12367,8 @@
           <a:cs typeface="+mn-cs"/>
         </a:defRPr>
       </a:lvl3pPr>
-      <a:lvl4pPr marL="1371600" algn="l" defTabSz="457200" rtl="0" eaLnBrk="1" latinLnBrk="0" hangingPunct="1">
-        <a:defRPr sz="1800" kern="1200">
+      <a:lvl4pPr marL="1028700" algn="l" defTabSz="685800" rtl="0" eaLnBrk="1" latinLnBrk="0" hangingPunct="1">
+        <a:defRPr sz="1350" kern="1200">
           <a:solidFill>
             <a:schemeClr val="tx1"/>
           </a:solidFill>
@@ -15394,8 +12377,8 @@
           <a:cs typeface="+mn-cs"/>
         </a:defRPr>
       </a:lvl4pPr>
-      <a:lvl5pPr marL="1828800" algn="l" defTabSz="457200" rtl="0" eaLnBrk="1" latinLnBrk="0" hangingPunct="1">
-        <a:defRPr sz="1800" kern="1200">
+      <a:lvl5pPr marL="1371600" algn="l" defTabSz="685800" rtl="0" eaLnBrk="1" latinLnBrk="0" hangingPunct="1">
+        <a:defRPr sz="1350" kern="1200">
           <a:solidFill>
             <a:schemeClr val="tx1"/>
           </a:solidFill>
@@ -15404,8 +12387,8 @@
           <a:cs typeface="+mn-cs"/>
         </a:defRPr>
       </a:lvl5pPr>
-      <a:lvl6pPr marL="2286000" algn="l" defTabSz="457200" rtl="0" eaLnBrk="1" latinLnBrk="0" hangingPunct="1">
-        <a:defRPr sz="1800" kern="1200">
+      <a:lvl6pPr marL="1714500" algn="l" defTabSz="685800" rtl="0" eaLnBrk="1" latinLnBrk="0" hangingPunct="1">
+        <a:defRPr sz="1350" kern="1200">
           <a:solidFill>
             <a:schemeClr val="tx1"/>
           </a:solidFill>
@@ -15414,8 +12397,8 @@
           <a:cs typeface="+mn-cs"/>
         </a:defRPr>
       </a:lvl6pPr>
-      <a:lvl7pPr marL="2743200" algn="l" defTabSz="457200" rtl="0" eaLnBrk="1" latinLnBrk="0" hangingPunct="1">
-        <a:defRPr sz="1800" kern="1200">
+      <a:lvl7pPr marL="2057400" algn="l" defTabSz="685800" rtl="0" eaLnBrk="1" latinLnBrk="0" hangingPunct="1">
+        <a:defRPr sz="1350" kern="1200">
           <a:solidFill>
             <a:schemeClr val="tx1"/>
           </a:solidFill>
@@ -15424,8 +12407,8 @@
           <a:cs typeface="+mn-cs"/>
         </a:defRPr>
       </a:lvl7pPr>
-      <a:lvl8pPr marL="3200400" algn="l" defTabSz="457200" rtl="0" eaLnBrk="1" latinLnBrk="0" hangingPunct="1">
-        <a:defRPr sz="1800" kern="1200">
+      <a:lvl8pPr marL="2400300" algn="l" defTabSz="685800" rtl="0" eaLnBrk="1" latinLnBrk="0" hangingPunct="1">
+        <a:defRPr sz="1350" kern="1200">
           <a:solidFill>
             <a:schemeClr val="tx1"/>
           </a:solidFill>
@@ -15434,8 +12417,8 @@
           <a:cs typeface="+mn-cs"/>
         </a:defRPr>
       </a:lvl8pPr>
-      <a:lvl9pPr marL="3657600" algn="l" defTabSz="457200" rtl="0" eaLnBrk="1" latinLnBrk="0" hangingPunct="1">
-        <a:defRPr sz="1800" kern="1200">
+      <a:lvl9pPr marL="2743200" algn="l" defTabSz="685800" rtl="0" eaLnBrk="1" latinLnBrk="0" hangingPunct="1">
+        <a:defRPr sz="1350" kern="1200">
           <a:solidFill>
             <a:schemeClr val="tx1"/>
           </a:solidFill>
@@ -16641,7 +13624,7 @@
           <p:nvPr>
             <p:extLst>
               <p:ext uri="{D42A27DB-BD31-4B8C-83A1-F6EECF244321}">
-                <p14:modId xmlns:p14="http://schemas.microsoft.com/office/powerpoint/2010/main" val="3930675752"/>
+                <p14:modId xmlns:p14="http://schemas.microsoft.com/office/powerpoint/2010/main" val="636520732"/>
               </p:ext>
             </p:extLst>
           </p:nvPr>
@@ -16666,15 +13649,20 @@
         </p:nvSpPr>
         <p:spPr>
           <a:xfrm>
-            <a:off x="3023884" y="6201038"/>
-            <a:ext cx="3096229" cy="457999"/>
+            <a:off x="7510726" y="6201038"/>
+            <a:ext cx="1476861" cy="457999"/>
           </a:xfrm>
           <a:prstGeom prst="roundRect">
             <a:avLst/>
           </a:prstGeom>
           <a:solidFill>
-            <a:srgbClr val="000046"/>
+            <a:srgbClr val="49702E"/>
           </a:solidFill>
+          <a:ln>
+            <a:solidFill>
+              <a:schemeClr val="bg1"/>
+            </a:solidFill>
+          </a:ln>
           <a:effectLst>
             <a:outerShdw blurRad="50800" dist="25400" dir="5400000" algn="ctr" rotWithShape="0">
               <a:schemeClr val="tx2">
@@ -16705,8 +13693,8 @@
           <a:p>
             <a:pPr algn="ctr"/>
             <a:r>
-              <a:rPr lang="en-US" dirty="0" smtClean="0"/>
-              <a:t>Next Page</a:t>
+              <a:rPr lang="en-US" smtClean="0"/>
+              <a:t>Next</a:t>
             </a:r>
             <a:endParaRPr lang="en-US" dirty="0"/>
           </a:p>
@@ -16943,7 +13931,7 @@
           <p:nvPr>
             <p:extLst>
               <p:ext uri="{D42A27DB-BD31-4B8C-83A1-F6EECF244321}">
-                <p14:modId xmlns:p14="http://schemas.microsoft.com/office/powerpoint/2010/main" val="4005955398"/>
+                <p14:modId xmlns:p14="http://schemas.microsoft.com/office/powerpoint/2010/main" val="578528147"/>
               </p:ext>
             </p:extLst>
           </p:nvPr>
@@ -16960,7 +13948,7 @@
       </p:graphicFrame>
       <p:sp>
         <p:nvSpPr>
-          <p:cNvPr id="8" name="Rounded Rectangle 7">
+          <p:cNvPr id="9" name="Rounded Rectangle 8">
             <a:hlinkClick r:id="" action="ppaction://hlinkshowjump?jump=nextslide"/>
           </p:cNvPr>
           <p:cNvSpPr/>
@@ -16968,15 +13956,20 @@
         </p:nvSpPr>
         <p:spPr>
           <a:xfrm>
-            <a:off x="3023884" y="6201038"/>
-            <a:ext cx="3096229" cy="457999"/>
+            <a:off x="7510726" y="6201038"/>
+            <a:ext cx="1476861" cy="457999"/>
           </a:xfrm>
           <a:prstGeom prst="roundRect">
             <a:avLst/>
           </a:prstGeom>
           <a:solidFill>
-            <a:srgbClr val="000046"/>
+            <a:srgbClr val="49702E"/>
           </a:solidFill>
+          <a:ln>
+            <a:solidFill>
+              <a:schemeClr val="bg1"/>
+            </a:solidFill>
+          </a:ln>
           <a:effectLst>
             <a:outerShdw blurRad="50800" dist="25400" dir="5400000" algn="ctr" rotWithShape="0">
               <a:schemeClr val="tx2">
@@ -17007,10 +14000,79 @@
           <a:p>
             <a:pPr algn="ctr"/>
             <a:r>
-              <a:rPr lang="en-US" dirty="0" smtClean="0"/>
-              <a:t>Next Page</a:t>
+              <a:rPr lang="en-US" smtClean="0"/>
+              <a:t>Next</a:t>
             </a:r>
             <a:endParaRPr lang="en-US" dirty="0"/>
+          </a:p>
+        </p:txBody>
+      </p:sp>
+      <p:sp>
+        <p:nvSpPr>
+          <p:cNvPr id="15" name="Rounded Rectangle 14">
+            <a:hlinkClick r:id="" action="ppaction://hlinkshowjump?jump=previousslide"/>
+          </p:cNvPr>
+          <p:cNvSpPr/>
+          <p:nvPr/>
+        </p:nvSpPr>
+        <p:spPr>
+          <a:xfrm>
+            <a:off x="211254" y="6201038"/>
+            <a:ext cx="1476861" cy="457999"/>
+          </a:xfrm>
+          <a:prstGeom prst="roundRect">
+            <a:avLst/>
+          </a:prstGeom>
+          <a:solidFill>
+            <a:srgbClr val="FFC000"/>
+          </a:solidFill>
+          <a:ln>
+            <a:solidFill>
+              <a:schemeClr val="bg1"/>
+            </a:solidFill>
+          </a:ln>
+          <a:effectLst>
+            <a:outerShdw blurRad="50800" dist="25400" dir="5400000" algn="ctr" rotWithShape="0">
+              <a:schemeClr val="tx2">
+                <a:lumMod val="75000"/>
+              </a:schemeClr>
+            </a:outerShdw>
+          </a:effectLst>
+        </p:spPr>
+        <p:style>
+          <a:lnRef idx="2">
+            <a:schemeClr val="accent1">
+              <a:shade val="50000"/>
+            </a:schemeClr>
+          </a:lnRef>
+          <a:fillRef idx="1">
+            <a:schemeClr val="accent1"/>
+          </a:fillRef>
+          <a:effectRef idx="0">
+            <a:schemeClr val="accent1"/>
+          </a:effectRef>
+          <a:fontRef idx="minor">
+            <a:schemeClr val="lt1"/>
+          </a:fontRef>
+        </p:style>
+        <p:txBody>
+          <a:bodyPr rtlCol="0" anchor="ctr"/>
+          <a:lstStyle/>
+          <a:p>
+            <a:pPr algn="ctr"/>
+            <a:r>
+              <a:rPr lang="en-US" dirty="0" smtClean="0">
+                <a:solidFill>
+                  <a:srgbClr val="000046"/>
+                </a:solidFill>
+              </a:rPr>
+              <a:t>Back</a:t>
+            </a:r>
+            <a:endParaRPr lang="en-US" dirty="0">
+              <a:solidFill>
+                <a:srgbClr val="000046"/>
+              </a:solidFill>
+            </a:endParaRPr>
           </a:p>
         </p:txBody>
       </p:sp>
@@ -17263,7 +14325,7 @@
       </p:graphicFrame>
       <p:sp>
         <p:nvSpPr>
-          <p:cNvPr id="8" name="Rounded Rectangle 7">
+          <p:cNvPr id="9" name="Rounded Rectangle 8">
             <a:hlinkClick r:id="rId8" action="ppaction://hlinksldjump"/>
           </p:cNvPr>
           <p:cNvSpPr/>
@@ -17271,15 +14333,20 @@
         </p:nvSpPr>
         <p:spPr>
           <a:xfrm>
-            <a:off x="3023884" y="6201038"/>
-            <a:ext cx="3096229" cy="457999"/>
+            <a:off x="7510726" y="6201038"/>
+            <a:ext cx="1476861" cy="457999"/>
           </a:xfrm>
           <a:prstGeom prst="roundRect">
             <a:avLst/>
           </a:prstGeom>
           <a:solidFill>
-            <a:srgbClr val="000046"/>
+            <a:srgbClr val="C00000"/>
           </a:solidFill>
+          <a:ln>
+            <a:solidFill>
+              <a:schemeClr val="bg1"/>
+            </a:solidFill>
+          </a:ln>
           <a:effectLst>
             <a:outerShdw blurRad="50800" dist="25400" dir="5400000" algn="ctr" rotWithShape="0">
               <a:schemeClr val="tx2">
@@ -17317,6 +14384,75 @@
           </a:p>
         </p:txBody>
       </p:sp>
+      <p:sp>
+        <p:nvSpPr>
+          <p:cNvPr id="15" name="Rounded Rectangle 14">
+            <a:hlinkClick r:id="" action="ppaction://hlinkshowjump?jump=previousslide"/>
+          </p:cNvPr>
+          <p:cNvSpPr/>
+          <p:nvPr/>
+        </p:nvSpPr>
+        <p:spPr>
+          <a:xfrm>
+            <a:off x="211254" y="6201038"/>
+            <a:ext cx="1476861" cy="457999"/>
+          </a:xfrm>
+          <a:prstGeom prst="roundRect">
+            <a:avLst/>
+          </a:prstGeom>
+          <a:solidFill>
+            <a:srgbClr val="FFC000"/>
+          </a:solidFill>
+          <a:ln>
+            <a:solidFill>
+              <a:schemeClr val="bg1"/>
+            </a:solidFill>
+          </a:ln>
+          <a:effectLst>
+            <a:outerShdw blurRad="50800" dist="25400" dir="5400000" algn="ctr" rotWithShape="0">
+              <a:schemeClr val="tx2">
+                <a:lumMod val="75000"/>
+              </a:schemeClr>
+            </a:outerShdw>
+          </a:effectLst>
+        </p:spPr>
+        <p:style>
+          <a:lnRef idx="2">
+            <a:schemeClr val="accent1">
+              <a:shade val="50000"/>
+            </a:schemeClr>
+          </a:lnRef>
+          <a:fillRef idx="1">
+            <a:schemeClr val="accent1"/>
+          </a:fillRef>
+          <a:effectRef idx="0">
+            <a:schemeClr val="accent1"/>
+          </a:effectRef>
+          <a:fontRef idx="minor">
+            <a:schemeClr val="lt1"/>
+          </a:fontRef>
+        </p:style>
+        <p:txBody>
+          <a:bodyPr rtlCol="0" anchor="ctr"/>
+          <a:lstStyle/>
+          <a:p>
+            <a:pPr algn="ctr"/>
+            <a:r>
+              <a:rPr lang="en-US" dirty="0" smtClean="0">
+                <a:solidFill>
+                  <a:srgbClr val="000046"/>
+                </a:solidFill>
+              </a:rPr>
+              <a:t>Back</a:t>
+            </a:r>
+            <a:endParaRPr lang="en-US" dirty="0">
+              <a:solidFill>
+                <a:srgbClr val="000046"/>
+              </a:solidFill>
+            </a:endParaRPr>
+          </a:p>
+        </p:txBody>
+      </p:sp>
     </p:spTree>
     <p:extLst>
       <p:ext uri="{BB962C8B-B14F-4D97-AF65-F5344CB8AC3E}">
@@ -17338,9 +14474,9 @@
 </file>
 
 <file path=ppt/theme/theme1.xml><?xml version="1.0" encoding="utf-8"?>
-<a:theme xmlns:a="http://schemas.openxmlformats.org/drawingml/2006/main" name="Facet">
+<a:theme xmlns:a="http://schemas.openxmlformats.org/drawingml/2006/main" name="Office Theme">
   <a:themeElements>
-    <a:clrScheme name="Facet">
+    <a:clrScheme name="Office">
       <a:dk1>
         <a:sysClr val="windowText" lastClr="000000"/>
       </a:dk1>
@@ -17348,52 +14484,52 @@
         <a:sysClr val="window" lastClr="FFFFFF"/>
       </a:lt1>
       <a:dk2>
-        <a:srgbClr val="2C3C43"/>
+        <a:srgbClr val="44546A"/>
       </a:dk2>
       <a:lt2>
-        <a:srgbClr val="EBEBEB"/>
+        <a:srgbClr val="E7E6E6"/>
       </a:lt2>
       <a:accent1>
-        <a:srgbClr val="5FCBEF"/>
+        <a:srgbClr val="5B9BD5"/>
       </a:accent1>
       <a:accent2>
-        <a:srgbClr val="2E83C3"/>
+        <a:srgbClr val="ED7D31"/>
       </a:accent2>
       <a:accent3>
-        <a:srgbClr val="42D0A2"/>
+        <a:srgbClr val="A5A5A5"/>
       </a:accent3>
       <a:accent4>
-        <a:srgbClr val="2E946B"/>
+        <a:srgbClr val="FFC000"/>
       </a:accent4>
       <a:accent5>
-        <a:srgbClr val="42B051"/>
+        <a:srgbClr val="4472C4"/>
       </a:accent5>
       <a:accent6>
-        <a:srgbClr val="96D141"/>
+        <a:srgbClr val="70AD47"/>
       </a:accent6>
       <a:hlink>
-        <a:srgbClr val="3FCDE7"/>
+        <a:srgbClr val="0563C1"/>
       </a:hlink>
       <a:folHlink>
-        <a:srgbClr val="A9D3E1"/>
+        <a:srgbClr val="954F72"/>
       </a:folHlink>
     </a:clrScheme>
-    <a:fontScheme name="Facet">
+    <a:fontScheme name="Office">
       <a:majorFont>
-        <a:latin typeface="Trebuchet MS" panose="020B0603020202020204"/>
+        <a:latin typeface="Calibri Light" panose="020F0302020204030204"/>
         <a:ea typeface=""/>
         <a:cs typeface=""/>
-        <a:font script="Jpan" typeface="メイリオ"/>
+        <a:font script="Jpan" typeface="Yu Gothic Light"/>
         <a:font script="Hang" typeface="맑은 고딕"/>
-        <a:font script="Hans" typeface="方正姚体"/>
-        <a:font script="Hant" typeface="微軟正黑體"/>
-        <a:font script="Arab" typeface="Tahoma"/>
-        <a:font script="Hebr" typeface="Arial"/>
-        <a:font script="Thai" typeface="Cordia New"/>
+        <a:font script="Hans" typeface="DengXian Light"/>
+        <a:font script="Hant" typeface="新細明體"/>
+        <a:font script="Arab" typeface="Times New Roman"/>
+        <a:font script="Hebr" typeface="Times New Roman"/>
+        <a:font script="Thai" typeface="Angsana New"/>
         <a:font script="Ethi" typeface="Nyala"/>
         <a:font script="Beng" typeface="Vrinda"/>
         <a:font script="Gujr" typeface="Shruti"/>
-        <a:font script="Khmr" typeface="DaunPenh"/>
+        <a:font script="Khmr" typeface="MoolBoran"/>
         <a:font script="Knda" typeface="Tunga"/>
         <a:font script="Guru" typeface="Raavi"/>
         <a:font script="Cans" typeface="Euphemia"/>
@@ -17410,21 +14546,21 @@
         <a:font script="Laoo" typeface="DokChampa"/>
         <a:font script="Sinh" typeface="Iskoola Pota"/>
         <a:font script="Mong" typeface="Mongolian Baiti"/>
-        <a:font script="Viet" typeface="Tahoma"/>
+        <a:font script="Viet" typeface="Times New Roman"/>
         <a:font script="Uigh" typeface="Microsoft Uighur"/>
         <a:font script="Geor" typeface="Sylfaen"/>
       </a:majorFont>
       <a:minorFont>
-        <a:latin typeface="Trebuchet MS" panose="020B0603020202020204"/>
+        <a:latin typeface="Calibri" panose="020F0502020204030204"/>
         <a:ea typeface=""/>
         <a:cs typeface=""/>
-        <a:font script="Jpan" typeface="メイリオ"/>
-        <a:font script="Hang" typeface="HY그래픽M"/>
-        <a:font script="Hans" typeface="华文新魏"/>
-        <a:font script="Hant" typeface="微軟正黑體"/>
-        <a:font script="Arab" typeface="Tahoma"/>
-        <a:font script="Hebr" typeface="Gisha"/>
-        <a:font script="Thai" typeface="IrisUPC"/>
+        <a:font script="Jpan" typeface="Yu Gothic"/>
+        <a:font script="Hang" typeface="맑은 고딕"/>
+        <a:font script="Hans" typeface="DengXian"/>
+        <a:font script="Hant" typeface="新細明體"/>
+        <a:font script="Arab" typeface="Arial"/>
+        <a:font script="Hebr" typeface="Arial"/>
+        <a:font script="Thai" typeface="Cordia New"/>
         <a:font script="Ethi" typeface="Nyala"/>
         <a:font script="Beng" typeface="Vrinda"/>
         <a:font script="Gujr" typeface="Shruti"/>
@@ -17450,7 +14586,7 @@
         <a:font script="Geor" typeface="Sylfaen"/>
       </a:minorFont>
     </a:fontScheme>
-    <a:fmtScheme name="Facet">
+    <a:fmtScheme name="Office">
       <a:fillStyleLst>
         <a:solidFill>
           <a:schemeClr val="phClr"/>
@@ -17459,13 +14595,23 @@
           <a:gsLst>
             <a:gs pos="0">
               <a:schemeClr val="phClr">
-                <a:tint val="65000"/>
                 <a:lumMod val="110000"/>
+                <a:satMod val="105000"/>
+                <a:tint val="67000"/>
               </a:schemeClr>
             </a:gs>
-            <a:gs pos="88000">
+            <a:gs pos="50000">
               <a:schemeClr val="phClr">
-                <a:tint val="90000"/>
+                <a:lumMod val="105000"/>
+                <a:satMod val="103000"/>
+                <a:tint val="73000"/>
+              </a:schemeClr>
+            </a:gs>
+            <a:gs pos="100000">
+              <a:schemeClr val="phClr">
+                <a:lumMod val="105000"/>
+                <a:satMod val="109000"/>
+                <a:tint val="81000"/>
               </a:schemeClr>
             </a:gs>
           </a:gsLst>
@@ -17475,14 +14621,23 @@
           <a:gsLst>
             <a:gs pos="0">
               <a:schemeClr val="phClr">
-                <a:tint val="96000"/>
-                <a:lumMod val="100000"/>
+                <a:satMod val="103000"/>
+                <a:lumMod val="102000"/>
+                <a:tint val="94000"/>
               </a:schemeClr>
             </a:gs>
-            <a:gs pos="78000">
+            <a:gs pos="50000">
               <a:schemeClr val="phClr">
-                <a:shade val="94000"/>
-                <a:lumMod val="94000"/>
+                <a:satMod val="110000"/>
+                <a:lumMod val="100000"/>
+                <a:shade val="100000"/>
+              </a:schemeClr>
+            </a:gs>
+            <a:gs pos="100000">
+              <a:schemeClr val="phClr">
+                <a:lumMod val="99000"/>
+                <a:satMod val="120000"/>
+                <a:shade val="78000"/>
               </a:schemeClr>
             </a:gs>
           </a:gsLst>
@@ -17490,23 +14645,26 @@
         </a:gradFill>
       </a:fillStyleLst>
       <a:lnStyleLst>
-        <a:ln w="12700" cap="rnd" cmpd="sng" algn="ctr">
+        <a:ln w="6350" cap="flat" cmpd="sng" algn="ctr">
           <a:solidFill>
             <a:schemeClr val="phClr"/>
           </a:solidFill>
           <a:prstDash val="solid"/>
+          <a:miter lim="800000"/>
         </a:ln>
-        <a:ln w="19050" cap="rnd" cmpd="sng" algn="ctr">
+        <a:ln w="12700" cap="flat" cmpd="sng" algn="ctr">
           <a:solidFill>
             <a:schemeClr val="phClr"/>
           </a:solidFill>
           <a:prstDash val="solid"/>
+          <a:miter lim="800000"/>
         </a:ln>
-        <a:ln w="25400" cap="rnd" cmpd="sng" algn="ctr">
+        <a:ln w="19050" cap="flat" cmpd="sng" algn="ctr">
           <a:solidFill>
             <a:schemeClr val="phClr"/>
           </a:solidFill>
           <a:prstDash val="solid"/>
+          <a:miter lim="800000"/>
         </a:ln>
       </a:lnStyleLst>
       <a:effectStyleLst>
@@ -17514,72 +14672,54 @@
           <a:effectLst/>
         </a:effectStyle>
         <a:effectStyle>
+          <a:effectLst/>
+        </a:effectStyle>
+        <a:effectStyle>
           <a:effectLst>
-            <a:outerShdw blurRad="38100" dist="25400" dir="5400000" rotWithShape="0">
+            <a:outerShdw blurRad="57150" dist="19050" dir="5400000" algn="ctr" rotWithShape="0">
               <a:srgbClr val="000000">
-                <a:alpha val="35000"/>
+                <a:alpha val="63000"/>
               </a:srgbClr>
             </a:outerShdw>
           </a:effectLst>
-        </a:effectStyle>
-        <a:effectStyle>
-          <a:effectLst>
-            <a:outerShdw blurRad="50800" dist="38100" dir="5400000" rotWithShape="0">
-              <a:srgbClr val="000000">
-                <a:alpha val="35000"/>
-              </a:srgbClr>
-            </a:outerShdw>
-          </a:effectLst>
-          <a:scene3d>
-            <a:camera prst="orthographicFront">
-              <a:rot lat="0" lon="0" rev="0"/>
-            </a:camera>
-            <a:lightRig rig="threePt" dir="tl"/>
-          </a:scene3d>
-          <a:sp3d prstMaterial="plastic">
-            <a:bevelT w="0" h="0"/>
-          </a:sp3d>
         </a:effectStyle>
       </a:effectStyleLst>
       <a:bgFillStyleLst>
         <a:solidFill>
           <a:schemeClr val="phClr"/>
         </a:solidFill>
+        <a:solidFill>
+          <a:schemeClr val="phClr">
+            <a:tint val="95000"/>
+            <a:satMod val="170000"/>
+          </a:schemeClr>
+        </a:solidFill>
         <a:gradFill rotWithShape="1">
           <a:gsLst>
             <a:gs pos="0">
               <a:schemeClr val="phClr">
-                <a:tint val="90000"/>
-                <a:lumMod val="104000"/>
+                <a:tint val="93000"/>
+                <a:satMod val="150000"/>
+                <a:shade val="98000"/>
+                <a:lumMod val="102000"/>
               </a:schemeClr>
             </a:gs>
-            <a:gs pos="94000">
+            <a:gs pos="50000">
               <a:schemeClr val="phClr">
-                <a:shade val="96000"/>
-                <a:lumMod val="82000"/>
+                <a:tint val="98000"/>
+                <a:satMod val="130000"/>
+                <a:shade val="90000"/>
+                <a:lumMod val="103000"/>
+              </a:schemeClr>
+            </a:gs>
+            <a:gs pos="100000">
+              <a:schemeClr val="phClr">
+                <a:shade val="63000"/>
+                <a:satMod val="120000"/>
               </a:schemeClr>
             </a:gs>
           </a:gsLst>
           <a:lin ang="5400000" scaled="0"/>
-        </a:gradFill>
-        <a:gradFill rotWithShape="1">
-          <a:gsLst>
-            <a:gs pos="0">
-              <a:schemeClr val="phClr">
-                <a:tint val="90000"/>
-                <a:lumMod val="110000"/>
-              </a:schemeClr>
-            </a:gs>
-            <a:gs pos="100000">
-              <a:schemeClr val="phClr">
-                <a:shade val="94000"/>
-                <a:lumMod val="96000"/>
-              </a:schemeClr>
-            </a:gs>
-          </a:gsLst>
-          <a:path path="circle">
-            <a:fillToRect l="50000" t="50000" r="100000" b="100000"/>
-          </a:path>
         </a:gradFill>
       </a:bgFillStyleLst>
     </a:fmtScheme>
@@ -17588,7 +14728,7 @@
   <a:extraClrSchemeLst/>
   <a:extLst>
     <a:ext uri="{05A4C25C-085E-4340-85A3-A5531E510DB2}">
-      <thm15:themeFamily xmlns:thm15="http://schemas.microsoft.com/office/thememl/2012/main" name="Facet" id="{C0C680CD-088A-49FC-A102-D699147F32B2}" vid="{0B5AB586-D108-4FC1-8368-649FE654B894}"/>
+      <thm15:themeFamily xmlns:thm15="http://schemas.microsoft.com/office/thememl/2012/main" name="Office Theme" id="{62F939B6-93AF-4DB8-9C6B-D6C7DFDC589F}" vid="{4A3C46E8-61CC-4603-A589-7422A47A8E4A}"/>
     </a:ext>
   </a:extLst>
 </a:theme>
